--- a/docs/slides/lesson_10.pptx
+++ b/docs/slides/lesson_10.pptx
@@ -5,27 +5,35 @@
     <p:sldMasterId id="2147483648" r:id="rId1"/>
   </p:sldMasterIdLst>
   <p:notesMasterIdLst>
-    <p:notesMasterId r:id="rId20"/>
+    <p:notesMasterId r:id="rId28"/>
   </p:notesMasterIdLst>
   <p:sldIdLst>
     <p:sldId id="447" r:id="rId2"/>
     <p:sldId id="257" r:id="rId3"/>
-    <p:sldId id="448" r:id="rId4"/>
-    <p:sldId id="437" r:id="rId5"/>
-    <p:sldId id="442" r:id="rId6"/>
-    <p:sldId id="443" r:id="rId7"/>
-    <p:sldId id="444" r:id="rId8"/>
-    <p:sldId id="445" r:id="rId9"/>
-    <p:sldId id="446" r:id="rId10"/>
-    <p:sldId id="449" r:id="rId11"/>
-    <p:sldId id="436" r:id="rId12"/>
-    <p:sldId id="432" r:id="rId13"/>
-    <p:sldId id="450" r:id="rId14"/>
-    <p:sldId id="434" r:id="rId15"/>
-    <p:sldId id="438" r:id="rId16"/>
-    <p:sldId id="435" r:id="rId17"/>
-    <p:sldId id="440" r:id="rId18"/>
-    <p:sldId id="441" r:id="rId19"/>
+    <p:sldId id="451" r:id="rId4"/>
+    <p:sldId id="448" r:id="rId5"/>
+    <p:sldId id="453" r:id="rId6"/>
+    <p:sldId id="452" r:id="rId7"/>
+    <p:sldId id="454" r:id="rId8"/>
+    <p:sldId id="456" r:id="rId9"/>
+    <p:sldId id="455" r:id="rId10"/>
+    <p:sldId id="457" r:id="rId11"/>
+    <p:sldId id="437" r:id="rId12"/>
+    <p:sldId id="442" r:id="rId13"/>
+    <p:sldId id="443" r:id="rId14"/>
+    <p:sldId id="444" r:id="rId15"/>
+    <p:sldId id="445" r:id="rId16"/>
+    <p:sldId id="446" r:id="rId17"/>
+    <p:sldId id="449" r:id="rId18"/>
+    <p:sldId id="436" r:id="rId19"/>
+    <p:sldId id="458" r:id="rId20"/>
+    <p:sldId id="432" r:id="rId21"/>
+    <p:sldId id="450" r:id="rId22"/>
+    <p:sldId id="434" r:id="rId23"/>
+    <p:sldId id="438" r:id="rId24"/>
+    <p:sldId id="435" r:id="rId25"/>
+    <p:sldId id="440" r:id="rId26"/>
+    <p:sldId id="441" r:id="rId27"/>
   </p:sldIdLst>
   <p:sldSz cx="12192000" cy="6858000"/>
   <p:notesSz cx="6858000" cy="9144000"/>
@@ -214,7 +222,7 @@
           <a:p>
             <a:fld id="{9B5B52BA-3295-0343-9E28-A260A811DD10}" type="datetimeFigureOut">
               <a:rPr lang="en-US" smtClean="0"/>
-              <a:t>3/17/19</a:t>
+              <a:t>18-Feb-20</a:t>
             </a:fld>
             <a:endParaRPr lang="en-US"/>
           </a:p>
@@ -694,7 +702,7 @@
           <a:p>
             <a:fld id="{04F1D4A2-813C-F741-B481-C92B3A596030}" type="datetimeFigureOut">
               <a:rPr lang="en-US" smtClean="0"/>
-              <a:t>3/17/19</a:t>
+              <a:t>18-Feb-20</a:t>
             </a:fld>
             <a:endParaRPr lang="en-US"/>
           </a:p>
@@ -862,7 +870,7 @@
           <a:p>
             <a:fld id="{04F1D4A2-813C-F741-B481-C92B3A596030}" type="datetimeFigureOut">
               <a:rPr lang="en-US" smtClean="0"/>
-              <a:t>3/17/19</a:t>
+              <a:t>18-Feb-20</a:t>
             </a:fld>
             <a:endParaRPr lang="en-US"/>
           </a:p>
@@ -1040,7 +1048,7 @@
           <a:p>
             <a:fld id="{04F1D4A2-813C-F741-B481-C92B3A596030}" type="datetimeFigureOut">
               <a:rPr lang="en-US" smtClean="0"/>
-              <a:t>3/17/19</a:t>
+              <a:t>18-Feb-20</a:t>
             </a:fld>
             <a:endParaRPr lang="en-US"/>
           </a:p>
@@ -1219,7 +1227,7 @@
           <a:p>
             <a:fld id="{04F1D4A2-813C-F741-B481-C92B3A596030}" type="datetimeFigureOut">
               <a:rPr lang="en-US" smtClean="0"/>
-              <a:t>3/17/19</a:t>
+              <a:t>18-Feb-20</a:t>
             </a:fld>
             <a:endParaRPr lang="en-US"/>
           </a:p>
@@ -1464,7 +1472,7 @@
           <a:p>
             <a:fld id="{04F1D4A2-813C-F741-B481-C92B3A596030}" type="datetimeFigureOut">
               <a:rPr lang="en-US" smtClean="0"/>
-              <a:t>3/17/19</a:t>
+              <a:t>18-Feb-20</a:t>
             </a:fld>
             <a:endParaRPr lang="en-US"/>
           </a:p>
@@ -1693,7 +1701,7 @@
           <a:p>
             <a:fld id="{04F1D4A2-813C-F741-B481-C92B3A596030}" type="datetimeFigureOut">
               <a:rPr lang="en-US" smtClean="0"/>
-              <a:t>3/17/19</a:t>
+              <a:t>18-Feb-20</a:t>
             </a:fld>
             <a:endParaRPr lang="en-US"/>
           </a:p>
@@ -2057,7 +2065,7 @@
           <a:p>
             <a:fld id="{04F1D4A2-813C-F741-B481-C92B3A596030}" type="datetimeFigureOut">
               <a:rPr lang="en-US" smtClean="0"/>
-              <a:t>3/17/19</a:t>
+              <a:t>18-Feb-20</a:t>
             </a:fld>
             <a:endParaRPr lang="en-US"/>
           </a:p>
@@ -2174,7 +2182,7 @@
           <a:p>
             <a:fld id="{04F1D4A2-813C-F741-B481-C92B3A596030}" type="datetimeFigureOut">
               <a:rPr lang="en-US" smtClean="0"/>
-              <a:t>3/17/19</a:t>
+              <a:t>18-Feb-20</a:t>
             </a:fld>
             <a:endParaRPr lang="en-US"/>
           </a:p>
@@ -2269,7 +2277,7 @@
           <a:p>
             <a:fld id="{04F1D4A2-813C-F741-B481-C92B3A596030}" type="datetimeFigureOut">
               <a:rPr lang="en-US" smtClean="0"/>
-              <a:t>3/17/19</a:t>
+              <a:t>18-Feb-20</a:t>
             </a:fld>
             <a:endParaRPr lang="en-US"/>
           </a:p>
@@ -2544,7 +2552,7 @@
           <a:p>
             <a:fld id="{04F1D4A2-813C-F741-B481-C92B3A596030}" type="datetimeFigureOut">
               <a:rPr lang="en-US" smtClean="0"/>
-              <a:t>3/17/19</a:t>
+              <a:t>18-Feb-20</a:t>
             </a:fld>
             <a:endParaRPr lang="en-US"/>
           </a:p>
@@ -2796,7 +2804,7 @@
           <a:p>
             <a:fld id="{04F1D4A2-813C-F741-B481-C92B3A596030}" type="datetimeFigureOut">
               <a:rPr lang="en-US" smtClean="0"/>
-              <a:t>3/17/19</a:t>
+              <a:t>18-Feb-20</a:t>
             </a:fld>
             <a:endParaRPr lang="en-US"/>
           </a:p>
@@ -3007,7 +3015,7 @@
           <a:p>
             <a:fld id="{04F1D4A2-813C-F741-B481-C92B3A596030}" type="datetimeFigureOut">
               <a:rPr lang="en-US" smtClean="0"/>
-              <a:t>3/17/19</a:t>
+              <a:t>18-Feb-20</a:t>
             </a:fld>
             <a:endParaRPr lang="en-US"/>
           </a:p>
@@ -3442,6 +3450,10 @@
             <a:br>
               <a:rPr lang="en-US" sz="6600" dirty="0"/>
             </a:br>
+            <a:r>
+              <a:rPr lang="en-US" sz="6600" dirty="0"/>
+              <a:t/>
+            </a:r>
             <a:br>
               <a:rPr lang="en-US" sz="6600" dirty="0"/>
             </a:br>
@@ -3609,13 +3621,7 @@
       </p:grpSpPr>
       <p:sp>
         <p:nvSpPr>
-          <p:cNvPr id="2" name="Title 1">
-            <a:extLst>
-              <a:ext uri="{FF2B5EF4-FFF2-40B4-BE49-F238E27FC236}">
-                <a16:creationId xmlns:a16="http://schemas.microsoft.com/office/drawing/2014/main" id="{B1DE7817-04D0-C940-9BE2-A2700962FE2B}"/>
-              </a:ext>
-            </a:extLst>
-          </p:cNvPr>
+          <p:cNvPr id="2" name="Title 1"/>
           <p:cNvSpPr>
             <a:spLocks noGrp="1"/>
           </p:cNvSpPr>
@@ -3625,25 +3631,22 @@
         </p:nvSpPr>
         <p:spPr/>
         <p:txBody>
-          <a:bodyPr/>
-          <a:lstStyle/>
-          <a:p>
-            <a:r>
-              <a:rPr lang="en-US" dirty="0"/>
-              <a:t>Settings</a:t>
-            </a:r>
-          </a:p>
-        </p:txBody>
-      </p:sp>
-      <p:sp>
-        <p:nvSpPr>
-          <p:cNvPr id="3" name="Content Placeholder 2">
-            <a:extLst>
-              <a:ext uri="{FF2B5EF4-FFF2-40B4-BE49-F238E27FC236}">
-                <a16:creationId xmlns:a16="http://schemas.microsoft.com/office/drawing/2014/main" id="{28FD7124-CF67-4F40-866E-E2CC5AE10229}"/>
-              </a:ext>
-            </a:extLst>
-          </p:cNvPr>
+          <a:bodyPr>
+            <a:normAutofit/>
+          </a:bodyPr>
+          <a:lstStyle/>
+          <a:p>
+            <a:r>
+              <a:rPr lang="en-US" dirty="0" smtClean="0"/>
+              <a:t>Example</a:t>
+            </a:r>
+            <a:endParaRPr lang="en-US" dirty="0"/>
+          </a:p>
+        </p:txBody>
+      </p:sp>
+      <p:sp>
+        <p:nvSpPr>
+          <p:cNvPr id="3" name="Content Placeholder 2"/>
           <p:cNvSpPr>
             <a:spLocks noGrp="1"/>
           </p:cNvSpPr>
@@ -3653,92 +3656,415 @@
         </p:nvSpPr>
         <p:spPr>
           <a:xfrm>
-            <a:off x="205273" y="1825625"/>
-            <a:ext cx="11880980" cy="4848873"/>
+            <a:off x="585604" y="2810752"/>
+            <a:ext cx="2960854" cy="2503882"/>
           </a:xfrm>
         </p:spPr>
         <p:txBody>
           <a:bodyPr/>
           <a:lstStyle/>
           <a:p>
-            <a:r>
-              <a:rPr lang="en-US" dirty="0"/>
-              <a:t>Can have extra settings in “</a:t>
-            </a:r>
-            <a:r>
-              <a:rPr lang="en-US" i="1" dirty="0"/>
-              <a:t>engines</a:t>
-            </a:r>
-            <a:r>
-              <a:rPr lang="en-US" dirty="0"/>
-              <a:t>” under </a:t>
-            </a:r>
-            <a:r>
-              <a:rPr lang="en-US" dirty="0" err="1"/>
-              <a:t>package.json</a:t>
-            </a:r>
-            <a:r>
-              <a:rPr lang="en-US" dirty="0"/>
-              <a:t>, but not compulsory</a:t>
-            </a:r>
-          </a:p>
-          <a:p>
-            <a:pPr lvl="1"/>
-            <a:r>
-              <a:rPr lang="en-US" dirty="0" err="1"/>
-              <a:t>eg.</a:t>
-            </a:r>
-            <a:r>
-              <a:rPr lang="en-US" dirty="0"/>
-              <a:t>, version of Node and YARN to use to run/build your app</a:t>
-            </a:r>
-          </a:p>
-          <a:p>
-            <a:r>
-              <a:rPr lang="en-US" dirty="0"/>
-              <a:t>Your app MUST bind to a port specified by </a:t>
-            </a:r>
-            <a:r>
-              <a:rPr lang="en-US" b="1" dirty="0" err="1"/>
-              <a:t>process.env.PORT</a:t>
-            </a:r>
-            <a:endParaRPr lang="en-US" b="1" dirty="0"/>
-          </a:p>
-          <a:p>
-            <a:pPr lvl="1"/>
-            <a:r>
-              <a:rPr lang="en-US" dirty="0"/>
-              <a:t>otherwise, Heroku will not know how to reverse-proxy to it</a:t>
-            </a:r>
-          </a:p>
-          <a:p>
-            <a:r>
-              <a:rPr lang="en-US" dirty="0"/>
-              <a:t>Your app will be automatically built by Heroku with “</a:t>
-            </a:r>
-            <a:r>
-              <a:rPr lang="en-US" i="1" dirty="0"/>
-              <a:t>yarn build</a:t>
-            </a:r>
-            <a:r>
-              <a:rPr lang="en-US" dirty="0"/>
-              <a:t>”, and started with “</a:t>
-            </a:r>
-            <a:r>
-              <a:rPr lang="en-US" i="1" dirty="0"/>
-              <a:t>yarn start</a:t>
-            </a:r>
-            <a:r>
-              <a:rPr lang="en-US" dirty="0"/>
-              <a:t>”</a:t>
-            </a:r>
+            <a:pPr marL="0" indent="0">
+              <a:buNone/>
+            </a:pPr>
+            <a:r>
+              <a:rPr lang="en-US" dirty="0" smtClean="0"/>
+              <a:t>{</a:t>
+            </a:r>
+          </a:p>
+          <a:p>
+            <a:pPr marL="0" indent="0">
+              <a:buNone/>
+            </a:pPr>
+            <a:r>
+              <a:rPr lang="en-US" dirty="0"/>
+              <a:t> </a:t>
+            </a:r>
+            <a:r>
+              <a:rPr lang="en-US" dirty="0" smtClean="0"/>
+              <a:t> “</a:t>
+            </a:r>
+            <a:r>
+              <a:rPr lang="en-US" b="1" dirty="0" smtClean="0"/>
+              <a:t>topic</a:t>
+            </a:r>
+            <a:r>
+              <a:rPr lang="en-US" dirty="0" smtClean="0"/>
+              <a:t>”: “…”</a:t>
+            </a:r>
+          </a:p>
+          <a:p>
+            <a:pPr marL="0" indent="0">
+              <a:buNone/>
+            </a:pPr>
+            <a:r>
+              <a:rPr lang="en-US" dirty="0"/>
+              <a:t> </a:t>
+            </a:r>
+            <a:r>
+              <a:rPr lang="en-US" dirty="0" smtClean="0"/>
+              <a:t>  “</a:t>
+            </a:r>
+            <a:r>
+              <a:rPr lang="en-US" b="1" dirty="0" smtClean="0"/>
+              <a:t>data</a:t>
+            </a:r>
+            <a:r>
+              <a:rPr lang="en-US" dirty="0" smtClean="0"/>
+              <a:t>”: {…}</a:t>
+            </a:r>
+            <a:endParaRPr lang="en-US" dirty="0"/>
+          </a:p>
+          <a:p>
+            <a:pPr marL="0" indent="0">
+              <a:buNone/>
+            </a:pPr>
+            <a:r>
+              <a:rPr lang="en-US" dirty="0" smtClean="0"/>
+              <a:t>}</a:t>
+            </a:r>
+            <a:endParaRPr lang="en-US" dirty="0"/>
+          </a:p>
+        </p:txBody>
+      </p:sp>
+      <p:sp>
+        <p:nvSpPr>
+          <p:cNvPr id="4" name="Content Placeholder 2"/>
+          <p:cNvSpPr txBox="1">
+            <a:spLocks/>
+          </p:cNvSpPr>
+          <p:nvPr/>
+        </p:nvSpPr>
+        <p:spPr>
+          <a:xfrm>
+            <a:off x="6790220" y="2377128"/>
+            <a:ext cx="4980785" cy="3457856"/>
+          </a:xfrm>
+          <a:prstGeom prst="rect">
+            <a:avLst/>
+          </a:prstGeom>
+        </p:spPr>
+        <p:txBody>
+          <a:bodyPr vert="horz" lIns="91440" tIns="45720" rIns="91440" bIns="45720" rtlCol="0">
+            <a:normAutofit fontScale="77500" lnSpcReduction="20000"/>
+          </a:bodyPr>
+          <a:lstStyle>
+            <a:lvl1pPr marL="228600" indent="-228600" algn="l" defTabSz="914400" rtl="0" eaLnBrk="1" latinLnBrk="0" hangingPunct="1">
+              <a:lnSpc>
+                <a:spcPct val="90000"/>
+              </a:lnSpc>
+              <a:spcBef>
+                <a:spcPts val="1000"/>
+              </a:spcBef>
+              <a:buFont typeface="Arial"/>
+              <a:buChar char="•"/>
+              <a:defRPr sz="3600" kern="1200">
+                <a:solidFill>
+                  <a:schemeClr val="tx1"/>
+                </a:solidFill>
+                <a:latin typeface="+mn-lt"/>
+                <a:ea typeface="+mn-ea"/>
+                <a:cs typeface="+mn-cs"/>
+              </a:defRPr>
+            </a:lvl1pPr>
+            <a:lvl2pPr marL="685800" indent="-228600" algn="l" defTabSz="914400" rtl="0" eaLnBrk="1" latinLnBrk="0" hangingPunct="1">
+              <a:lnSpc>
+                <a:spcPct val="90000"/>
+              </a:lnSpc>
+              <a:spcBef>
+                <a:spcPts val="500"/>
+              </a:spcBef>
+              <a:buFont typeface="Arial"/>
+              <a:buChar char="•"/>
+              <a:defRPr sz="2800" kern="1200">
+                <a:solidFill>
+                  <a:schemeClr val="tx1"/>
+                </a:solidFill>
+                <a:latin typeface="+mn-lt"/>
+                <a:ea typeface="+mn-ea"/>
+                <a:cs typeface="+mn-cs"/>
+              </a:defRPr>
+            </a:lvl2pPr>
+            <a:lvl3pPr marL="1143000" indent="-228600" algn="l" defTabSz="914400" rtl="0" eaLnBrk="1" latinLnBrk="0" hangingPunct="1">
+              <a:lnSpc>
+                <a:spcPct val="90000"/>
+              </a:lnSpc>
+              <a:spcBef>
+                <a:spcPts val="500"/>
+              </a:spcBef>
+              <a:buFont typeface="Arial"/>
+              <a:buChar char="•"/>
+              <a:defRPr sz="2000" kern="1200">
+                <a:solidFill>
+                  <a:schemeClr val="tx1"/>
+                </a:solidFill>
+                <a:latin typeface="+mn-lt"/>
+                <a:ea typeface="+mn-ea"/>
+                <a:cs typeface="+mn-cs"/>
+              </a:defRPr>
+            </a:lvl3pPr>
+            <a:lvl4pPr marL="1600200" indent="-228600" algn="l" defTabSz="914400" rtl="0" eaLnBrk="1" latinLnBrk="0" hangingPunct="1">
+              <a:lnSpc>
+                <a:spcPct val="90000"/>
+              </a:lnSpc>
+              <a:spcBef>
+                <a:spcPts val="500"/>
+              </a:spcBef>
+              <a:buFont typeface="Arial"/>
+              <a:buChar char="•"/>
+              <a:defRPr sz="1800" kern="1200">
+                <a:solidFill>
+                  <a:schemeClr val="tx1"/>
+                </a:solidFill>
+                <a:latin typeface="+mn-lt"/>
+                <a:ea typeface="+mn-ea"/>
+                <a:cs typeface="+mn-cs"/>
+              </a:defRPr>
+            </a:lvl4pPr>
+            <a:lvl5pPr marL="2057400" indent="-228600" algn="l" defTabSz="914400" rtl="0" eaLnBrk="1" latinLnBrk="0" hangingPunct="1">
+              <a:lnSpc>
+                <a:spcPct val="90000"/>
+              </a:lnSpc>
+              <a:spcBef>
+                <a:spcPts val="500"/>
+              </a:spcBef>
+              <a:buFont typeface="Arial"/>
+              <a:buChar char="•"/>
+              <a:defRPr sz="1800" kern="1200">
+                <a:solidFill>
+                  <a:schemeClr val="tx1"/>
+                </a:solidFill>
+                <a:latin typeface="+mn-lt"/>
+                <a:ea typeface="+mn-ea"/>
+                <a:cs typeface="+mn-cs"/>
+              </a:defRPr>
+            </a:lvl5pPr>
+            <a:lvl6pPr marL="2514600" indent="-228600" algn="l" defTabSz="914400" rtl="0" eaLnBrk="1" latinLnBrk="0" hangingPunct="1">
+              <a:lnSpc>
+                <a:spcPct val="90000"/>
+              </a:lnSpc>
+              <a:spcBef>
+                <a:spcPts val="500"/>
+              </a:spcBef>
+              <a:buFont typeface="Arial"/>
+              <a:buChar char="•"/>
+              <a:defRPr sz="1800" kern="1200">
+                <a:solidFill>
+                  <a:schemeClr val="tx1"/>
+                </a:solidFill>
+                <a:latin typeface="+mn-lt"/>
+                <a:ea typeface="+mn-ea"/>
+                <a:cs typeface="+mn-cs"/>
+              </a:defRPr>
+            </a:lvl6pPr>
+            <a:lvl7pPr marL="2971800" indent="-228600" algn="l" defTabSz="914400" rtl="0" eaLnBrk="1" latinLnBrk="0" hangingPunct="1">
+              <a:lnSpc>
+                <a:spcPct val="90000"/>
+              </a:lnSpc>
+              <a:spcBef>
+                <a:spcPts val="500"/>
+              </a:spcBef>
+              <a:buFont typeface="Arial"/>
+              <a:buChar char="•"/>
+              <a:defRPr sz="1800" kern="1200">
+                <a:solidFill>
+                  <a:schemeClr val="tx1"/>
+                </a:solidFill>
+                <a:latin typeface="+mn-lt"/>
+                <a:ea typeface="+mn-ea"/>
+                <a:cs typeface="+mn-cs"/>
+              </a:defRPr>
+            </a:lvl7pPr>
+            <a:lvl8pPr marL="3429000" indent="-228600" algn="l" defTabSz="914400" rtl="0" eaLnBrk="1" latinLnBrk="0" hangingPunct="1">
+              <a:lnSpc>
+                <a:spcPct val="90000"/>
+              </a:lnSpc>
+              <a:spcBef>
+                <a:spcPts val="500"/>
+              </a:spcBef>
+              <a:buFont typeface="Arial"/>
+              <a:buChar char="•"/>
+              <a:defRPr sz="1800" kern="1200">
+                <a:solidFill>
+                  <a:schemeClr val="tx1"/>
+                </a:solidFill>
+                <a:latin typeface="+mn-lt"/>
+                <a:ea typeface="+mn-ea"/>
+                <a:cs typeface="+mn-cs"/>
+              </a:defRPr>
+            </a:lvl8pPr>
+            <a:lvl9pPr marL="3886200" indent="-228600" algn="l" defTabSz="914400" rtl="0" eaLnBrk="1" latinLnBrk="0" hangingPunct="1">
+              <a:lnSpc>
+                <a:spcPct val="90000"/>
+              </a:lnSpc>
+              <a:spcBef>
+                <a:spcPts val="500"/>
+              </a:spcBef>
+              <a:buFont typeface="Arial"/>
+              <a:buChar char="•"/>
+              <a:defRPr sz="1800" kern="1200">
+                <a:solidFill>
+                  <a:schemeClr val="tx1"/>
+                </a:solidFill>
+                <a:latin typeface="+mn-lt"/>
+                <a:ea typeface="+mn-ea"/>
+                <a:cs typeface="+mn-cs"/>
+              </a:defRPr>
+            </a:lvl9pPr>
+          </a:lstStyle>
+          <a:p>
+            <a:pPr marL="0" indent="0">
+              <a:buFont typeface="Arial"/>
+              <a:buNone/>
+            </a:pPr>
+            <a:r>
+              <a:rPr lang="en-US" dirty="0" smtClean="0"/>
+              <a:t>{</a:t>
+            </a:r>
+          </a:p>
+          <a:p>
+            <a:pPr marL="0" indent="0">
+              <a:buFont typeface="Arial"/>
+              <a:buNone/>
+            </a:pPr>
+            <a:r>
+              <a:rPr lang="en-US" dirty="0" smtClean="0"/>
+              <a:t>  “</a:t>
+            </a:r>
+            <a:r>
+              <a:rPr lang="en-US" b="1" dirty="0" smtClean="0"/>
+              <a:t>topic</a:t>
+            </a:r>
+            <a:r>
+              <a:rPr lang="en-US" dirty="0" smtClean="0"/>
+              <a:t>”: “update”</a:t>
+            </a:r>
+          </a:p>
+          <a:p>
+            <a:pPr marL="0" indent="0">
+              <a:buNone/>
+            </a:pPr>
+            <a:r>
+              <a:rPr lang="en-US" dirty="0" smtClean="0"/>
+              <a:t>   “</a:t>
+            </a:r>
+            <a:r>
+              <a:rPr lang="en-US" b="1" dirty="0" smtClean="0"/>
+              <a:t>data</a:t>
+            </a:r>
+            <a:r>
+              <a:rPr lang="en-US" dirty="0"/>
+              <a:t>”: {</a:t>
+            </a:r>
+            <a:r>
+              <a:rPr lang="en-US" dirty="0" smtClean="0"/>
+              <a:t> </a:t>
+            </a:r>
+          </a:p>
+          <a:p>
+            <a:pPr marL="0" indent="0">
+              <a:buNone/>
+            </a:pPr>
+            <a:r>
+              <a:rPr lang="en-US" dirty="0"/>
+              <a:t> </a:t>
+            </a:r>
+            <a:r>
+              <a:rPr lang="en-US" dirty="0" smtClean="0"/>
+              <a:t>               “</a:t>
+            </a:r>
+            <a:r>
+              <a:rPr lang="en-US" dirty="0" err="1" smtClean="0"/>
+              <a:t>matchId</a:t>
+            </a:r>
+            <a:r>
+              <a:rPr lang="en-US" dirty="0" smtClean="0"/>
+              <a:t>”: 42,</a:t>
+            </a:r>
+            <a:endParaRPr lang="en-US" dirty="0"/>
+          </a:p>
+          <a:p>
+            <a:pPr marL="0" indent="0">
+              <a:buNone/>
+            </a:pPr>
+            <a:r>
+              <a:rPr lang="en-US" dirty="0"/>
+              <a:t>                </a:t>
+            </a:r>
+            <a:r>
+              <a:rPr lang="en-US" dirty="0" smtClean="0"/>
+              <a:t>“</a:t>
+            </a:r>
+            <a:r>
+              <a:rPr lang="en-US" dirty="0" err="1" smtClean="0"/>
+              <a:t>boardDto</a:t>
+            </a:r>
+            <a:r>
+              <a:rPr lang="en-US" dirty="0" smtClean="0"/>
+              <a:t>”: {…},</a:t>
+            </a:r>
+            <a:endParaRPr lang="en-US" dirty="0"/>
+          </a:p>
+          <a:p>
+            <a:pPr marL="0" indent="0">
+              <a:buNone/>
+            </a:pPr>
+            <a:r>
+              <a:rPr lang="en-US" dirty="0"/>
+              <a:t>                </a:t>
+            </a:r>
+            <a:r>
+              <a:rPr lang="en-US" dirty="0" smtClean="0"/>
+              <a:t>“</a:t>
+            </a:r>
+            <a:r>
+              <a:rPr lang="en-US" dirty="0" err="1" smtClean="0"/>
+              <a:t>isX</a:t>
+            </a:r>
+            <a:r>
+              <a:rPr lang="en-US" dirty="0" smtClean="0"/>
+              <a:t>”: true,</a:t>
+            </a:r>
+            <a:endParaRPr lang="en-US" dirty="0"/>
+          </a:p>
+          <a:p>
+            <a:pPr marL="0" indent="0">
+              <a:buNone/>
+            </a:pPr>
+            <a:r>
+              <a:rPr lang="en-US" dirty="0"/>
+              <a:t>                </a:t>
+            </a:r>
+            <a:r>
+              <a:rPr lang="en-US" dirty="0" smtClean="0"/>
+              <a:t>“</a:t>
+            </a:r>
+            <a:r>
+              <a:rPr lang="en-US" dirty="0" err="1" smtClean="0"/>
+              <a:t>opponentId</a:t>
+            </a:r>
+            <a:r>
+              <a:rPr lang="en-US" dirty="0" smtClean="0"/>
+              <a:t>”: 1234</a:t>
+            </a:r>
+          </a:p>
+          <a:p>
+            <a:pPr marL="0" indent="0">
+              <a:buFont typeface="Arial"/>
+              <a:buNone/>
+            </a:pPr>
+            <a:r>
+              <a:rPr lang="en-US" dirty="0" smtClean="0"/>
+              <a:t>}</a:t>
+            </a:r>
+            <a:endParaRPr lang="en-US" dirty="0"/>
           </a:p>
         </p:txBody>
       </p:sp>
     </p:spTree>
     <p:extLst>
       <p:ext uri="{BB962C8B-B14F-4D97-AF65-F5344CB8AC3E}">
-        <p14:creationId xmlns:p14="http://schemas.microsoft.com/office/powerpoint/2010/main" val="3000509078"/>
+        <p14:creationId xmlns:p14="http://schemas.microsoft.com/office/powerpoint/2010/main" val="3991162367"/>
       </p:ext>
     </p:extLst>
   </p:cSld>
@@ -3765,101 +4091,26 @@
           <a:chExt cx="0" cy="0"/>
         </a:xfrm>
       </p:grpSpPr>
-      <p:pic>
-        <p:nvPicPr>
-          <p:cNvPr id="4" name="Picture 3"/>
-          <p:cNvPicPr>
-            <a:picLocks noChangeAspect="1"/>
-          </p:cNvPicPr>
-          <p:nvPr/>
-        </p:nvPicPr>
-        <p:blipFill>
-          <a:blip r:embed="rId2" cstate="screen">
-            <a:extLst>
-              <a:ext uri="{28A0092B-C50C-407E-A947-70E740481C1C}">
-                <a14:useLocalDpi xmlns:a14="http://schemas.microsoft.com/office/drawing/2010/main"/>
-              </a:ext>
-            </a:extLst>
-          </a:blip>
-          <a:stretch>
-            <a:fillRect/>
-          </a:stretch>
-        </p:blipFill>
-        <p:spPr>
-          <a:xfrm>
-            <a:off x="892278" y="982817"/>
-            <a:ext cx="10058400" cy="4919542"/>
-          </a:xfrm>
-          <a:prstGeom prst="rect">
-            <a:avLst/>
-          </a:prstGeom>
-        </p:spPr>
-      </p:pic>
-      <p:sp>
-        <p:nvSpPr>
-          <p:cNvPr id="5" name="Right Arrow 4"/>
-          <p:cNvSpPr/>
-          <p:nvPr/>
-        </p:nvSpPr>
-        <p:spPr>
-          <a:xfrm rot="2418385">
-            <a:off x="693174" y="353961"/>
-            <a:ext cx="978408" cy="484632"/>
-          </a:xfrm>
-          <a:prstGeom prst="rightArrow">
-            <a:avLst/>
-          </a:prstGeom>
-        </p:spPr>
-        <p:style>
-          <a:lnRef idx="2">
-            <a:schemeClr val="accent1">
-              <a:shade val="50000"/>
-            </a:schemeClr>
-          </a:lnRef>
-          <a:fillRef idx="1">
-            <a:schemeClr val="accent1"/>
-          </a:fillRef>
-          <a:effectRef idx="0">
-            <a:schemeClr val="accent1"/>
-          </a:effectRef>
-          <a:fontRef idx="minor">
-            <a:schemeClr val="lt1"/>
-          </a:fontRef>
-        </p:style>
-        <p:txBody>
-          <a:bodyPr rtlCol="0" anchor="ctr"/>
-          <a:lstStyle/>
-          <a:p>
-            <a:pPr algn="ctr"/>
-            <a:endParaRPr lang="en-US"/>
-          </a:p>
-        </p:txBody>
-      </p:sp>
-      <p:sp>
-        <p:nvSpPr>
-          <p:cNvPr id="6" name="TextBox 5"/>
-          <p:cNvSpPr txBox="1"/>
-          <p:nvPr/>
-        </p:nvSpPr>
-        <p:spPr>
-          <a:xfrm>
-            <a:off x="1393723" y="15705"/>
-            <a:ext cx="5365443" cy="523220"/>
-          </a:xfrm>
-          <a:prstGeom prst="rect">
-            <a:avLst/>
-          </a:prstGeom>
-          <a:noFill/>
-        </p:spPr>
-        <p:txBody>
-          <a:bodyPr wrap="none" rtlCol="0">
-            <a:spAutoFit/>
+      <p:sp>
+        <p:nvSpPr>
+          <p:cNvPr id="4" name="Title 3"/>
+          <p:cNvSpPr>
+            <a:spLocks noGrp="1"/>
+          </p:cNvSpPr>
+          <p:nvPr>
+            <p:ph type="title"/>
+          </p:nvPr>
+        </p:nvSpPr>
+        <p:spPr/>
+        <p:txBody>
+          <a:bodyPr>
+            <a:normAutofit/>
           </a:bodyPr>
           <a:lstStyle/>
           <a:p>
             <a:r>
-              <a:rPr lang="en-US" sz="2800" dirty="0"/>
-              <a:t>https://pg6300-c4.herokuapp.com/</a:t>
+              <a:rPr lang="en-US" sz="6600" dirty="0"/>
+              <a:t>Cloud Deployment</a:t>
             </a:r>
           </a:p>
         </p:txBody>
@@ -3867,7 +4118,7 @@
     </p:spTree>
     <p:extLst>
       <p:ext uri="{BB962C8B-B14F-4D97-AF65-F5344CB8AC3E}">
-        <p14:creationId xmlns:p14="http://schemas.microsoft.com/office/powerpoint/2010/main" val="360681668"/>
+        <p14:creationId xmlns:p14="http://schemas.microsoft.com/office/powerpoint/2010/main" val="1777942242"/>
       </p:ext>
     </p:extLst>
   </p:cSld>
@@ -3896,1335 +4147,6 @@
       </p:grpSpPr>
       <p:sp>
         <p:nvSpPr>
-          <p:cNvPr id="4" name="Title 3"/>
-          <p:cNvSpPr>
-            <a:spLocks noGrp="1"/>
-          </p:cNvSpPr>
-          <p:nvPr>
-            <p:ph type="title"/>
-          </p:nvPr>
-        </p:nvSpPr>
-        <p:spPr/>
-        <p:txBody>
-          <a:bodyPr/>
-          <a:lstStyle/>
-          <a:p>
-            <a:r>
-              <a:rPr lang="en-US" dirty="0"/>
-              <a:t>Databases</a:t>
-            </a:r>
-          </a:p>
-        </p:txBody>
-      </p:sp>
-    </p:spTree>
-    <p:extLst>
-      <p:ext uri="{BB962C8B-B14F-4D97-AF65-F5344CB8AC3E}">
-        <p14:creationId xmlns:p14="http://schemas.microsoft.com/office/powerpoint/2010/main" val="30622070"/>
-      </p:ext>
-    </p:extLst>
-  </p:cSld>
-  <p:clrMapOvr>
-    <a:masterClrMapping/>
-  </p:clrMapOvr>
-</p:sld>
-</file>
-
-<file path=ppt/slides/slide13.xml><?xml version="1.0" encoding="utf-8"?>
-<p:sld xmlns:a="http://schemas.openxmlformats.org/drawingml/2006/main" xmlns:r="http://schemas.openxmlformats.org/officeDocument/2006/relationships" xmlns:p="http://schemas.openxmlformats.org/presentationml/2006/main">
-  <p:cSld>
-    <p:spTree>
-      <p:nvGrpSpPr>
-        <p:cNvPr id="1" name=""/>
-        <p:cNvGrpSpPr/>
-        <p:nvPr/>
-      </p:nvGrpSpPr>
-      <p:grpSpPr>
-        <a:xfrm>
-          <a:off x="0" y="0"/>
-          <a:ext cx="0" cy="0"/>
-          <a:chOff x="0" y="0"/>
-          <a:chExt cx="0" cy="0"/>
-        </a:xfrm>
-      </p:grpSpPr>
-      <p:sp>
-        <p:nvSpPr>
-          <p:cNvPr id="2" name="Title 1">
-            <a:extLst>
-              <a:ext uri="{FF2B5EF4-FFF2-40B4-BE49-F238E27FC236}">
-                <a16:creationId xmlns:a16="http://schemas.microsoft.com/office/drawing/2014/main" id="{1C65A1A5-70E5-2144-BFCA-7913129C35E4}"/>
-              </a:ext>
-            </a:extLst>
-          </p:cNvPr>
-          <p:cNvSpPr>
-            <a:spLocks noGrp="1"/>
-          </p:cNvSpPr>
-          <p:nvPr>
-            <p:ph type="title"/>
-          </p:nvPr>
-        </p:nvSpPr>
-        <p:spPr/>
-        <p:txBody>
-          <a:bodyPr/>
-          <a:lstStyle/>
-          <a:p>
-            <a:r>
-              <a:rPr lang="en-US" dirty="0"/>
-              <a:t>Why Databases?</a:t>
-            </a:r>
-          </a:p>
-        </p:txBody>
-      </p:sp>
-      <p:sp>
-        <p:nvSpPr>
-          <p:cNvPr id="3" name="Content Placeholder 2">
-            <a:extLst>
-              <a:ext uri="{FF2B5EF4-FFF2-40B4-BE49-F238E27FC236}">
-                <a16:creationId xmlns:a16="http://schemas.microsoft.com/office/drawing/2014/main" id="{F0B9C765-44F9-C940-B40E-7F1805A67F18}"/>
-              </a:ext>
-            </a:extLst>
-          </p:cNvPr>
-          <p:cNvSpPr>
-            <a:spLocks noGrp="1"/>
-          </p:cNvSpPr>
-          <p:nvPr>
-            <p:ph idx="1"/>
-          </p:nvPr>
-        </p:nvSpPr>
-        <p:spPr>
-          <a:xfrm>
-            <a:off x="199053" y="1825625"/>
-            <a:ext cx="11806335" cy="4848873"/>
-          </a:xfrm>
-        </p:spPr>
-        <p:txBody>
-          <a:bodyPr/>
-          <a:lstStyle/>
-          <a:p>
-            <a:r>
-              <a:rPr lang="en-US" dirty="0"/>
-              <a:t>Need to store your data somewhere</a:t>
-            </a:r>
-          </a:p>
-          <a:p>
-            <a:r>
-              <a:rPr lang="en-US" dirty="0"/>
-              <a:t>If in memory, lose everything as soon as the app restarts</a:t>
-            </a:r>
-          </a:p>
-          <a:p>
-            <a:r>
-              <a:rPr lang="en-US" dirty="0"/>
-              <a:t>For a full app, you need a database</a:t>
-            </a:r>
-          </a:p>
-          <a:p>
-            <a:pPr lvl="1"/>
-            <a:r>
-              <a:rPr lang="en-US" dirty="0"/>
-              <a:t>cloud providers like Heroku give you databases as well</a:t>
-            </a:r>
-          </a:p>
-          <a:p>
-            <a:r>
-              <a:rPr lang="en-US" dirty="0"/>
-              <a:t>We are not going to see databases in this course, but need to briefly discuss them</a:t>
-            </a:r>
-          </a:p>
-          <a:p>
-            <a:endParaRPr lang="en-US" dirty="0"/>
-          </a:p>
-        </p:txBody>
-      </p:sp>
-    </p:spTree>
-    <p:extLst>
-      <p:ext uri="{BB962C8B-B14F-4D97-AF65-F5344CB8AC3E}">
-        <p14:creationId xmlns:p14="http://schemas.microsoft.com/office/powerpoint/2010/main" val="2311552275"/>
-      </p:ext>
-    </p:extLst>
-  </p:cSld>
-  <p:clrMapOvr>
-    <a:masterClrMapping/>
-  </p:clrMapOvr>
-</p:sld>
-</file>
-
-<file path=ppt/slides/slide14.xml><?xml version="1.0" encoding="utf-8"?>
-<p:sld xmlns:a="http://schemas.openxmlformats.org/drawingml/2006/main" xmlns:r="http://schemas.openxmlformats.org/officeDocument/2006/relationships" xmlns:p="http://schemas.openxmlformats.org/presentationml/2006/main">
-  <p:cSld>
-    <p:spTree>
-      <p:nvGrpSpPr>
-        <p:cNvPr id="1" name=""/>
-        <p:cNvGrpSpPr/>
-        <p:nvPr/>
-      </p:nvGrpSpPr>
-      <p:grpSpPr>
-        <a:xfrm>
-          <a:off x="0" y="0"/>
-          <a:ext cx="0" cy="0"/>
-          <a:chOff x="0" y="0"/>
-          <a:chExt cx="0" cy="0"/>
-        </a:xfrm>
-      </p:grpSpPr>
-      <p:sp>
-        <p:nvSpPr>
-          <p:cNvPr id="2" name="Title 1"/>
-          <p:cNvSpPr>
-            <a:spLocks noGrp="1"/>
-          </p:cNvSpPr>
-          <p:nvPr>
-            <p:ph type="title"/>
-          </p:nvPr>
-        </p:nvSpPr>
-        <p:spPr>
-          <a:xfrm>
-            <a:off x="199103" y="365125"/>
-            <a:ext cx="11724968" cy="1325563"/>
-          </a:xfrm>
-        </p:spPr>
-        <p:txBody>
-          <a:bodyPr>
-            <a:normAutofit fontScale="90000"/>
-          </a:bodyPr>
-          <a:lstStyle/>
-          <a:p>
-            <a:r>
-              <a:rPr lang="en-US" dirty="0"/>
-              <a:t>The 3 Rules of Choosing </a:t>
-            </a:r>
-            <a:r>
-              <a:rPr lang="en-US"/>
-              <a:t>a Database</a:t>
-            </a:r>
-            <a:endParaRPr lang="en-US" dirty="0"/>
-          </a:p>
-        </p:txBody>
-      </p:sp>
-      <p:sp>
-        <p:nvSpPr>
-          <p:cNvPr id="3" name="Content Placeholder 2"/>
-          <p:cNvSpPr>
-            <a:spLocks noGrp="1"/>
-          </p:cNvSpPr>
-          <p:nvPr>
-            <p:ph idx="1"/>
-          </p:nvPr>
-        </p:nvSpPr>
-        <p:spPr>
-          <a:xfrm>
-            <a:off x="280219" y="1825624"/>
-            <a:ext cx="11717594" cy="4811150"/>
-          </a:xfrm>
-        </p:spPr>
-        <p:txBody>
-          <a:bodyPr/>
-          <a:lstStyle/>
-          <a:p>
-            <a:pPr marL="742950" indent="-742950">
-              <a:buFont typeface="+mj-lt"/>
-              <a:buAutoNum type="arabicPeriod"/>
-            </a:pPr>
-            <a:r>
-              <a:rPr lang="en-US" dirty="0"/>
-              <a:t>New project or unsure what to do? </a:t>
-            </a:r>
-            <a:r>
-              <a:rPr lang="en-US" b="1" dirty="0"/>
-              <a:t>Choose Postgres</a:t>
-            </a:r>
-          </a:p>
-          <a:p>
-            <a:pPr marL="742950" indent="-742950">
-              <a:buFont typeface="+mj-lt"/>
-              <a:buAutoNum type="arabicPeriod"/>
-            </a:pPr>
-            <a:r>
-              <a:rPr lang="en-US" dirty="0"/>
-              <a:t>If you are already using </a:t>
-            </a:r>
-            <a:r>
-              <a:rPr lang="en-US" i="1" dirty="0"/>
-              <a:t>MySQL</a:t>
-            </a:r>
-            <a:r>
-              <a:rPr lang="en-US" dirty="0"/>
-              <a:t> and migration to </a:t>
-            </a:r>
-            <a:r>
-              <a:rPr lang="en-US" i="1" dirty="0"/>
-              <a:t>Postgres</a:t>
-            </a:r>
-            <a:r>
-              <a:rPr lang="en-US" dirty="0"/>
-              <a:t> would be too expensive, can stick with </a:t>
-            </a:r>
-            <a:r>
-              <a:rPr lang="en-US" i="1" dirty="0"/>
-              <a:t>MySQL</a:t>
-            </a:r>
-            <a:r>
-              <a:rPr lang="en-US" dirty="0"/>
-              <a:t> </a:t>
-            </a:r>
-          </a:p>
-          <a:p>
-            <a:pPr marL="742950" indent="-742950">
-              <a:buFont typeface="+mj-lt"/>
-              <a:buAutoNum type="arabicPeriod"/>
-            </a:pPr>
-            <a:r>
-              <a:rPr lang="en-US" dirty="0"/>
-              <a:t>If you have a long experience with databases, know exactly what you are doing, and can measure objectively the performance benefits of different tradeoffs compared to just using </a:t>
-            </a:r>
-            <a:r>
-              <a:rPr lang="en-US" i="1" dirty="0"/>
-              <a:t>Postgres</a:t>
-            </a:r>
-            <a:r>
-              <a:rPr lang="en-US" dirty="0"/>
-              <a:t>, then, </a:t>
-            </a:r>
-            <a:r>
-              <a:rPr lang="en-US" i="1" dirty="0"/>
-              <a:t>and only then</a:t>
-            </a:r>
-            <a:r>
-              <a:rPr lang="en-US" dirty="0"/>
-              <a:t>, choose best database for the </a:t>
-            </a:r>
-            <a:r>
-              <a:rPr lang="en-US" i="1" dirty="0"/>
-              <a:t>specific</a:t>
-            </a:r>
-            <a:r>
-              <a:rPr lang="en-US" dirty="0"/>
-              <a:t> problem you are facing</a:t>
-            </a:r>
-          </a:p>
-        </p:txBody>
-      </p:sp>
-    </p:spTree>
-    <p:extLst>
-      <p:ext uri="{BB962C8B-B14F-4D97-AF65-F5344CB8AC3E}">
-        <p14:creationId xmlns:p14="http://schemas.microsoft.com/office/powerpoint/2010/main" val="333903981"/>
-      </p:ext>
-    </p:extLst>
-  </p:cSld>
-  <p:clrMapOvr>
-    <a:masterClrMapping/>
-  </p:clrMapOvr>
-</p:sld>
-</file>
-
-<file path=ppt/slides/slide15.xml><?xml version="1.0" encoding="utf-8"?>
-<p:sld xmlns:a="http://schemas.openxmlformats.org/drawingml/2006/main" xmlns:r="http://schemas.openxmlformats.org/officeDocument/2006/relationships" xmlns:p="http://schemas.openxmlformats.org/presentationml/2006/main">
-  <p:cSld>
-    <p:spTree>
-      <p:nvGrpSpPr>
-        <p:cNvPr id="1" name=""/>
-        <p:cNvGrpSpPr/>
-        <p:nvPr/>
-      </p:nvGrpSpPr>
-      <p:grpSpPr>
-        <a:xfrm>
-          <a:off x="0" y="0"/>
-          <a:ext cx="0" cy="0"/>
-          <a:chOff x="0" y="0"/>
-          <a:chExt cx="0" cy="0"/>
-        </a:xfrm>
-      </p:grpSpPr>
-      <p:sp>
-        <p:nvSpPr>
-          <p:cNvPr id="2" name="Title 1"/>
-          <p:cNvSpPr>
-            <a:spLocks noGrp="1"/>
-          </p:cNvSpPr>
-          <p:nvPr>
-            <p:ph type="title"/>
-          </p:nvPr>
-        </p:nvSpPr>
-        <p:spPr>
-          <a:xfrm>
-            <a:off x="838200" y="365125"/>
-            <a:ext cx="10515600" cy="1325563"/>
-          </a:xfrm>
-        </p:spPr>
-        <p:txBody>
-          <a:bodyPr/>
-          <a:lstStyle/>
-          <a:p>
-            <a:r>
-              <a:rPr lang="en-US" dirty="0"/>
-              <a:t>Example: </a:t>
-            </a:r>
-            <a:r>
-              <a:rPr lang="en-US" i="1" dirty="0"/>
-              <a:t>MySQL</a:t>
-            </a:r>
-          </a:p>
-        </p:txBody>
-      </p:sp>
-      <p:sp>
-        <p:nvSpPr>
-          <p:cNvPr id="3" name="Content Placeholder 2"/>
-          <p:cNvSpPr>
-            <a:spLocks noGrp="1"/>
-          </p:cNvSpPr>
-          <p:nvPr>
-            <p:ph idx="1"/>
-          </p:nvPr>
-        </p:nvSpPr>
-        <p:spPr>
-          <a:xfrm>
-            <a:off x="324465" y="1825624"/>
-            <a:ext cx="11665974" cy="4811150"/>
-          </a:xfrm>
-        </p:spPr>
-        <p:txBody>
-          <a:bodyPr/>
-          <a:lstStyle/>
-          <a:p>
-            <a:r>
-              <a:rPr lang="en-US" dirty="0"/>
-              <a:t>Open source, but own (and mainly developed) by </a:t>
-            </a:r>
-            <a:r>
-              <a:rPr lang="en-US" i="1" dirty="0"/>
-              <a:t>Oracle</a:t>
-            </a:r>
-            <a:r>
-              <a:rPr lang="mr-IN" dirty="0"/>
-              <a:t>…</a:t>
-            </a:r>
-            <a:r>
-              <a:rPr lang="en-US" dirty="0"/>
-              <a:t> and let’s not forget that one of its main commercial products is </a:t>
-            </a:r>
-            <a:r>
-              <a:rPr lang="en-US" i="1" dirty="0"/>
-              <a:t>Oracle Database</a:t>
-            </a:r>
-            <a:r>
-              <a:rPr lang="mr-IN" dirty="0"/>
-              <a:t>…</a:t>
-            </a:r>
-            <a:endParaRPr lang="en-US" dirty="0"/>
-          </a:p>
-          <a:p>
-            <a:pPr lvl="1"/>
-            <a:r>
-              <a:rPr lang="en-US" dirty="0"/>
-              <a:t>so, yes, in theory those 2 databases are competitors</a:t>
-            </a:r>
-            <a:r>
-              <a:rPr lang="mr-IN" dirty="0"/>
-              <a:t>…</a:t>
-            </a:r>
-            <a:endParaRPr lang="en-US" dirty="0"/>
-          </a:p>
-          <a:p>
-            <a:r>
-              <a:rPr lang="en-US" dirty="0"/>
-              <a:t>For most use cases, </a:t>
-            </a:r>
-            <a:r>
-              <a:rPr lang="en-US" i="1" dirty="0"/>
-              <a:t>MySQL</a:t>
-            </a:r>
-            <a:r>
-              <a:rPr lang="en-US" dirty="0"/>
-              <a:t> is on par with </a:t>
-            </a:r>
-            <a:r>
-              <a:rPr lang="en-US" i="1" dirty="0"/>
-              <a:t>Postgres, </a:t>
-            </a:r>
-            <a:r>
-              <a:rPr lang="en-US" dirty="0"/>
-              <a:t>but usually slower at adding new advanced features </a:t>
-            </a:r>
-          </a:p>
-          <a:p>
-            <a:pPr lvl="1"/>
-            <a:r>
-              <a:rPr lang="en-US" dirty="0" err="1"/>
-              <a:t>eg</a:t>
-            </a:r>
-            <a:r>
-              <a:rPr lang="en-US" dirty="0"/>
-              <a:t> support for NoSQL features like JSON data type, or SQL compliance</a:t>
-            </a:r>
-            <a:endParaRPr lang="en-US" i="1" dirty="0"/>
-          </a:p>
-        </p:txBody>
-      </p:sp>
-    </p:spTree>
-    <p:extLst>
-      <p:ext uri="{BB962C8B-B14F-4D97-AF65-F5344CB8AC3E}">
-        <p14:creationId xmlns:p14="http://schemas.microsoft.com/office/powerpoint/2010/main" val="1381285654"/>
-      </p:ext>
-    </p:extLst>
-  </p:cSld>
-  <p:clrMapOvr>
-    <a:masterClrMapping/>
-  </p:clrMapOvr>
-</p:sld>
-</file>
-
-<file path=ppt/slides/slide16.xml><?xml version="1.0" encoding="utf-8"?>
-<p:sld xmlns:a="http://schemas.openxmlformats.org/drawingml/2006/main" xmlns:r="http://schemas.openxmlformats.org/officeDocument/2006/relationships" xmlns:p="http://schemas.openxmlformats.org/presentationml/2006/main">
-  <p:cSld>
-    <p:spTree>
-      <p:nvGrpSpPr>
-        <p:cNvPr id="1" name=""/>
-        <p:cNvGrpSpPr/>
-        <p:nvPr/>
-      </p:nvGrpSpPr>
-      <p:grpSpPr>
-        <a:xfrm>
-          <a:off x="0" y="0"/>
-          <a:ext cx="0" cy="0"/>
-          <a:chOff x="0" y="0"/>
-          <a:chExt cx="0" cy="0"/>
-        </a:xfrm>
-      </p:grpSpPr>
-      <p:sp>
-        <p:nvSpPr>
-          <p:cNvPr id="2" name="Title 1"/>
-          <p:cNvSpPr>
-            <a:spLocks noGrp="1"/>
-          </p:cNvSpPr>
-          <p:nvPr>
-            <p:ph type="title"/>
-          </p:nvPr>
-        </p:nvSpPr>
-        <p:spPr/>
-        <p:txBody>
-          <a:bodyPr/>
-          <a:lstStyle/>
-          <a:p>
-            <a:r>
-              <a:rPr lang="en-US" dirty="0"/>
-              <a:t>Example: </a:t>
-            </a:r>
-            <a:r>
-              <a:rPr lang="en-US" i="1" dirty="0"/>
-              <a:t>MongoDB</a:t>
-            </a:r>
-          </a:p>
-        </p:txBody>
-      </p:sp>
-      <p:sp>
-        <p:nvSpPr>
-          <p:cNvPr id="3" name="Content Placeholder 2"/>
-          <p:cNvSpPr>
-            <a:spLocks noGrp="1"/>
-          </p:cNvSpPr>
-          <p:nvPr>
-            <p:ph idx="1"/>
-          </p:nvPr>
-        </p:nvSpPr>
-        <p:spPr>
-          <a:xfrm>
-            <a:off x="162232" y="1825624"/>
-            <a:ext cx="11887200" cy="4907015"/>
-          </a:xfrm>
-        </p:spPr>
-        <p:txBody>
-          <a:bodyPr>
-            <a:normAutofit fontScale="92500" lnSpcReduction="20000"/>
-          </a:bodyPr>
-          <a:lstStyle/>
-          <a:p>
-            <a:r>
-              <a:rPr lang="en-US" dirty="0"/>
-              <a:t>Most famous </a:t>
-            </a:r>
-            <a:r>
-              <a:rPr lang="en-US" i="1" dirty="0"/>
-              <a:t>NoSQL</a:t>
-            </a:r>
-            <a:r>
-              <a:rPr lang="en-US" dirty="0"/>
-              <a:t> database</a:t>
-            </a:r>
-          </a:p>
-          <a:p>
-            <a:pPr lvl="1"/>
-            <a:r>
-              <a:rPr lang="en-US" dirty="0"/>
-              <a:t>very, very popular in tutorials</a:t>
-            </a:r>
-            <a:r>
-              <a:rPr lang="mr-IN" dirty="0"/>
-              <a:t>…</a:t>
-            </a:r>
-            <a:r>
-              <a:rPr lang="en-US" dirty="0"/>
-              <a:t> especially in </a:t>
-            </a:r>
-            <a:r>
-              <a:rPr lang="en-US" dirty="0" err="1"/>
-              <a:t>NodeJS</a:t>
-            </a:r>
-            <a:endParaRPr lang="en-US" dirty="0"/>
-          </a:p>
-          <a:p>
-            <a:r>
-              <a:rPr lang="en-US" dirty="0"/>
-              <a:t>Meant for </a:t>
-            </a:r>
-            <a:r>
-              <a:rPr lang="en-US" i="1" dirty="0"/>
-              <a:t>documents</a:t>
-            </a:r>
-            <a:r>
-              <a:rPr lang="en-US" dirty="0"/>
-              <a:t>, not for data with </a:t>
-            </a:r>
-            <a:r>
-              <a:rPr lang="en-US" i="1" dirty="0"/>
-              <a:t>relations</a:t>
-            </a:r>
-          </a:p>
-          <a:p>
-            <a:pPr lvl="1"/>
-            <a:r>
-              <a:rPr lang="en-US" dirty="0"/>
-              <a:t>Usually documents are in JSON format, where the only relations are hierarchical, </a:t>
-            </a:r>
-            <a:r>
-              <a:rPr lang="en-US" dirty="0" err="1"/>
-              <a:t>eg</a:t>
-            </a:r>
-            <a:r>
-              <a:rPr lang="en-US" dirty="0"/>
-              <a:t> nested objects</a:t>
-            </a:r>
-          </a:p>
-          <a:p>
-            <a:r>
-              <a:rPr lang="en-US" dirty="0"/>
-              <a:t>Can be </a:t>
-            </a:r>
-            <a:r>
-              <a:rPr lang="en-US" i="1" dirty="0"/>
-              <a:t>fast</a:t>
-            </a:r>
-            <a:r>
-              <a:rPr lang="en-US" dirty="0"/>
-              <a:t> and </a:t>
-            </a:r>
-            <a:r>
-              <a:rPr lang="en-US" i="1" dirty="0"/>
-              <a:t>easy</a:t>
-            </a:r>
-            <a:r>
-              <a:rPr lang="en-US" dirty="0"/>
-              <a:t> to set up</a:t>
-            </a:r>
-            <a:r>
-              <a:rPr lang="mr-IN" dirty="0"/>
-              <a:t>…</a:t>
-            </a:r>
-            <a:endParaRPr lang="en-US" dirty="0"/>
-          </a:p>
-          <a:p>
-            <a:r>
-              <a:rPr lang="mr-IN" dirty="0"/>
-              <a:t>…</a:t>
-            </a:r>
-            <a:r>
-              <a:rPr lang="en-US" dirty="0"/>
-              <a:t> but you need to </a:t>
-            </a:r>
-            <a:r>
-              <a:rPr lang="en-US" i="1" dirty="0"/>
-              <a:t>sacrifice ACID</a:t>
-            </a:r>
-            <a:r>
-              <a:rPr lang="en-US" dirty="0"/>
-              <a:t> for it</a:t>
-            </a:r>
-            <a:r>
-              <a:rPr lang="mr-IN" dirty="0"/>
-              <a:t>…</a:t>
-            </a:r>
-            <a:endParaRPr lang="en-US" dirty="0"/>
-          </a:p>
-          <a:p>
-            <a:pPr lvl="1"/>
-            <a:r>
-              <a:rPr lang="en-US" dirty="0" err="1"/>
-              <a:t>eg</a:t>
-            </a:r>
-            <a:r>
-              <a:rPr lang="en-US" dirty="0"/>
-              <a:t>, when you “save” some data, can be just cached, and not actually saved</a:t>
-            </a:r>
-            <a:r>
-              <a:rPr lang="mr-IN" dirty="0"/>
-              <a:t>…</a:t>
-            </a:r>
-            <a:endParaRPr lang="en-US" dirty="0"/>
-          </a:p>
-          <a:p>
-            <a:pPr lvl="1"/>
-            <a:r>
-              <a:rPr lang="en-US" dirty="0"/>
-              <a:t>ACID transactions added in v4.0, in 2018</a:t>
-            </a:r>
-            <a:r>
-              <a:rPr lang="mr-IN" dirty="0"/>
-              <a:t>…</a:t>
-            </a:r>
-            <a:endParaRPr lang="en-US" dirty="0"/>
-          </a:p>
-          <a:p>
-            <a:r>
-              <a:rPr lang="en-US" i="1" dirty="0"/>
-              <a:t>Postgres/MySQL</a:t>
-            </a:r>
-            <a:r>
-              <a:rPr lang="en-US" dirty="0"/>
-              <a:t> can save JSON fields, and be very fast at it </a:t>
-            </a:r>
-          </a:p>
-          <a:p>
-            <a:pPr lvl="1"/>
-            <a:r>
-              <a:rPr lang="en-US" dirty="0" err="1"/>
-              <a:t>eg</a:t>
-            </a:r>
-            <a:r>
-              <a:rPr lang="en-US" dirty="0"/>
-              <a:t>, in 2014, Postgres was actually faster than MongoDB in benchmarks at dealing with JSON </a:t>
-            </a:r>
-          </a:p>
-        </p:txBody>
-      </p:sp>
-    </p:spTree>
-    <p:extLst>
-      <p:ext uri="{BB962C8B-B14F-4D97-AF65-F5344CB8AC3E}">
-        <p14:creationId xmlns:p14="http://schemas.microsoft.com/office/powerpoint/2010/main" val="2076747863"/>
-      </p:ext>
-    </p:extLst>
-  </p:cSld>
-  <p:clrMapOvr>
-    <a:masterClrMapping/>
-  </p:clrMapOvr>
-</p:sld>
-</file>
-
-<file path=ppt/slides/slide17.xml><?xml version="1.0" encoding="utf-8"?>
-<p:sld xmlns:a="http://schemas.openxmlformats.org/drawingml/2006/main" xmlns:r="http://schemas.openxmlformats.org/officeDocument/2006/relationships" xmlns:p="http://schemas.openxmlformats.org/presentationml/2006/main">
-  <p:cSld>
-    <p:spTree>
-      <p:nvGrpSpPr>
-        <p:cNvPr id="1" name=""/>
-        <p:cNvGrpSpPr/>
-        <p:nvPr/>
-      </p:nvGrpSpPr>
-      <p:grpSpPr>
-        <a:xfrm>
-          <a:off x="0" y="0"/>
-          <a:ext cx="0" cy="0"/>
-          <a:chOff x="0" y="0"/>
-          <a:chExt cx="0" cy="0"/>
-        </a:xfrm>
-      </p:grpSpPr>
-      <p:sp>
-        <p:nvSpPr>
-          <p:cNvPr id="2" name="Title 1"/>
-          <p:cNvSpPr>
-            <a:spLocks noGrp="1"/>
-          </p:cNvSpPr>
-          <p:nvPr>
-            <p:ph type="title"/>
-          </p:nvPr>
-        </p:nvSpPr>
-        <p:spPr/>
-        <p:txBody>
-          <a:bodyPr/>
-          <a:lstStyle/>
-          <a:p>
-            <a:r>
-              <a:rPr lang="en-US" dirty="0"/>
-              <a:t>MongoDB Cont.</a:t>
-            </a:r>
-          </a:p>
-        </p:txBody>
-      </p:sp>
-      <p:sp>
-        <p:nvSpPr>
-          <p:cNvPr id="3" name="Content Placeholder 2"/>
-          <p:cNvSpPr>
-            <a:spLocks noGrp="1"/>
-          </p:cNvSpPr>
-          <p:nvPr>
-            <p:ph idx="1"/>
-          </p:nvPr>
-        </p:nvSpPr>
-        <p:spPr>
-          <a:xfrm>
-            <a:off x="272845" y="1825624"/>
-            <a:ext cx="11724968" cy="4892266"/>
-          </a:xfrm>
-        </p:spPr>
-        <p:txBody>
-          <a:bodyPr>
-            <a:normAutofit/>
-          </a:bodyPr>
-          <a:lstStyle/>
-          <a:p>
-            <a:r>
-              <a:rPr lang="en-US" dirty="0"/>
-              <a:t>Might start with JSON </a:t>
-            </a:r>
-            <a:r>
-              <a:rPr lang="en-US" i="1" dirty="0"/>
-              <a:t>documents</a:t>
-            </a:r>
-            <a:r>
-              <a:rPr lang="mr-IN" dirty="0"/>
-              <a:t>…</a:t>
-            </a:r>
-            <a:r>
-              <a:rPr lang="en-US" dirty="0"/>
-              <a:t> but then one day you need to add relations between data: </a:t>
-            </a:r>
-            <a:r>
-              <a:rPr lang="en-US" i="1" dirty="0"/>
-              <a:t>you are screwed</a:t>
-            </a:r>
-          </a:p>
-          <a:p>
-            <a:pPr lvl="1"/>
-            <a:r>
-              <a:rPr lang="en-US" dirty="0"/>
-              <a:t>“screwed” meaning ending up implementing JOINs at application level, which is a nightmare and very inefficient</a:t>
-            </a:r>
-            <a:r>
-              <a:rPr lang="mr-IN" dirty="0"/>
-              <a:t>…</a:t>
-            </a:r>
-            <a:r>
-              <a:rPr lang="en-US" dirty="0"/>
-              <a:t> and/or duplicate data, which need to be kept always in sync</a:t>
-            </a:r>
-            <a:r>
-              <a:rPr lang="mr-IN" dirty="0"/>
-              <a:t>…</a:t>
-            </a:r>
-            <a:endParaRPr lang="en-US" dirty="0"/>
-          </a:p>
-          <a:p>
-            <a:r>
-              <a:rPr lang="en-US" dirty="0"/>
-              <a:t>Or even worse, choosing </a:t>
-            </a:r>
-            <a:r>
-              <a:rPr lang="en-US" i="1" dirty="0"/>
-              <a:t>MongoDB</a:t>
-            </a:r>
-            <a:r>
-              <a:rPr lang="en-US" dirty="0"/>
-              <a:t> even when you deal with relational data, just because of </a:t>
-            </a:r>
-            <a:r>
-              <a:rPr lang="en-US" i="1" dirty="0"/>
-              <a:t>hype</a:t>
-            </a:r>
-            <a:r>
-              <a:rPr lang="mr-IN" dirty="0"/>
-              <a:t>…</a:t>
-            </a:r>
-            <a:r>
-              <a:rPr lang="en-US" dirty="0"/>
-              <a:t> </a:t>
-            </a:r>
-          </a:p>
-          <a:p>
-            <a:r>
-              <a:rPr lang="mr-IN" dirty="0"/>
-              <a:t>…</a:t>
-            </a:r>
-            <a:r>
-              <a:rPr lang="en-US" dirty="0"/>
-              <a:t>or when you do not really deal with the amount of data of Google/Amazon/</a:t>
-            </a:r>
-            <a:r>
-              <a:rPr lang="en-US" dirty="0" err="1"/>
-              <a:t>etc</a:t>
-            </a:r>
-            <a:r>
-              <a:rPr lang="mr-IN" dirty="0"/>
-              <a:t>…</a:t>
-            </a:r>
-            <a:endParaRPr lang="en-US" dirty="0"/>
-          </a:p>
-        </p:txBody>
-      </p:sp>
-    </p:spTree>
-    <p:extLst>
-      <p:ext uri="{BB962C8B-B14F-4D97-AF65-F5344CB8AC3E}">
-        <p14:creationId xmlns:p14="http://schemas.microsoft.com/office/powerpoint/2010/main" val="1188165079"/>
-      </p:ext>
-    </p:extLst>
-  </p:cSld>
-  <p:clrMapOvr>
-    <a:masterClrMapping/>
-  </p:clrMapOvr>
-</p:sld>
-</file>
-
-<file path=ppt/slides/slide18.xml><?xml version="1.0" encoding="utf-8"?>
-<p:sld xmlns:a="http://schemas.openxmlformats.org/drawingml/2006/main" xmlns:r="http://schemas.openxmlformats.org/officeDocument/2006/relationships" xmlns:p="http://schemas.openxmlformats.org/presentationml/2006/main">
-  <p:cSld>
-    <p:spTree>
-      <p:nvGrpSpPr>
-        <p:cNvPr id="1" name=""/>
-        <p:cNvGrpSpPr/>
-        <p:nvPr/>
-      </p:nvGrpSpPr>
-      <p:grpSpPr>
-        <a:xfrm>
-          <a:off x="0" y="0"/>
-          <a:ext cx="0" cy="0"/>
-          <a:chOff x="0" y="0"/>
-          <a:chExt cx="0" cy="0"/>
-        </a:xfrm>
-      </p:grpSpPr>
-      <p:sp>
-        <p:nvSpPr>
-          <p:cNvPr id="2" name="Title 1"/>
-          <p:cNvSpPr>
-            <a:spLocks noGrp="1"/>
-          </p:cNvSpPr>
-          <p:nvPr>
-            <p:ph type="title"/>
-          </p:nvPr>
-        </p:nvSpPr>
-        <p:spPr>
-          <a:xfrm>
-            <a:off x="331839" y="365125"/>
-            <a:ext cx="11481619" cy="1325563"/>
-          </a:xfrm>
-        </p:spPr>
-        <p:txBody>
-          <a:bodyPr>
-            <a:normAutofit/>
-          </a:bodyPr>
-          <a:lstStyle/>
-          <a:p>
-            <a:r>
-              <a:rPr lang="en-US" dirty="0"/>
-              <a:t>But</a:t>
-            </a:r>
-            <a:r>
-              <a:rPr lang="mr-IN" dirty="0"/>
-              <a:t>…</a:t>
-            </a:r>
-            <a:r>
-              <a:rPr lang="en-US" dirty="0"/>
-              <a:t> MongoDB is “Web Scale”!</a:t>
-            </a:r>
-          </a:p>
-        </p:txBody>
-      </p:sp>
-      <p:sp>
-        <p:nvSpPr>
-          <p:cNvPr id="3" name="Content Placeholder 2"/>
-          <p:cNvSpPr>
-            <a:spLocks noGrp="1"/>
-          </p:cNvSpPr>
-          <p:nvPr>
-            <p:ph idx="1"/>
-          </p:nvPr>
-        </p:nvSpPr>
-        <p:spPr>
-          <a:xfrm>
-            <a:off x="258097" y="1825624"/>
-            <a:ext cx="11739716" cy="4877518"/>
-          </a:xfrm>
-        </p:spPr>
-        <p:txBody>
-          <a:bodyPr>
-            <a:normAutofit/>
-          </a:bodyPr>
-          <a:lstStyle/>
-          <a:p>
-            <a:r>
-              <a:rPr lang="en-US" dirty="0">
-                <a:hlinkClick r:id="rId2"/>
-              </a:rPr>
-              <a:t>https://www.youtube.com/watch?v=b2F-DItXtZs</a:t>
-            </a:r>
-          </a:p>
-          <a:p>
-            <a:r>
-              <a:rPr lang="en-US" dirty="0">
-                <a:hlinkClick r:id="rId2"/>
-              </a:rPr>
-              <a:t>http://www.sarahmei.com/blog/2013/11/11/why-you-should-never-use-mongodb/</a:t>
-            </a:r>
-            <a:endParaRPr lang="en-US" dirty="0"/>
-          </a:p>
-          <a:p>
-            <a:r>
-              <a:rPr lang="en-US" b="1" dirty="0"/>
-              <a:t>echo  "MongoDB is Web Scale!" &gt; /dev/null</a:t>
-            </a:r>
-          </a:p>
-          <a:p>
-            <a:r>
-              <a:rPr lang="en-US" dirty="0"/>
-              <a:t>Note: video is from 2010. At that time MongoDB was “rubbish”. Today is better</a:t>
-            </a:r>
-          </a:p>
-          <a:p>
-            <a:pPr lvl="1"/>
-            <a:r>
-              <a:rPr lang="en-US" dirty="0" err="1"/>
-              <a:t>eg</a:t>
-            </a:r>
-            <a:r>
-              <a:rPr lang="en-US" dirty="0"/>
-              <a:t> ACID transactions added in 2018</a:t>
-            </a:r>
-          </a:p>
-        </p:txBody>
-      </p:sp>
-      <p:pic>
-        <p:nvPicPr>
-          <p:cNvPr id="4" name="Picture 3"/>
-          <p:cNvPicPr>
-            <a:picLocks noChangeAspect="1"/>
-          </p:cNvPicPr>
-          <p:nvPr/>
-        </p:nvPicPr>
-        <p:blipFill>
-          <a:blip r:embed="rId3" cstate="screen">
-            <a:extLst>
-              <a:ext uri="{28A0092B-C50C-407E-A947-70E740481C1C}">
-                <a14:useLocalDpi xmlns:a14="http://schemas.microsoft.com/office/drawing/2010/main"/>
-              </a:ext>
-            </a:extLst>
-          </a:blip>
-          <a:stretch>
-            <a:fillRect/>
-          </a:stretch>
-        </p:blipFill>
-        <p:spPr>
-          <a:xfrm>
-            <a:off x="9591698" y="4859594"/>
-            <a:ext cx="2546223" cy="1908052"/>
-          </a:xfrm>
-          <a:prstGeom prst="rect">
-            <a:avLst/>
-          </a:prstGeom>
-        </p:spPr>
-      </p:pic>
-    </p:spTree>
-    <p:extLst>
-      <p:ext uri="{BB962C8B-B14F-4D97-AF65-F5344CB8AC3E}">
-        <p14:creationId xmlns:p14="http://schemas.microsoft.com/office/powerpoint/2010/main" val="1128507684"/>
-      </p:ext>
-    </p:extLst>
-  </p:cSld>
-  <p:clrMapOvr>
-    <a:masterClrMapping/>
-  </p:clrMapOvr>
-</p:sld>
-</file>
-
-<file path=ppt/slides/slide2.xml><?xml version="1.0" encoding="utf-8"?>
-<p:sld xmlns:a="http://schemas.openxmlformats.org/drawingml/2006/main" xmlns:r="http://schemas.openxmlformats.org/officeDocument/2006/relationships" xmlns:p="http://schemas.openxmlformats.org/presentationml/2006/main">
-  <p:cSld>
-    <p:spTree>
-      <p:nvGrpSpPr>
-        <p:cNvPr id="1" name=""/>
-        <p:cNvGrpSpPr/>
-        <p:nvPr/>
-      </p:nvGrpSpPr>
-      <p:grpSpPr>
-        <a:xfrm>
-          <a:off x="0" y="0"/>
-          <a:ext cx="0" cy="0"/>
-          <a:chOff x="0" y="0"/>
-          <a:chExt cx="0" cy="0"/>
-        </a:xfrm>
-      </p:grpSpPr>
-      <p:sp>
-        <p:nvSpPr>
-          <p:cNvPr id="2" name="Title 1"/>
-          <p:cNvSpPr>
-            <a:spLocks noGrp="1"/>
-          </p:cNvSpPr>
-          <p:nvPr>
-            <p:ph type="title"/>
-          </p:nvPr>
-        </p:nvSpPr>
-        <p:spPr/>
-        <p:txBody>
-          <a:bodyPr/>
-          <a:lstStyle/>
-          <a:p>
-            <a:r>
-              <a:rPr lang="en-US" dirty="0"/>
-              <a:t>Goals</a:t>
-            </a:r>
-          </a:p>
-        </p:txBody>
-      </p:sp>
-      <p:sp>
-        <p:nvSpPr>
-          <p:cNvPr id="3" name="Content Placeholder 2"/>
-          <p:cNvSpPr>
-            <a:spLocks noGrp="1"/>
-          </p:cNvSpPr>
-          <p:nvPr>
-            <p:ph idx="1"/>
-          </p:nvPr>
-        </p:nvSpPr>
-        <p:spPr>
-          <a:xfrm>
-            <a:off x="123569" y="1825624"/>
-            <a:ext cx="12002528" cy="4781121"/>
-          </a:xfrm>
-        </p:spPr>
-        <p:txBody>
-          <a:bodyPr/>
-          <a:lstStyle/>
-          <a:p>
-            <a:r>
-              <a:rPr lang="en-US" dirty="0"/>
-              <a:t>See a full working example of a non-trivial, multi-player, online game based on what learned so far in class</a:t>
-            </a:r>
-          </a:p>
-          <a:p>
-            <a:r>
-              <a:rPr lang="en-US" dirty="0"/>
-              <a:t>Learn how to deploy your app on a cloud provider</a:t>
-            </a:r>
-          </a:p>
-          <a:p>
-            <a:r>
-              <a:rPr lang="en-US" dirty="0"/>
-              <a:t>Some discussions on databases… </a:t>
-            </a:r>
-          </a:p>
-        </p:txBody>
-      </p:sp>
-    </p:spTree>
-    <p:extLst>
-      <p:ext uri="{BB962C8B-B14F-4D97-AF65-F5344CB8AC3E}">
-        <p14:creationId xmlns:p14="http://schemas.microsoft.com/office/powerpoint/2010/main" val="691639019"/>
-      </p:ext>
-    </p:extLst>
-  </p:cSld>
-  <p:clrMapOvr>
-    <a:masterClrMapping/>
-  </p:clrMapOvr>
-</p:sld>
-</file>
-
-<file path=ppt/slides/slide3.xml><?xml version="1.0" encoding="utf-8"?>
-<p:sld xmlns:a="http://schemas.openxmlformats.org/drawingml/2006/main" xmlns:r="http://schemas.openxmlformats.org/officeDocument/2006/relationships" xmlns:p="http://schemas.openxmlformats.org/presentationml/2006/main">
-  <p:cSld>
-    <p:spTree>
-      <p:nvGrpSpPr>
-        <p:cNvPr id="1" name=""/>
-        <p:cNvGrpSpPr/>
-        <p:nvPr/>
-      </p:nvGrpSpPr>
-      <p:grpSpPr>
-        <a:xfrm>
-          <a:off x="0" y="0"/>
-          <a:ext cx="0" cy="0"/>
-          <a:chOff x="0" y="0"/>
-          <a:chExt cx="0" cy="0"/>
-        </a:xfrm>
-      </p:grpSpPr>
-      <p:sp>
-        <p:nvSpPr>
-          <p:cNvPr id="2" name="Title 1">
-            <a:extLst>
-              <a:ext uri="{FF2B5EF4-FFF2-40B4-BE49-F238E27FC236}">
-                <a16:creationId xmlns:a16="http://schemas.microsoft.com/office/drawing/2014/main" id="{3DED4A39-0984-094B-B78E-AD373ED32034}"/>
-              </a:ext>
-            </a:extLst>
-          </p:cNvPr>
-          <p:cNvSpPr>
-            <a:spLocks noGrp="1"/>
-          </p:cNvSpPr>
-          <p:nvPr>
-            <p:ph type="title"/>
-          </p:nvPr>
-        </p:nvSpPr>
-        <p:spPr/>
-        <p:txBody>
-          <a:bodyPr/>
-          <a:lstStyle/>
-          <a:p>
-            <a:r>
-              <a:rPr lang="en-US" dirty="0"/>
-              <a:t>Multi-player Connect4</a:t>
-            </a:r>
-          </a:p>
-        </p:txBody>
-      </p:sp>
-      <p:sp>
-        <p:nvSpPr>
-          <p:cNvPr id="3" name="Content Placeholder 2">
-            <a:extLst>
-              <a:ext uri="{FF2B5EF4-FFF2-40B4-BE49-F238E27FC236}">
-                <a16:creationId xmlns:a16="http://schemas.microsoft.com/office/drawing/2014/main" id="{608C5C36-CF4F-1C4C-9A1B-E6A71CFE60E6}"/>
-              </a:ext>
-            </a:extLst>
-          </p:cNvPr>
-          <p:cNvSpPr>
-            <a:spLocks noGrp="1"/>
-          </p:cNvSpPr>
-          <p:nvPr>
-            <p:ph idx="1"/>
-          </p:nvPr>
-        </p:nvSpPr>
-        <p:spPr>
-          <a:xfrm>
-            <a:off x="186611" y="1690688"/>
-            <a:ext cx="11744131" cy="5033573"/>
-          </a:xfrm>
-        </p:spPr>
-        <p:txBody>
-          <a:bodyPr/>
-          <a:lstStyle/>
-          <a:p>
-            <a:r>
-              <a:rPr lang="en-US" dirty="0"/>
-              <a:t>Turn-based, but need </a:t>
-            </a:r>
-            <a:r>
-              <a:rPr lang="en-US" dirty="0" err="1"/>
-              <a:t>WebSockets</a:t>
-            </a:r>
-            <a:r>
-              <a:rPr lang="en-US" dirty="0"/>
-              <a:t> to get informed when opponent has done his/her move</a:t>
-            </a:r>
-          </a:p>
-          <a:p>
-            <a:r>
-              <a:rPr lang="en-US" dirty="0"/>
-              <a:t>How to pair players on different machines?</a:t>
-            </a:r>
-          </a:p>
-          <a:p>
-            <a:r>
-              <a:rPr lang="en-US" dirty="0"/>
-              <a:t>How to prevent cheating?</a:t>
-            </a:r>
-          </a:p>
-          <a:p>
-            <a:r>
-              <a:rPr lang="en-US" dirty="0"/>
-              <a:t>etc.</a:t>
-            </a:r>
-          </a:p>
-          <a:p>
-            <a:pPr lvl="1"/>
-            <a:r>
-              <a:rPr lang="en-US" dirty="0"/>
-              <a:t>details will be in the code</a:t>
-            </a:r>
-          </a:p>
-        </p:txBody>
-      </p:sp>
-    </p:spTree>
-    <p:extLst>
-      <p:ext uri="{BB962C8B-B14F-4D97-AF65-F5344CB8AC3E}">
-        <p14:creationId xmlns:p14="http://schemas.microsoft.com/office/powerpoint/2010/main" val="2234416927"/>
-      </p:ext>
-    </p:extLst>
-  </p:cSld>
-  <p:clrMapOvr>
-    <a:masterClrMapping/>
-  </p:clrMapOvr>
-</p:sld>
-</file>
-
-<file path=ppt/slides/slide4.xml><?xml version="1.0" encoding="utf-8"?>
-<p:sld xmlns:a="http://schemas.openxmlformats.org/drawingml/2006/main" xmlns:r="http://schemas.openxmlformats.org/officeDocument/2006/relationships" xmlns:p="http://schemas.openxmlformats.org/presentationml/2006/main">
-  <p:cSld>
-    <p:spTree>
-      <p:nvGrpSpPr>
-        <p:cNvPr id="1" name=""/>
-        <p:cNvGrpSpPr/>
-        <p:nvPr/>
-      </p:nvGrpSpPr>
-      <p:grpSpPr>
-        <a:xfrm>
-          <a:off x="0" y="0"/>
-          <a:ext cx="0" cy="0"/>
-          <a:chOff x="0" y="0"/>
-          <a:chExt cx="0" cy="0"/>
-        </a:xfrm>
-      </p:grpSpPr>
-      <p:sp>
-        <p:nvSpPr>
-          <p:cNvPr id="4" name="Title 3"/>
-          <p:cNvSpPr>
-            <a:spLocks noGrp="1"/>
-          </p:cNvSpPr>
-          <p:nvPr>
-            <p:ph type="title"/>
-          </p:nvPr>
-        </p:nvSpPr>
-        <p:spPr/>
-        <p:txBody>
-          <a:bodyPr>
-            <a:normAutofit/>
-          </a:bodyPr>
-          <a:lstStyle/>
-          <a:p>
-            <a:r>
-              <a:rPr lang="en-US" sz="6600" dirty="0"/>
-              <a:t>Cloud Deployment</a:t>
-            </a:r>
-          </a:p>
-        </p:txBody>
-      </p:sp>
-    </p:spTree>
-    <p:extLst>
-      <p:ext uri="{BB962C8B-B14F-4D97-AF65-F5344CB8AC3E}">
-        <p14:creationId xmlns:p14="http://schemas.microsoft.com/office/powerpoint/2010/main" val="1777942242"/>
-      </p:ext>
-    </p:extLst>
-  </p:cSld>
-  <p:clrMapOvr>
-    <a:masterClrMapping/>
-  </p:clrMapOvr>
-</p:sld>
-</file>
-
-<file path=ppt/slides/slide5.xml><?xml version="1.0" encoding="utf-8"?>
-<p:sld xmlns:a="http://schemas.openxmlformats.org/drawingml/2006/main" xmlns:r="http://schemas.openxmlformats.org/officeDocument/2006/relationships" xmlns:p="http://schemas.openxmlformats.org/presentationml/2006/main">
-  <p:cSld>
-    <p:spTree>
-      <p:nvGrpSpPr>
-        <p:cNvPr id="1" name=""/>
-        <p:cNvGrpSpPr/>
-        <p:nvPr/>
-      </p:nvGrpSpPr>
-      <p:grpSpPr>
-        <a:xfrm>
-          <a:off x="0" y="0"/>
-          <a:ext cx="0" cy="0"/>
-          <a:chOff x="0" y="0"/>
-          <a:chExt cx="0" cy="0"/>
-        </a:xfrm>
-      </p:grpSpPr>
-      <p:sp>
-        <p:nvSpPr>
           <p:cNvPr id="2" name="Title 1"/>
           <p:cNvSpPr>
             <a:spLocks noGrp="1"/>
@@ -5349,7 +4271,7 @@
 </p:sld>
 </file>
 
-<file path=ppt/slides/slide6.xml><?xml version="1.0" encoding="utf-8"?>
+<file path=ppt/slides/slide13.xml><?xml version="1.0" encoding="utf-8"?>
 <p:sld xmlns:a="http://schemas.openxmlformats.org/drawingml/2006/main" xmlns:r="http://schemas.openxmlformats.org/officeDocument/2006/relationships" xmlns:p="http://schemas.openxmlformats.org/presentationml/2006/main">
   <p:cSld>
     <p:spTree>
@@ -5447,6 +4369,2998 @@
 </p:sld>
 </file>
 
+<file path=ppt/slides/slide14.xml><?xml version="1.0" encoding="utf-8"?>
+<p:sld xmlns:a="http://schemas.openxmlformats.org/drawingml/2006/main" xmlns:r="http://schemas.openxmlformats.org/officeDocument/2006/relationships" xmlns:p="http://schemas.openxmlformats.org/presentationml/2006/main">
+  <p:cSld>
+    <p:spTree>
+      <p:nvGrpSpPr>
+        <p:cNvPr id="1" name=""/>
+        <p:cNvGrpSpPr/>
+        <p:nvPr/>
+      </p:nvGrpSpPr>
+      <p:grpSpPr>
+        <a:xfrm>
+          <a:off x="0" y="0"/>
+          <a:ext cx="0" cy="0"/>
+          <a:chOff x="0" y="0"/>
+          <a:chExt cx="0" cy="0"/>
+        </a:xfrm>
+      </p:grpSpPr>
+      <p:sp>
+        <p:nvSpPr>
+          <p:cNvPr id="2" name="Title 1"/>
+          <p:cNvSpPr>
+            <a:spLocks noGrp="1"/>
+          </p:cNvSpPr>
+          <p:nvPr>
+            <p:ph type="title"/>
+          </p:nvPr>
+        </p:nvSpPr>
+        <p:spPr/>
+        <p:txBody>
+          <a:bodyPr/>
+          <a:lstStyle/>
+          <a:p>
+            <a:r>
+              <a:rPr lang="en-US" dirty="0" err="1"/>
+              <a:t>Heroku</a:t>
+            </a:r>
+            <a:endParaRPr lang="en-US" dirty="0"/>
+          </a:p>
+        </p:txBody>
+      </p:sp>
+      <p:sp>
+        <p:nvSpPr>
+          <p:cNvPr id="3" name="Content Placeholder 2"/>
+          <p:cNvSpPr>
+            <a:spLocks noGrp="1"/>
+          </p:cNvSpPr>
+          <p:nvPr>
+            <p:ph idx="1"/>
+          </p:nvPr>
+        </p:nvSpPr>
+        <p:spPr>
+          <a:xfrm>
+            <a:off x="188535" y="1825624"/>
+            <a:ext cx="11830639" cy="4857979"/>
+          </a:xfrm>
+        </p:spPr>
+        <p:txBody>
+          <a:bodyPr>
+            <a:normAutofit/>
+          </a:bodyPr>
+          <a:lstStyle/>
+          <a:p>
+            <a:r>
+              <a:rPr lang="en-US" dirty="0"/>
+              <a:t>One of the main cloud providers</a:t>
+            </a:r>
+          </a:p>
+          <a:p>
+            <a:r>
+              <a:rPr lang="en-US" dirty="0"/>
+              <a:t>At the time of this writing, it provides </a:t>
+            </a:r>
+            <a:r>
+              <a:rPr lang="en-US" i="1" dirty="0"/>
+              <a:t>easy</a:t>
+            </a:r>
+            <a:r>
+              <a:rPr lang="en-US" dirty="0"/>
+              <a:t> to use </a:t>
+            </a:r>
+            <a:r>
+              <a:rPr lang="en-US" i="1" dirty="0"/>
+              <a:t>free</a:t>
+            </a:r>
+            <a:r>
+              <a:rPr lang="en-US" dirty="0"/>
+              <a:t> hosting</a:t>
+            </a:r>
+          </a:p>
+          <a:p>
+            <a:pPr lvl="1"/>
+            <a:r>
+              <a:rPr lang="en-US" dirty="0"/>
+              <a:t>note, this might change at any time </a:t>
+            </a:r>
+          </a:p>
+          <a:p>
+            <a:r>
+              <a:rPr lang="en-US" dirty="0"/>
+              <a:t>Supporting </a:t>
+            </a:r>
+            <a:r>
+              <a:rPr lang="en-US" dirty="0" err="1"/>
+              <a:t>NodeJS</a:t>
+            </a:r>
+            <a:r>
+              <a:rPr lang="en-US" dirty="0"/>
+              <a:t> applications</a:t>
+            </a:r>
+          </a:p>
+          <a:p>
+            <a:pPr lvl="1"/>
+            <a:r>
+              <a:rPr lang="en-US" dirty="0"/>
+              <a:t>and many others</a:t>
+            </a:r>
+          </a:p>
+        </p:txBody>
+      </p:sp>
+    </p:spTree>
+    <p:extLst>
+      <p:ext uri="{BB962C8B-B14F-4D97-AF65-F5344CB8AC3E}">
+        <p14:creationId xmlns:p14="http://schemas.microsoft.com/office/powerpoint/2010/main" val="1389031099"/>
+      </p:ext>
+    </p:extLst>
+  </p:cSld>
+  <p:clrMapOvr>
+    <a:masterClrMapping/>
+  </p:clrMapOvr>
+</p:sld>
+</file>
+
+<file path=ppt/slides/slide15.xml><?xml version="1.0" encoding="utf-8"?>
+<p:sld xmlns:a="http://schemas.openxmlformats.org/drawingml/2006/main" xmlns:r="http://schemas.openxmlformats.org/officeDocument/2006/relationships" xmlns:p="http://schemas.openxmlformats.org/presentationml/2006/main">
+  <p:cSld>
+    <p:spTree>
+      <p:nvGrpSpPr>
+        <p:cNvPr id="1" name=""/>
+        <p:cNvGrpSpPr/>
+        <p:nvPr/>
+      </p:nvGrpSpPr>
+      <p:grpSpPr>
+        <a:xfrm>
+          <a:off x="0" y="0"/>
+          <a:ext cx="0" cy="0"/>
+          <a:chOff x="0" y="0"/>
+          <a:chExt cx="0" cy="0"/>
+        </a:xfrm>
+      </p:grpSpPr>
+      <p:sp>
+        <p:nvSpPr>
+          <p:cNvPr id="2" name="Title 1"/>
+          <p:cNvSpPr>
+            <a:spLocks noGrp="1"/>
+          </p:cNvSpPr>
+          <p:nvPr>
+            <p:ph type="title"/>
+          </p:nvPr>
+        </p:nvSpPr>
+        <p:spPr/>
+        <p:txBody>
+          <a:bodyPr/>
+          <a:lstStyle/>
+          <a:p>
+            <a:r>
+              <a:rPr lang="en-US" dirty="0"/>
+              <a:t>Using </a:t>
+            </a:r>
+            <a:r>
+              <a:rPr lang="en-US" dirty="0" err="1"/>
+              <a:t>Heroku</a:t>
+            </a:r>
+            <a:endParaRPr lang="en-US" dirty="0"/>
+          </a:p>
+        </p:txBody>
+      </p:sp>
+      <p:sp>
+        <p:nvSpPr>
+          <p:cNvPr id="3" name="Content Placeholder 2"/>
+          <p:cNvSpPr>
+            <a:spLocks noGrp="1"/>
+          </p:cNvSpPr>
+          <p:nvPr>
+            <p:ph idx="1"/>
+          </p:nvPr>
+        </p:nvSpPr>
+        <p:spPr>
+          <a:xfrm>
+            <a:off x="179109" y="1825625"/>
+            <a:ext cx="11736371" cy="4867406"/>
+          </a:xfrm>
+        </p:spPr>
+        <p:txBody>
+          <a:bodyPr>
+            <a:normAutofit/>
+          </a:bodyPr>
+          <a:lstStyle/>
+          <a:p>
+            <a:r>
+              <a:rPr lang="en-US" dirty="0"/>
+              <a:t>First you need to create an account at </a:t>
+            </a:r>
+            <a:r>
+              <a:rPr lang="en-US" dirty="0">
+                <a:hlinkClick r:id="rId2"/>
+              </a:rPr>
+              <a:t>www.heroku.com</a:t>
+            </a:r>
+            <a:endParaRPr lang="en-US" dirty="0"/>
+          </a:p>
+          <a:p>
+            <a:r>
+              <a:rPr lang="en-US" dirty="0"/>
+              <a:t>Most instructions on Heroku shows how to deploy with Git, but </a:t>
+            </a:r>
+            <a:r>
+              <a:rPr lang="en-US" i="1" dirty="0"/>
+              <a:t>I do not like it</a:t>
+            </a:r>
+            <a:r>
+              <a:rPr lang="en-US" dirty="0"/>
+              <a:t>… we will use a CLI</a:t>
+            </a:r>
+          </a:p>
+          <a:p>
+            <a:pPr lvl="1"/>
+            <a:r>
+              <a:rPr lang="en-US" dirty="0"/>
+              <a:t>however, you can use whatever you like…</a:t>
+            </a:r>
+          </a:p>
+          <a:p>
+            <a:r>
+              <a:rPr lang="en-US" dirty="0"/>
+              <a:t>Install </a:t>
+            </a:r>
+            <a:r>
+              <a:rPr lang="en-US" i="1" dirty="0"/>
+              <a:t>Heroku CLI</a:t>
+            </a:r>
+            <a:r>
+              <a:rPr lang="en-US" dirty="0"/>
+              <a:t>, which allows you to interact with Heroku from command line</a:t>
+            </a:r>
+          </a:p>
+          <a:p>
+            <a:r>
+              <a:rPr lang="en-US" dirty="0"/>
+              <a:t>On the web interface, create an “app” with a name of your choice. In these slides, I will use “</a:t>
+            </a:r>
+            <a:r>
+              <a:rPr lang="en-US" i="1" dirty="0"/>
+              <a:t>pg6300-c4</a:t>
+            </a:r>
+            <a:r>
+              <a:rPr lang="en-US" dirty="0"/>
+              <a:t>”</a:t>
+            </a:r>
+          </a:p>
+          <a:p>
+            <a:pPr lvl="1"/>
+            <a:r>
+              <a:rPr lang="en-US" dirty="0"/>
+              <a:t>as names are unique, you will need to choose a different name</a:t>
+            </a:r>
+          </a:p>
+          <a:p>
+            <a:pPr marL="0" indent="0">
+              <a:buNone/>
+            </a:pPr>
+            <a:endParaRPr lang="en-US" dirty="0"/>
+          </a:p>
+        </p:txBody>
+      </p:sp>
+    </p:spTree>
+    <p:extLst>
+      <p:ext uri="{BB962C8B-B14F-4D97-AF65-F5344CB8AC3E}">
+        <p14:creationId xmlns:p14="http://schemas.microsoft.com/office/powerpoint/2010/main" val="150954356"/>
+      </p:ext>
+    </p:extLst>
+  </p:cSld>
+  <p:clrMapOvr>
+    <a:masterClrMapping/>
+  </p:clrMapOvr>
+</p:sld>
+</file>
+
+<file path=ppt/slides/slide16.xml><?xml version="1.0" encoding="utf-8"?>
+<p:sld xmlns:a="http://schemas.openxmlformats.org/drawingml/2006/main" xmlns:r="http://schemas.openxmlformats.org/officeDocument/2006/relationships" xmlns:p="http://schemas.openxmlformats.org/presentationml/2006/main">
+  <p:cSld>
+    <p:spTree>
+      <p:nvGrpSpPr>
+        <p:cNvPr id="1" name=""/>
+        <p:cNvGrpSpPr/>
+        <p:nvPr/>
+      </p:nvGrpSpPr>
+      <p:grpSpPr>
+        <a:xfrm>
+          <a:off x="0" y="0"/>
+          <a:ext cx="0" cy="0"/>
+          <a:chOff x="0" y="0"/>
+          <a:chExt cx="0" cy="0"/>
+        </a:xfrm>
+      </p:grpSpPr>
+      <p:sp>
+        <p:nvSpPr>
+          <p:cNvPr id="2" name="Title 1"/>
+          <p:cNvSpPr>
+            <a:spLocks noGrp="1"/>
+          </p:cNvSpPr>
+          <p:nvPr>
+            <p:ph type="title"/>
+          </p:nvPr>
+        </p:nvSpPr>
+        <p:spPr/>
+        <p:txBody>
+          <a:bodyPr/>
+          <a:lstStyle/>
+          <a:p>
+            <a:r>
+              <a:rPr lang="en-US" dirty="0"/>
+              <a:t>From Command Line (CLI)</a:t>
+            </a:r>
+          </a:p>
+        </p:txBody>
+      </p:sp>
+      <p:sp>
+        <p:nvSpPr>
+          <p:cNvPr id="3" name="Content Placeholder 2"/>
+          <p:cNvSpPr>
+            <a:spLocks noGrp="1"/>
+          </p:cNvSpPr>
+          <p:nvPr>
+            <p:ph idx="1"/>
+          </p:nvPr>
+        </p:nvSpPr>
+        <p:spPr>
+          <a:xfrm>
+            <a:off x="207390" y="1825624"/>
+            <a:ext cx="11792932" cy="4905113"/>
+          </a:xfrm>
+        </p:spPr>
+        <p:txBody>
+          <a:bodyPr>
+            <a:normAutofit/>
+          </a:bodyPr>
+          <a:lstStyle/>
+          <a:p>
+            <a:r>
+              <a:rPr lang="en-US" b="1" dirty="0" err="1"/>
+              <a:t>heroku</a:t>
+            </a:r>
+            <a:r>
+              <a:rPr lang="en-US" b="1" dirty="0"/>
+              <a:t> </a:t>
+            </a:r>
+            <a:r>
+              <a:rPr lang="en-US" b="1" dirty="0" err="1"/>
+              <a:t>plugins:install</a:t>
+            </a:r>
+            <a:r>
+              <a:rPr lang="en-US" b="1" dirty="0"/>
+              <a:t> </a:t>
+            </a:r>
+            <a:r>
+              <a:rPr lang="en-US" b="1" dirty="0" err="1"/>
+              <a:t>heroku</a:t>
+            </a:r>
+            <a:r>
+              <a:rPr lang="en-US" b="1" dirty="0"/>
+              <a:t>-builds</a:t>
+            </a:r>
+          </a:p>
+          <a:p>
+            <a:pPr lvl="1"/>
+            <a:r>
+              <a:rPr lang="en-US" dirty="0"/>
+              <a:t>need to be run only once, to install the “</a:t>
+            </a:r>
+            <a:r>
+              <a:rPr lang="en-US" i="1" dirty="0"/>
+              <a:t>builds</a:t>
+            </a:r>
+            <a:r>
+              <a:rPr lang="en-US" dirty="0"/>
+              <a:t>” plugin</a:t>
+            </a:r>
+            <a:endParaRPr lang="en-US" b="1" dirty="0"/>
+          </a:p>
+          <a:p>
+            <a:r>
+              <a:rPr lang="en-US" b="1" dirty="0" err="1"/>
+              <a:t>heroku</a:t>
+            </a:r>
+            <a:r>
+              <a:rPr lang="en-US" b="1" dirty="0"/>
+              <a:t> login</a:t>
+            </a:r>
+          </a:p>
+          <a:p>
+            <a:pPr lvl="1"/>
+            <a:r>
+              <a:rPr lang="en-US" dirty="0"/>
+              <a:t>will setup credential for the other commands.</a:t>
+            </a:r>
+          </a:p>
+          <a:p>
+            <a:pPr lvl="1"/>
+            <a:r>
+              <a:rPr lang="en-US" dirty="0"/>
+              <a:t>note: if using Windows, this might not work on </a:t>
+            </a:r>
+            <a:r>
+              <a:rPr lang="en-US" dirty="0" err="1"/>
+              <a:t>GitBash</a:t>
+            </a:r>
+            <a:r>
+              <a:rPr lang="en-US" dirty="0"/>
+              <a:t>, and need to do this command once from a regular Terminal</a:t>
+            </a:r>
+          </a:p>
+          <a:p>
+            <a:r>
+              <a:rPr lang="en-US" b="1" dirty="0" err="1"/>
+              <a:t>heroku</a:t>
+            </a:r>
+            <a:r>
+              <a:rPr lang="en-US" b="1" dirty="0"/>
+              <a:t> </a:t>
+            </a:r>
+            <a:r>
+              <a:rPr lang="en-US" b="1" dirty="0" err="1"/>
+              <a:t>builds:create</a:t>
+            </a:r>
+            <a:r>
+              <a:rPr lang="en-US" b="1" dirty="0"/>
+              <a:t> -a pg6300-c4</a:t>
+            </a:r>
+          </a:p>
+          <a:p>
+            <a:pPr lvl="1"/>
+            <a:r>
+              <a:rPr lang="en-US" dirty="0"/>
+              <a:t>zip all your files in current folder, and deploy them in the app</a:t>
+            </a:r>
+          </a:p>
+          <a:p>
+            <a:pPr lvl="1"/>
+            <a:r>
+              <a:rPr lang="en-US" dirty="0"/>
+              <a:t>note: use “</a:t>
+            </a:r>
+            <a:r>
+              <a:rPr lang="en-US" i="1" dirty="0"/>
+              <a:t>.</a:t>
+            </a:r>
+            <a:r>
+              <a:rPr lang="en-US" i="1" dirty="0" err="1"/>
+              <a:t>gitignore</a:t>
+            </a:r>
+            <a:r>
+              <a:rPr lang="en-US" dirty="0"/>
+              <a:t>” to specify what to exclude</a:t>
+            </a:r>
+          </a:p>
+          <a:p>
+            <a:endParaRPr lang="en-US" dirty="0"/>
+          </a:p>
+        </p:txBody>
+      </p:sp>
+    </p:spTree>
+    <p:extLst>
+      <p:ext uri="{BB962C8B-B14F-4D97-AF65-F5344CB8AC3E}">
+        <p14:creationId xmlns:p14="http://schemas.microsoft.com/office/powerpoint/2010/main" val="911674185"/>
+      </p:ext>
+    </p:extLst>
+  </p:cSld>
+  <p:clrMapOvr>
+    <a:masterClrMapping/>
+  </p:clrMapOvr>
+</p:sld>
+</file>
+
+<file path=ppt/slides/slide17.xml><?xml version="1.0" encoding="utf-8"?>
+<p:sld xmlns:a="http://schemas.openxmlformats.org/drawingml/2006/main" xmlns:r="http://schemas.openxmlformats.org/officeDocument/2006/relationships" xmlns:p="http://schemas.openxmlformats.org/presentationml/2006/main">
+  <p:cSld>
+    <p:spTree>
+      <p:nvGrpSpPr>
+        <p:cNvPr id="1" name=""/>
+        <p:cNvGrpSpPr/>
+        <p:nvPr/>
+      </p:nvGrpSpPr>
+      <p:grpSpPr>
+        <a:xfrm>
+          <a:off x="0" y="0"/>
+          <a:ext cx="0" cy="0"/>
+          <a:chOff x="0" y="0"/>
+          <a:chExt cx="0" cy="0"/>
+        </a:xfrm>
+      </p:grpSpPr>
+      <p:sp>
+        <p:nvSpPr>
+          <p:cNvPr id="2" name="Title 1">
+            <a:extLst>
+              <a:ext uri="{FF2B5EF4-FFF2-40B4-BE49-F238E27FC236}">
+                <a16:creationId xmlns:a16="http://schemas.microsoft.com/office/drawing/2014/main" id="{B1DE7817-04D0-C940-9BE2-A2700962FE2B}"/>
+              </a:ext>
+            </a:extLst>
+          </p:cNvPr>
+          <p:cNvSpPr>
+            <a:spLocks noGrp="1"/>
+          </p:cNvSpPr>
+          <p:nvPr>
+            <p:ph type="title"/>
+          </p:nvPr>
+        </p:nvSpPr>
+        <p:spPr/>
+        <p:txBody>
+          <a:bodyPr/>
+          <a:lstStyle/>
+          <a:p>
+            <a:r>
+              <a:rPr lang="en-US" dirty="0"/>
+              <a:t>Settings</a:t>
+            </a:r>
+          </a:p>
+        </p:txBody>
+      </p:sp>
+      <p:sp>
+        <p:nvSpPr>
+          <p:cNvPr id="3" name="Content Placeholder 2">
+            <a:extLst>
+              <a:ext uri="{FF2B5EF4-FFF2-40B4-BE49-F238E27FC236}">
+                <a16:creationId xmlns:a16="http://schemas.microsoft.com/office/drawing/2014/main" id="{28FD7124-CF67-4F40-866E-E2CC5AE10229}"/>
+              </a:ext>
+            </a:extLst>
+          </p:cNvPr>
+          <p:cNvSpPr>
+            <a:spLocks noGrp="1"/>
+          </p:cNvSpPr>
+          <p:nvPr>
+            <p:ph idx="1"/>
+          </p:nvPr>
+        </p:nvSpPr>
+        <p:spPr>
+          <a:xfrm>
+            <a:off x="205273" y="1825625"/>
+            <a:ext cx="11880980" cy="4848873"/>
+          </a:xfrm>
+        </p:spPr>
+        <p:txBody>
+          <a:bodyPr/>
+          <a:lstStyle/>
+          <a:p>
+            <a:r>
+              <a:rPr lang="en-US" dirty="0"/>
+              <a:t>Can have extra settings in “</a:t>
+            </a:r>
+            <a:r>
+              <a:rPr lang="en-US" i="1" dirty="0"/>
+              <a:t>engines</a:t>
+            </a:r>
+            <a:r>
+              <a:rPr lang="en-US" dirty="0"/>
+              <a:t>” under </a:t>
+            </a:r>
+            <a:r>
+              <a:rPr lang="en-US" i="1" dirty="0" err="1"/>
+              <a:t>package.json</a:t>
+            </a:r>
+            <a:r>
+              <a:rPr lang="en-US" dirty="0"/>
+              <a:t>, but not compulsory</a:t>
+            </a:r>
+          </a:p>
+          <a:p>
+            <a:pPr lvl="1"/>
+            <a:r>
+              <a:rPr lang="en-US" dirty="0" err="1"/>
+              <a:t>eg.</a:t>
+            </a:r>
+            <a:r>
+              <a:rPr lang="en-US" dirty="0"/>
+              <a:t>, version of Node and YARN to use to run/build your app</a:t>
+            </a:r>
+          </a:p>
+          <a:p>
+            <a:r>
+              <a:rPr lang="en-US" dirty="0"/>
+              <a:t>Your app MUST bind to a port specified by </a:t>
+            </a:r>
+            <a:r>
+              <a:rPr lang="en-US" b="1" dirty="0" err="1"/>
+              <a:t>process.env.PORT</a:t>
+            </a:r>
+            <a:endParaRPr lang="en-US" b="1" dirty="0"/>
+          </a:p>
+          <a:p>
+            <a:pPr lvl="1"/>
+            <a:r>
+              <a:rPr lang="en-US" dirty="0"/>
+              <a:t>otherwise, Heroku will not know how to reverse-proxy to it</a:t>
+            </a:r>
+          </a:p>
+          <a:p>
+            <a:r>
+              <a:rPr lang="en-US" dirty="0"/>
+              <a:t>Your app will be automatically built by Heroku with “</a:t>
+            </a:r>
+            <a:r>
+              <a:rPr lang="en-US" i="1" dirty="0"/>
+              <a:t>yarn build</a:t>
+            </a:r>
+            <a:r>
+              <a:rPr lang="en-US" dirty="0"/>
+              <a:t>”, and started with “</a:t>
+            </a:r>
+            <a:r>
+              <a:rPr lang="en-US" i="1" dirty="0"/>
+              <a:t>yarn start</a:t>
+            </a:r>
+            <a:r>
+              <a:rPr lang="en-US" dirty="0"/>
+              <a:t>”</a:t>
+            </a:r>
+          </a:p>
+        </p:txBody>
+      </p:sp>
+    </p:spTree>
+    <p:extLst>
+      <p:ext uri="{BB962C8B-B14F-4D97-AF65-F5344CB8AC3E}">
+        <p14:creationId xmlns:p14="http://schemas.microsoft.com/office/powerpoint/2010/main" val="3000509078"/>
+      </p:ext>
+    </p:extLst>
+  </p:cSld>
+  <p:clrMapOvr>
+    <a:masterClrMapping/>
+  </p:clrMapOvr>
+</p:sld>
+</file>
+
+<file path=ppt/slides/slide18.xml><?xml version="1.0" encoding="utf-8"?>
+<p:sld xmlns:a="http://schemas.openxmlformats.org/drawingml/2006/main" xmlns:r="http://schemas.openxmlformats.org/officeDocument/2006/relationships" xmlns:p="http://schemas.openxmlformats.org/presentationml/2006/main">
+  <p:cSld>
+    <p:spTree>
+      <p:nvGrpSpPr>
+        <p:cNvPr id="1" name=""/>
+        <p:cNvGrpSpPr/>
+        <p:nvPr/>
+      </p:nvGrpSpPr>
+      <p:grpSpPr>
+        <a:xfrm>
+          <a:off x="0" y="0"/>
+          <a:ext cx="0" cy="0"/>
+          <a:chOff x="0" y="0"/>
+          <a:chExt cx="0" cy="0"/>
+        </a:xfrm>
+      </p:grpSpPr>
+      <p:pic>
+        <p:nvPicPr>
+          <p:cNvPr id="4" name="Picture 3"/>
+          <p:cNvPicPr>
+            <a:picLocks noChangeAspect="1"/>
+          </p:cNvPicPr>
+          <p:nvPr/>
+        </p:nvPicPr>
+        <p:blipFill>
+          <a:blip r:embed="rId2" cstate="screen">
+            <a:extLst>
+              <a:ext uri="{28A0092B-C50C-407E-A947-70E740481C1C}">
+                <a14:useLocalDpi xmlns:a14="http://schemas.microsoft.com/office/drawing/2010/main"/>
+              </a:ext>
+            </a:extLst>
+          </a:blip>
+          <a:stretch>
+            <a:fillRect/>
+          </a:stretch>
+        </p:blipFill>
+        <p:spPr>
+          <a:xfrm>
+            <a:off x="892278" y="982817"/>
+            <a:ext cx="10058400" cy="4919542"/>
+          </a:xfrm>
+          <a:prstGeom prst="rect">
+            <a:avLst/>
+          </a:prstGeom>
+        </p:spPr>
+      </p:pic>
+      <p:sp>
+        <p:nvSpPr>
+          <p:cNvPr id="5" name="Right Arrow 4"/>
+          <p:cNvSpPr/>
+          <p:nvPr/>
+        </p:nvSpPr>
+        <p:spPr>
+          <a:xfrm rot="2418385">
+            <a:off x="693174" y="353961"/>
+            <a:ext cx="978408" cy="484632"/>
+          </a:xfrm>
+          <a:prstGeom prst="rightArrow">
+            <a:avLst/>
+          </a:prstGeom>
+        </p:spPr>
+        <p:style>
+          <a:lnRef idx="2">
+            <a:schemeClr val="accent1">
+              <a:shade val="50000"/>
+            </a:schemeClr>
+          </a:lnRef>
+          <a:fillRef idx="1">
+            <a:schemeClr val="accent1"/>
+          </a:fillRef>
+          <a:effectRef idx="0">
+            <a:schemeClr val="accent1"/>
+          </a:effectRef>
+          <a:fontRef idx="minor">
+            <a:schemeClr val="lt1"/>
+          </a:fontRef>
+        </p:style>
+        <p:txBody>
+          <a:bodyPr rtlCol="0" anchor="ctr"/>
+          <a:lstStyle/>
+          <a:p>
+            <a:pPr algn="ctr"/>
+            <a:endParaRPr lang="en-US"/>
+          </a:p>
+        </p:txBody>
+      </p:sp>
+      <p:sp>
+        <p:nvSpPr>
+          <p:cNvPr id="6" name="TextBox 5"/>
+          <p:cNvSpPr txBox="1"/>
+          <p:nvPr/>
+        </p:nvSpPr>
+        <p:spPr>
+          <a:xfrm>
+            <a:off x="1393723" y="15705"/>
+            <a:ext cx="5365443" cy="523220"/>
+          </a:xfrm>
+          <a:prstGeom prst="rect">
+            <a:avLst/>
+          </a:prstGeom>
+          <a:noFill/>
+        </p:spPr>
+        <p:txBody>
+          <a:bodyPr wrap="none" rtlCol="0">
+            <a:spAutoFit/>
+          </a:bodyPr>
+          <a:lstStyle/>
+          <a:p>
+            <a:r>
+              <a:rPr lang="en-US" sz="2800" dirty="0"/>
+              <a:t>https://pg6300-c4.herokuapp.com/</a:t>
+            </a:r>
+          </a:p>
+        </p:txBody>
+      </p:sp>
+    </p:spTree>
+    <p:extLst>
+      <p:ext uri="{BB962C8B-B14F-4D97-AF65-F5344CB8AC3E}">
+        <p14:creationId xmlns:p14="http://schemas.microsoft.com/office/powerpoint/2010/main" val="360681668"/>
+      </p:ext>
+    </p:extLst>
+  </p:cSld>
+  <p:clrMapOvr>
+    <a:masterClrMapping/>
+  </p:clrMapOvr>
+</p:sld>
+</file>
+
+<file path=ppt/slides/slide19.xml><?xml version="1.0" encoding="utf-8"?>
+<p:sld xmlns:a="http://schemas.openxmlformats.org/drawingml/2006/main" xmlns:r="http://schemas.openxmlformats.org/officeDocument/2006/relationships" xmlns:p="http://schemas.openxmlformats.org/presentationml/2006/main">
+  <p:cSld>
+    <p:spTree>
+      <p:nvGrpSpPr>
+        <p:cNvPr id="1" name=""/>
+        <p:cNvGrpSpPr/>
+        <p:nvPr/>
+      </p:nvGrpSpPr>
+      <p:grpSpPr>
+        <a:xfrm>
+          <a:off x="0" y="0"/>
+          <a:ext cx="0" cy="0"/>
+          <a:chOff x="0" y="0"/>
+          <a:chExt cx="0" cy="0"/>
+        </a:xfrm>
+      </p:grpSpPr>
+      <p:sp>
+        <p:nvSpPr>
+          <p:cNvPr id="2" name="Title 1"/>
+          <p:cNvSpPr>
+            <a:spLocks noGrp="1"/>
+          </p:cNvSpPr>
+          <p:nvPr>
+            <p:ph type="title"/>
+          </p:nvPr>
+        </p:nvSpPr>
+        <p:spPr/>
+        <p:txBody>
+          <a:bodyPr/>
+          <a:lstStyle/>
+          <a:p>
+            <a:r>
+              <a:rPr lang="en-US" dirty="0" smtClean="0"/>
+              <a:t>Cloud and </a:t>
+            </a:r>
+            <a:r>
+              <a:rPr lang="en-US" dirty="0" err="1" smtClean="0"/>
+              <a:t>WebSockets</a:t>
+            </a:r>
+            <a:endParaRPr lang="en-US" dirty="0"/>
+          </a:p>
+        </p:txBody>
+      </p:sp>
+      <p:sp>
+        <p:nvSpPr>
+          <p:cNvPr id="3" name="Content Placeholder 2"/>
+          <p:cNvSpPr>
+            <a:spLocks noGrp="1"/>
+          </p:cNvSpPr>
+          <p:nvPr>
+            <p:ph idx="1"/>
+          </p:nvPr>
+        </p:nvSpPr>
+        <p:spPr>
+          <a:xfrm>
+            <a:off x="247545" y="1825625"/>
+            <a:ext cx="11755849" cy="4832824"/>
+          </a:xfrm>
+        </p:spPr>
+        <p:txBody>
+          <a:bodyPr/>
+          <a:lstStyle/>
+          <a:p>
+            <a:r>
+              <a:rPr lang="en-US" dirty="0" err="1" smtClean="0"/>
+              <a:t>WebSockets</a:t>
+            </a:r>
+            <a:r>
+              <a:rPr lang="en-US" dirty="0" smtClean="0"/>
+              <a:t> are expensive resources</a:t>
+            </a:r>
+          </a:p>
+          <a:p>
+            <a:r>
+              <a:rPr lang="en-US" dirty="0" smtClean="0"/>
+              <a:t>Free-tier cloud options might allow only small number of WS</a:t>
+            </a:r>
+          </a:p>
+          <a:p>
+            <a:r>
+              <a:rPr lang="en-US" dirty="0" smtClean="0"/>
+              <a:t>Might shut them down automatically if inactive for even short period, e.g. 30-60 seconds</a:t>
+            </a:r>
+          </a:p>
+          <a:p>
+            <a:pPr lvl="1"/>
+            <a:r>
+              <a:rPr lang="en-US" dirty="0" smtClean="0"/>
+              <a:t>could implement some auto-reconnect when sockets are forcibly closed…</a:t>
+            </a:r>
+            <a:endParaRPr lang="en-US" dirty="0"/>
+          </a:p>
+        </p:txBody>
+      </p:sp>
+    </p:spTree>
+    <p:extLst>
+      <p:ext uri="{BB962C8B-B14F-4D97-AF65-F5344CB8AC3E}">
+        <p14:creationId xmlns:p14="http://schemas.microsoft.com/office/powerpoint/2010/main" val="3485377373"/>
+      </p:ext>
+    </p:extLst>
+  </p:cSld>
+  <p:clrMapOvr>
+    <a:masterClrMapping/>
+  </p:clrMapOvr>
+</p:sld>
+</file>
+
+<file path=ppt/slides/slide2.xml><?xml version="1.0" encoding="utf-8"?>
+<p:sld xmlns:a="http://schemas.openxmlformats.org/drawingml/2006/main" xmlns:r="http://schemas.openxmlformats.org/officeDocument/2006/relationships" xmlns:p="http://schemas.openxmlformats.org/presentationml/2006/main">
+  <p:cSld>
+    <p:spTree>
+      <p:nvGrpSpPr>
+        <p:cNvPr id="1" name=""/>
+        <p:cNvGrpSpPr/>
+        <p:nvPr/>
+      </p:nvGrpSpPr>
+      <p:grpSpPr>
+        <a:xfrm>
+          <a:off x="0" y="0"/>
+          <a:ext cx="0" cy="0"/>
+          <a:chOff x="0" y="0"/>
+          <a:chExt cx="0" cy="0"/>
+        </a:xfrm>
+      </p:grpSpPr>
+      <p:sp>
+        <p:nvSpPr>
+          <p:cNvPr id="2" name="Title 1"/>
+          <p:cNvSpPr>
+            <a:spLocks noGrp="1"/>
+          </p:cNvSpPr>
+          <p:nvPr>
+            <p:ph type="title"/>
+          </p:nvPr>
+        </p:nvSpPr>
+        <p:spPr/>
+        <p:txBody>
+          <a:bodyPr/>
+          <a:lstStyle/>
+          <a:p>
+            <a:r>
+              <a:rPr lang="en-US" dirty="0"/>
+              <a:t>Goals</a:t>
+            </a:r>
+          </a:p>
+        </p:txBody>
+      </p:sp>
+      <p:sp>
+        <p:nvSpPr>
+          <p:cNvPr id="3" name="Content Placeholder 2"/>
+          <p:cNvSpPr>
+            <a:spLocks noGrp="1"/>
+          </p:cNvSpPr>
+          <p:nvPr>
+            <p:ph idx="1"/>
+          </p:nvPr>
+        </p:nvSpPr>
+        <p:spPr>
+          <a:xfrm>
+            <a:off x="123569" y="1825624"/>
+            <a:ext cx="12002528" cy="4781121"/>
+          </a:xfrm>
+        </p:spPr>
+        <p:txBody>
+          <a:bodyPr/>
+          <a:lstStyle/>
+          <a:p>
+            <a:r>
+              <a:rPr lang="en-US" dirty="0"/>
+              <a:t>See a full working example of a non-trivial, multi-player, online game based on what learned so far in class</a:t>
+            </a:r>
+          </a:p>
+          <a:p>
+            <a:r>
+              <a:rPr lang="en-US" dirty="0"/>
+              <a:t>Learn how to deploy your app on a cloud provider</a:t>
+            </a:r>
+          </a:p>
+          <a:p>
+            <a:r>
+              <a:rPr lang="en-US" dirty="0"/>
+              <a:t>Some discussions on databases… </a:t>
+            </a:r>
+          </a:p>
+        </p:txBody>
+      </p:sp>
+    </p:spTree>
+    <p:extLst>
+      <p:ext uri="{BB962C8B-B14F-4D97-AF65-F5344CB8AC3E}">
+        <p14:creationId xmlns:p14="http://schemas.microsoft.com/office/powerpoint/2010/main" val="691639019"/>
+      </p:ext>
+    </p:extLst>
+  </p:cSld>
+  <p:clrMapOvr>
+    <a:masterClrMapping/>
+  </p:clrMapOvr>
+</p:sld>
+</file>
+
+<file path=ppt/slides/slide20.xml><?xml version="1.0" encoding="utf-8"?>
+<p:sld xmlns:a="http://schemas.openxmlformats.org/drawingml/2006/main" xmlns:r="http://schemas.openxmlformats.org/officeDocument/2006/relationships" xmlns:p="http://schemas.openxmlformats.org/presentationml/2006/main">
+  <p:cSld>
+    <p:spTree>
+      <p:nvGrpSpPr>
+        <p:cNvPr id="1" name=""/>
+        <p:cNvGrpSpPr/>
+        <p:nvPr/>
+      </p:nvGrpSpPr>
+      <p:grpSpPr>
+        <a:xfrm>
+          <a:off x="0" y="0"/>
+          <a:ext cx="0" cy="0"/>
+          <a:chOff x="0" y="0"/>
+          <a:chExt cx="0" cy="0"/>
+        </a:xfrm>
+      </p:grpSpPr>
+      <p:sp>
+        <p:nvSpPr>
+          <p:cNvPr id="4" name="Title 3"/>
+          <p:cNvSpPr>
+            <a:spLocks noGrp="1"/>
+          </p:cNvSpPr>
+          <p:nvPr>
+            <p:ph type="title"/>
+          </p:nvPr>
+        </p:nvSpPr>
+        <p:spPr/>
+        <p:txBody>
+          <a:bodyPr/>
+          <a:lstStyle/>
+          <a:p>
+            <a:r>
+              <a:rPr lang="en-US" dirty="0"/>
+              <a:t>Databases</a:t>
+            </a:r>
+          </a:p>
+        </p:txBody>
+      </p:sp>
+    </p:spTree>
+    <p:extLst>
+      <p:ext uri="{BB962C8B-B14F-4D97-AF65-F5344CB8AC3E}">
+        <p14:creationId xmlns:p14="http://schemas.microsoft.com/office/powerpoint/2010/main" val="30622070"/>
+      </p:ext>
+    </p:extLst>
+  </p:cSld>
+  <p:clrMapOvr>
+    <a:masterClrMapping/>
+  </p:clrMapOvr>
+</p:sld>
+</file>
+
+<file path=ppt/slides/slide21.xml><?xml version="1.0" encoding="utf-8"?>
+<p:sld xmlns:a="http://schemas.openxmlformats.org/drawingml/2006/main" xmlns:r="http://schemas.openxmlformats.org/officeDocument/2006/relationships" xmlns:p="http://schemas.openxmlformats.org/presentationml/2006/main">
+  <p:cSld>
+    <p:spTree>
+      <p:nvGrpSpPr>
+        <p:cNvPr id="1" name=""/>
+        <p:cNvGrpSpPr/>
+        <p:nvPr/>
+      </p:nvGrpSpPr>
+      <p:grpSpPr>
+        <a:xfrm>
+          <a:off x="0" y="0"/>
+          <a:ext cx="0" cy="0"/>
+          <a:chOff x="0" y="0"/>
+          <a:chExt cx="0" cy="0"/>
+        </a:xfrm>
+      </p:grpSpPr>
+      <p:sp>
+        <p:nvSpPr>
+          <p:cNvPr id="2" name="Title 1">
+            <a:extLst>
+              <a:ext uri="{FF2B5EF4-FFF2-40B4-BE49-F238E27FC236}">
+                <a16:creationId xmlns:a16="http://schemas.microsoft.com/office/drawing/2014/main" id="{1C65A1A5-70E5-2144-BFCA-7913129C35E4}"/>
+              </a:ext>
+            </a:extLst>
+          </p:cNvPr>
+          <p:cNvSpPr>
+            <a:spLocks noGrp="1"/>
+          </p:cNvSpPr>
+          <p:nvPr>
+            <p:ph type="title"/>
+          </p:nvPr>
+        </p:nvSpPr>
+        <p:spPr/>
+        <p:txBody>
+          <a:bodyPr/>
+          <a:lstStyle/>
+          <a:p>
+            <a:r>
+              <a:rPr lang="en-US" dirty="0"/>
+              <a:t>Why Databases?</a:t>
+            </a:r>
+          </a:p>
+        </p:txBody>
+      </p:sp>
+      <p:sp>
+        <p:nvSpPr>
+          <p:cNvPr id="3" name="Content Placeholder 2">
+            <a:extLst>
+              <a:ext uri="{FF2B5EF4-FFF2-40B4-BE49-F238E27FC236}">
+                <a16:creationId xmlns:a16="http://schemas.microsoft.com/office/drawing/2014/main" id="{F0B9C765-44F9-C940-B40E-7F1805A67F18}"/>
+              </a:ext>
+            </a:extLst>
+          </p:cNvPr>
+          <p:cNvSpPr>
+            <a:spLocks noGrp="1"/>
+          </p:cNvSpPr>
+          <p:nvPr>
+            <p:ph idx="1"/>
+          </p:nvPr>
+        </p:nvSpPr>
+        <p:spPr>
+          <a:xfrm>
+            <a:off x="199053" y="1825625"/>
+            <a:ext cx="11806335" cy="4848873"/>
+          </a:xfrm>
+        </p:spPr>
+        <p:txBody>
+          <a:bodyPr/>
+          <a:lstStyle/>
+          <a:p>
+            <a:r>
+              <a:rPr lang="en-US" dirty="0"/>
+              <a:t>Need to store your data somewhere</a:t>
+            </a:r>
+          </a:p>
+          <a:p>
+            <a:r>
+              <a:rPr lang="en-US" dirty="0"/>
+              <a:t>If in memory, lose everything as soon as the app restarts</a:t>
+            </a:r>
+          </a:p>
+          <a:p>
+            <a:r>
+              <a:rPr lang="en-US" dirty="0"/>
+              <a:t>For a full app, you need a database</a:t>
+            </a:r>
+          </a:p>
+          <a:p>
+            <a:pPr lvl="1"/>
+            <a:r>
+              <a:rPr lang="en-US" dirty="0"/>
+              <a:t>cloud providers like Heroku give you databases as well</a:t>
+            </a:r>
+          </a:p>
+          <a:p>
+            <a:r>
+              <a:rPr lang="en-US" dirty="0"/>
+              <a:t>We are not going to see databases in this course, but need to briefly discuss them</a:t>
+            </a:r>
+          </a:p>
+          <a:p>
+            <a:endParaRPr lang="en-US" dirty="0"/>
+          </a:p>
+        </p:txBody>
+      </p:sp>
+    </p:spTree>
+    <p:extLst>
+      <p:ext uri="{BB962C8B-B14F-4D97-AF65-F5344CB8AC3E}">
+        <p14:creationId xmlns:p14="http://schemas.microsoft.com/office/powerpoint/2010/main" val="2311552275"/>
+      </p:ext>
+    </p:extLst>
+  </p:cSld>
+  <p:clrMapOvr>
+    <a:masterClrMapping/>
+  </p:clrMapOvr>
+</p:sld>
+</file>
+
+<file path=ppt/slides/slide22.xml><?xml version="1.0" encoding="utf-8"?>
+<p:sld xmlns:a="http://schemas.openxmlformats.org/drawingml/2006/main" xmlns:r="http://schemas.openxmlformats.org/officeDocument/2006/relationships" xmlns:p="http://schemas.openxmlformats.org/presentationml/2006/main">
+  <p:cSld>
+    <p:spTree>
+      <p:nvGrpSpPr>
+        <p:cNvPr id="1" name=""/>
+        <p:cNvGrpSpPr/>
+        <p:nvPr/>
+      </p:nvGrpSpPr>
+      <p:grpSpPr>
+        <a:xfrm>
+          <a:off x="0" y="0"/>
+          <a:ext cx="0" cy="0"/>
+          <a:chOff x="0" y="0"/>
+          <a:chExt cx="0" cy="0"/>
+        </a:xfrm>
+      </p:grpSpPr>
+      <p:sp>
+        <p:nvSpPr>
+          <p:cNvPr id="2" name="Title 1"/>
+          <p:cNvSpPr>
+            <a:spLocks noGrp="1"/>
+          </p:cNvSpPr>
+          <p:nvPr>
+            <p:ph type="title"/>
+          </p:nvPr>
+        </p:nvSpPr>
+        <p:spPr>
+          <a:xfrm>
+            <a:off x="199103" y="365125"/>
+            <a:ext cx="11724968" cy="1325563"/>
+          </a:xfrm>
+        </p:spPr>
+        <p:txBody>
+          <a:bodyPr>
+            <a:normAutofit fontScale="90000"/>
+          </a:bodyPr>
+          <a:lstStyle/>
+          <a:p>
+            <a:r>
+              <a:rPr lang="en-US" dirty="0"/>
+              <a:t>The 3 Rules of Choosing </a:t>
+            </a:r>
+            <a:r>
+              <a:rPr lang="en-US"/>
+              <a:t>a Database</a:t>
+            </a:r>
+            <a:endParaRPr lang="en-US" dirty="0"/>
+          </a:p>
+        </p:txBody>
+      </p:sp>
+      <p:sp>
+        <p:nvSpPr>
+          <p:cNvPr id="3" name="Content Placeholder 2"/>
+          <p:cNvSpPr>
+            <a:spLocks noGrp="1"/>
+          </p:cNvSpPr>
+          <p:nvPr>
+            <p:ph idx="1"/>
+          </p:nvPr>
+        </p:nvSpPr>
+        <p:spPr>
+          <a:xfrm>
+            <a:off x="280219" y="1825624"/>
+            <a:ext cx="11717594" cy="4811150"/>
+          </a:xfrm>
+        </p:spPr>
+        <p:txBody>
+          <a:bodyPr/>
+          <a:lstStyle/>
+          <a:p>
+            <a:pPr marL="742950" indent="-742950">
+              <a:buFont typeface="+mj-lt"/>
+              <a:buAutoNum type="arabicPeriod"/>
+            </a:pPr>
+            <a:r>
+              <a:rPr lang="en-US" dirty="0"/>
+              <a:t>New project or unsure what to do? </a:t>
+            </a:r>
+            <a:r>
+              <a:rPr lang="en-US" b="1" dirty="0"/>
+              <a:t>Choose Postgres</a:t>
+            </a:r>
+          </a:p>
+          <a:p>
+            <a:pPr marL="742950" indent="-742950">
+              <a:buFont typeface="+mj-lt"/>
+              <a:buAutoNum type="arabicPeriod"/>
+            </a:pPr>
+            <a:r>
+              <a:rPr lang="en-US" dirty="0"/>
+              <a:t>If you are already using </a:t>
+            </a:r>
+            <a:r>
+              <a:rPr lang="en-US" i="1" dirty="0"/>
+              <a:t>MySQL</a:t>
+            </a:r>
+            <a:r>
+              <a:rPr lang="en-US" dirty="0"/>
+              <a:t> and migration to </a:t>
+            </a:r>
+            <a:r>
+              <a:rPr lang="en-US" i="1" dirty="0"/>
+              <a:t>Postgres</a:t>
+            </a:r>
+            <a:r>
+              <a:rPr lang="en-US" dirty="0"/>
+              <a:t> would be too expensive, can stick with </a:t>
+            </a:r>
+            <a:r>
+              <a:rPr lang="en-US" i="1" dirty="0"/>
+              <a:t>MySQL</a:t>
+            </a:r>
+            <a:r>
+              <a:rPr lang="en-US" dirty="0"/>
+              <a:t> </a:t>
+            </a:r>
+          </a:p>
+          <a:p>
+            <a:pPr marL="742950" indent="-742950">
+              <a:buFont typeface="+mj-lt"/>
+              <a:buAutoNum type="arabicPeriod"/>
+            </a:pPr>
+            <a:r>
+              <a:rPr lang="en-US" dirty="0"/>
+              <a:t>If you have a long experience with databases, know exactly what you are doing, and can measure objectively the performance benefits of different tradeoffs compared to just using </a:t>
+            </a:r>
+            <a:r>
+              <a:rPr lang="en-US" i="1" dirty="0"/>
+              <a:t>Postgres</a:t>
+            </a:r>
+            <a:r>
+              <a:rPr lang="en-US" dirty="0"/>
+              <a:t>, then, </a:t>
+            </a:r>
+            <a:r>
+              <a:rPr lang="en-US" i="1" dirty="0"/>
+              <a:t>and only then</a:t>
+            </a:r>
+            <a:r>
+              <a:rPr lang="en-US" dirty="0"/>
+              <a:t>, choose best database for the </a:t>
+            </a:r>
+            <a:r>
+              <a:rPr lang="en-US" i="1" dirty="0"/>
+              <a:t>specific</a:t>
+            </a:r>
+            <a:r>
+              <a:rPr lang="en-US" dirty="0"/>
+              <a:t> problem you are facing</a:t>
+            </a:r>
+          </a:p>
+        </p:txBody>
+      </p:sp>
+    </p:spTree>
+    <p:extLst>
+      <p:ext uri="{BB962C8B-B14F-4D97-AF65-F5344CB8AC3E}">
+        <p14:creationId xmlns:p14="http://schemas.microsoft.com/office/powerpoint/2010/main" val="333903981"/>
+      </p:ext>
+    </p:extLst>
+  </p:cSld>
+  <p:clrMapOvr>
+    <a:masterClrMapping/>
+  </p:clrMapOvr>
+</p:sld>
+</file>
+
+<file path=ppt/slides/slide23.xml><?xml version="1.0" encoding="utf-8"?>
+<p:sld xmlns:a="http://schemas.openxmlformats.org/drawingml/2006/main" xmlns:r="http://schemas.openxmlformats.org/officeDocument/2006/relationships" xmlns:p="http://schemas.openxmlformats.org/presentationml/2006/main">
+  <p:cSld>
+    <p:spTree>
+      <p:nvGrpSpPr>
+        <p:cNvPr id="1" name=""/>
+        <p:cNvGrpSpPr/>
+        <p:nvPr/>
+      </p:nvGrpSpPr>
+      <p:grpSpPr>
+        <a:xfrm>
+          <a:off x="0" y="0"/>
+          <a:ext cx="0" cy="0"/>
+          <a:chOff x="0" y="0"/>
+          <a:chExt cx="0" cy="0"/>
+        </a:xfrm>
+      </p:grpSpPr>
+      <p:sp>
+        <p:nvSpPr>
+          <p:cNvPr id="2" name="Title 1"/>
+          <p:cNvSpPr>
+            <a:spLocks noGrp="1"/>
+          </p:cNvSpPr>
+          <p:nvPr>
+            <p:ph type="title"/>
+          </p:nvPr>
+        </p:nvSpPr>
+        <p:spPr>
+          <a:xfrm>
+            <a:off x="838200" y="365125"/>
+            <a:ext cx="10515600" cy="1325563"/>
+          </a:xfrm>
+        </p:spPr>
+        <p:txBody>
+          <a:bodyPr/>
+          <a:lstStyle/>
+          <a:p>
+            <a:r>
+              <a:rPr lang="en-US" dirty="0"/>
+              <a:t>Example: </a:t>
+            </a:r>
+            <a:r>
+              <a:rPr lang="en-US" i="1" dirty="0"/>
+              <a:t>MySQL</a:t>
+            </a:r>
+          </a:p>
+        </p:txBody>
+      </p:sp>
+      <p:sp>
+        <p:nvSpPr>
+          <p:cNvPr id="3" name="Content Placeholder 2"/>
+          <p:cNvSpPr>
+            <a:spLocks noGrp="1"/>
+          </p:cNvSpPr>
+          <p:nvPr>
+            <p:ph idx="1"/>
+          </p:nvPr>
+        </p:nvSpPr>
+        <p:spPr>
+          <a:xfrm>
+            <a:off x="324465" y="1825624"/>
+            <a:ext cx="11665974" cy="4811150"/>
+          </a:xfrm>
+        </p:spPr>
+        <p:txBody>
+          <a:bodyPr/>
+          <a:lstStyle/>
+          <a:p>
+            <a:r>
+              <a:rPr lang="en-US" dirty="0"/>
+              <a:t>Open source, but own (and mainly developed) by </a:t>
+            </a:r>
+            <a:r>
+              <a:rPr lang="en-US" i="1" dirty="0"/>
+              <a:t>Oracle</a:t>
+            </a:r>
+            <a:r>
+              <a:rPr lang="mr-IN" dirty="0"/>
+              <a:t>…</a:t>
+            </a:r>
+            <a:r>
+              <a:rPr lang="en-US" dirty="0"/>
+              <a:t> and let’s not forget that one of its main commercial products is </a:t>
+            </a:r>
+            <a:r>
+              <a:rPr lang="en-US" i="1" dirty="0"/>
+              <a:t>Oracle Database</a:t>
+            </a:r>
+            <a:r>
+              <a:rPr lang="mr-IN" dirty="0"/>
+              <a:t>…</a:t>
+            </a:r>
+            <a:endParaRPr lang="en-US" dirty="0"/>
+          </a:p>
+          <a:p>
+            <a:pPr lvl="1"/>
+            <a:r>
+              <a:rPr lang="en-US" dirty="0"/>
+              <a:t>so, yes, in theory those 2 databases are competitors</a:t>
+            </a:r>
+            <a:r>
+              <a:rPr lang="mr-IN" dirty="0"/>
+              <a:t>…</a:t>
+            </a:r>
+            <a:endParaRPr lang="en-US" dirty="0"/>
+          </a:p>
+          <a:p>
+            <a:r>
+              <a:rPr lang="en-US" dirty="0"/>
+              <a:t>For most use cases, </a:t>
+            </a:r>
+            <a:r>
+              <a:rPr lang="en-US" i="1" dirty="0"/>
+              <a:t>MySQL</a:t>
+            </a:r>
+            <a:r>
+              <a:rPr lang="en-US" dirty="0"/>
+              <a:t> is on par with </a:t>
+            </a:r>
+            <a:r>
+              <a:rPr lang="en-US" i="1" dirty="0"/>
+              <a:t>Postgres, </a:t>
+            </a:r>
+            <a:r>
+              <a:rPr lang="en-US" dirty="0"/>
+              <a:t>but usually slower at adding new advanced features </a:t>
+            </a:r>
+          </a:p>
+          <a:p>
+            <a:pPr lvl="1"/>
+            <a:r>
+              <a:rPr lang="en-US" dirty="0" err="1"/>
+              <a:t>eg</a:t>
+            </a:r>
+            <a:r>
+              <a:rPr lang="en-US" dirty="0"/>
+              <a:t> support for NoSQL features like JSON data type, or SQL compliance</a:t>
+            </a:r>
+            <a:endParaRPr lang="en-US" i="1" dirty="0"/>
+          </a:p>
+        </p:txBody>
+      </p:sp>
+    </p:spTree>
+    <p:extLst>
+      <p:ext uri="{BB962C8B-B14F-4D97-AF65-F5344CB8AC3E}">
+        <p14:creationId xmlns:p14="http://schemas.microsoft.com/office/powerpoint/2010/main" val="1381285654"/>
+      </p:ext>
+    </p:extLst>
+  </p:cSld>
+  <p:clrMapOvr>
+    <a:masterClrMapping/>
+  </p:clrMapOvr>
+</p:sld>
+</file>
+
+<file path=ppt/slides/slide24.xml><?xml version="1.0" encoding="utf-8"?>
+<p:sld xmlns:a="http://schemas.openxmlformats.org/drawingml/2006/main" xmlns:r="http://schemas.openxmlformats.org/officeDocument/2006/relationships" xmlns:p="http://schemas.openxmlformats.org/presentationml/2006/main">
+  <p:cSld>
+    <p:spTree>
+      <p:nvGrpSpPr>
+        <p:cNvPr id="1" name=""/>
+        <p:cNvGrpSpPr/>
+        <p:nvPr/>
+      </p:nvGrpSpPr>
+      <p:grpSpPr>
+        <a:xfrm>
+          <a:off x="0" y="0"/>
+          <a:ext cx="0" cy="0"/>
+          <a:chOff x="0" y="0"/>
+          <a:chExt cx="0" cy="0"/>
+        </a:xfrm>
+      </p:grpSpPr>
+      <p:sp>
+        <p:nvSpPr>
+          <p:cNvPr id="2" name="Title 1"/>
+          <p:cNvSpPr>
+            <a:spLocks noGrp="1"/>
+          </p:cNvSpPr>
+          <p:nvPr>
+            <p:ph type="title"/>
+          </p:nvPr>
+        </p:nvSpPr>
+        <p:spPr/>
+        <p:txBody>
+          <a:bodyPr/>
+          <a:lstStyle/>
+          <a:p>
+            <a:r>
+              <a:rPr lang="en-US" dirty="0"/>
+              <a:t>Example: </a:t>
+            </a:r>
+            <a:r>
+              <a:rPr lang="en-US" i="1" dirty="0"/>
+              <a:t>MongoDB</a:t>
+            </a:r>
+          </a:p>
+        </p:txBody>
+      </p:sp>
+      <p:sp>
+        <p:nvSpPr>
+          <p:cNvPr id="3" name="Content Placeholder 2"/>
+          <p:cNvSpPr>
+            <a:spLocks noGrp="1"/>
+          </p:cNvSpPr>
+          <p:nvPr>
+            <p:ph idx="1"/>
+          </p:nvPr>
+        </p:nvSpPr>
+        <p:spPr>
+          <a:xfrm>
+            <a:off x="162232" y="1825624"/>
+            <a:ext cx="11887200" cy="4907015"/>
+          </a:xfrm>
+        </p:spPr>
+        <p:txBody>
+          <a:bodyPr>
+            <a:normAutofit fontScale="92500" lnSpcReduction="20000"/>
+          </a:bodyPr>
+          <a:lstStyle/>
+          <a:p>
+            <a:r>
+              <a:rPr lang="en-US" dirty="0"/>
+              <a:t>Most famous </a:t>
+            </a:r>
+            <a:r>
+              <a:rPr lang="en-US" i="1" dirty="0"/>
+              <a:t>NoSQL</a:t>
+            </a:r>
+            <a:r>
+              <a:rPr lang="en-US" dirty="0"/>
+              <a:t> database</a:t>
+            </a:r>
+          </a:p>
+          <a:p>
+            <a:pPr lvl="1"/>
+            <a:r>
+              <a:rPr lang="en-US" dirty="0"/>
+              <a:t>very, very popular in tutorials</a:t>
+            </a:r>
+            <a:r>
+              <a:rPr lang="mr-IN" dirty="0"/>
+              <a:t>…</a:t>
+            </a:r>
+            <a:r>
+              <a:rPr lang="en-US" dirty="0"/>
+              <a:t> especially in </a:t>
+            </a:r>
+            <a:r>
+              <a:rPr lang="en-US" dirty="0" err="1"/>
+              <a:t>NodeJS</a:t>
+            </a:r>
+            <a:endParaRPr lang="en-US" dirty="0"/>
+          </a:p>
+          <a:p>
+            <a:r>
+              <a:rPr lang="en-US" dirty="0"/>
+              <a:t>Meant for </a:t>
+            </a:r>
+            <a:r>
+              <a:rPr lang="en-US" i="1" dirty="0"/>
+              <a:t>documents</a:t>
+            </a:r>
+            <a:r>
+              <a:rPr lang="en-US" dirty="0"/>
+              <a:t>, not for data with </a:t>
+            </a:r>
+            <a:r>
+              <a:rPr lang="en-US" i="1" dirty="0"/>
+              <a:t>relations</a:t>
+            </a:r>
+          </a:p>
+          <a:p>
+            <a:pPr lvl="1"/>
+            <a:r>
+              <a:rPr lang="en-US" dirty="0"/>
+              <a:t>Usually documents are in JSON format, where the only relations are hierarchical, </a:t>
+            </a:r>
+            <a:r>
+              <a:rPr lang="en-US" dirty="0" err="1"/>
+              <a:t>eg</a:t>
+            </a:r>
+            <a:r>
+              <a:rPr lang="en-US" dirty="0"/>
+              <a:t> nested objects</a:t>
+            </a:r>
+          </a:p>
+          <a:p>
+            <a:r>
+              <a:rPr lang="en-US" dirty="0"/>
+              <a:t>Can be </a:t>
+            </a:r>
+            <a:r>
+              <a:rPr lang="en-US" i="1" dirty="0"/>
+              <a:t>fast</a:t>
+            </a:r>
+            <a:r>
+              <a:rPr lang="en-US" dirty="0"/>
+              <a:t> and </a:t>
+            </a:r>
+            <a:r>
+              <a:rPr lang="en-US" i="1" dirty="0"/>
+              <a:t>easy</a:t>
+            </a:r>
+            <a:r>
+              <a:rPr lang="en-US" dirty="0"/>
+              <a:t> to set up</a:t>
+            </a:r>
+            <a:r>
+              <a:rPr lang="mr-IN" dirty="0"/>
+              <a:t>…</a:t>
+            </a:r>
+            <a:endParaRPr lang="en-US" dirty="0"/>
+          </a:p>
+          <a:p>
+            <a:r>
+              <a:rPr lang="mr-IN" dirty="0"/>
+              <a:t>…</a:t>
+            </a:r>
+            <a:r>
+              <a:rPr lang="en-US" dirty="0"/>
+              <a:t> but you need to </a:t>
+            </a:r>
+            <a:r>
+              <a:rPr lang="en-US" i="1" dirty="0"/>
+              <a:t>sacrifice ACID</a:t>
+            </a:r>
+            <a:r>
+              <a:rPr lang="en-US" dirty="0"/>
+              <a:t> for it</a:t>
+            </a:r>
+            <a:r>
+              <a:rPr lang="mr-IN" dirty="0"/>
+              <a:t>…</a:t>
+            </a:r>
+            <a:endParaRPr lang="en-US" dirty="0"/>
+          </a:p>
+          <a:p>
+            <a:pPr lvl="1"/>
+            <a:r>
+              <a:rPr lang="en-US" dirty="0" err="1"/>
+              <a:t>eg</a:t>
+            </a:r>
+            <a:r>
+              <a:rPr lang="en-US" dirty="0"/>
+              <a:t>, when you “save” some data, can be just cached, and not actually saved</a:t>
+            </a:r>
+            <a:r>
+              <a:rPr lang="mr-IN" dirty="0"/>
+              <a:t>…</a:t>
+            </a:r>
+            <a:endParaRPr lang="en-US" dirty="0"/>
+          </a:p>
+          <a:p>
+            <a:pPr lvl="1"/>
+            <a:r>
+              <a:rPr lang="en-US" dirty="0"/>
+              <a:t>ACID transactions added in v4.0, in 2018</a:t>
+            </a:r>
+            <a:r>
+              <a:rPr lang="mr-IN" dirty="0"/>
+              <a:t>…</a:t>
+            </a:r>
+            <a:endParaRPr lang="en-US" dirty="0"/>
+          </a:p>
+          <a:p>
+            <a:r>
+              <a:rPr lang="en-US" i="1" dirty="0"/>
+              <a:t>Postgres/MySQL</a:t>
+            </a:r>
+            <a:r>
+              <a:rPr lang="en-US" dirty="0"/>
+              <a:t> can save JSON fields, and be very fast at it </a:t>
+            </a:r>
+          </a:p>
+          <a:p>
+            <a:pPr lvl="1"/>
+            <a:r>
+              <a:rPr lang="en-US" dirty="0" err="1"/>
+              <a:t>eg</a:t>
+            </a:r>
+            <a:r>
+              <a:rPr lang="en-US" dirty="0"/>
+              <a:t>, in 2014, Postgres was actually faster than MongoDB in benchmarks at dealing with JSON </a:t>
+            </a:r>
+          </a:p>
+        </p:txBody>
+      </p:sp>
+    </p:spTree>
+    <p:extLst>
+      <p:ext uri="{BB962C8B-B14F-4D97-AF65-F5344CB8AC3E}">
+        <p14:creationId xmlns:p14="http://schemas.microsoft.com/office/powerpoint/2010/main" val="2076747863"/>
+      </p:ext>
+    </p:extLst>
+  </p:cSld>
+  <p:clrMapOvr>
+    <a:masterClrMapping/>
+  </p:clrMapOvr>
+</p:sld>
+</file>
+
+<file path=ppt/slides/slide25.xml><?xml version="1.0" encoding="utf-8"?>
+<p:sld xmlns:a="http://schemas.openxmlformats.org/drawingml/2006/main" xmlns:r="http://schemas.openxmlformats.org/officeDocument/2006/relationships" xmlns:p="http://schemas.openxmlformats.org/presentationml/2006/main">
+  <p:cSld>
+    <p:spTree>
+      <p:nvGrpSpPr>
+        <p:cNvPr id="1" name=""/>
+        <p:cNvGrpSpPr/>
+        <p:nvPr/>
+      </p:nvGrpSpPr>
+      <p:grpSpPr>
+        <a:xfrm>
+          <a:off x="0" y="0"/>
+          <a:ext cx="0" cy="0"/>
+          <a:chOff x="0" y="0"/>
+          <a:chExt cx="0" cy="0"/>
+        </a:xfrm>
+      </p:grpSpPr>
+      <p:sp>
+        <p:nvSpPr>
+          <p:cNvPr id="2" name="Title 1"/>
+          <p:cNvSpPr>
+            <a:spLocks noGrp="1"/>
+          </p:cNvSpPr>
+          <p:nvPr>
+            <p:ph type="title"/>
+          </p:nvPr>
+        </p:nvSpPr>
+        <p:spPr/>
+        <p:txBody>
+          <a:bodyPr/>
+          <a:lstStyle/>
+          <a:p>
+            <a:r>
+              <a:rPr lang="en-US" dirty="0"/>
+              <a:t>MongoDB Cont.</a:t>
+            </a:r>
+          </a:p>
+        </p:txBody>
+      </p:sp>
+      <p:sp>
+        <p:nvSpPr>
+          <p:cNvPr id="3" name="Content Placeholder 2"/>
+          <p:cNvSpPr>
+            <a:spLocks noGrp="1"/>
+          </p:cNvSpPr>
+          <p:nvPr>
+            <p:ph idx="1"/>
+          </p:nvPr>
+        </p:nvSpPr>
+        <p:spPr>
+          <a:xfrm>
+            <a:off x="272845" y="1825624"/>
+            <a:ext cx="11724968" cy="4892266"/>
+          </a:xfrm>
+        </p:spPr>
+        <p:txBody>
+          <a:bodyPr>
+            <a:normAutofit/>
+          </a:bodyPr>
+          <a:lstStyle/>
+          <a:p>
+            <a:r>
+              <a:rPr lang="en-US" dirty="0"/>
+              <a:t>Might start with JSON </a:t>
+            </a:r>
+            <a:r>
+              <a:rPr lang="en-US" i="1" dirty="0"/>
+              <a:t>documents</a:t>
+            </a:r>
+            <a:r>
+              <a:rPr lang="mr-IN" dirty="0"/>
+              <a:t>…</a:t>
+            </a:r>
+            <a:r>
+              <a:rPr lang="en-US" dirty="0"/>
+              <a:t> but then one day you need to add relations between data: </a:t>
+            </a:r>
+            <a:r>
+              <a:rPr lang="en-US" i="1" dirty="0"/>
+              <a:t>you are screwed</a:t>
+            </a:r>
+          </a:p>
+          <a:p>
+            <a:pPr lvl="1"/>
+            <a:r>
+              <a:rPr lang="en-US" dirty="0"/>
+              <a:t>“screwed” meaning ending up implementing JOINs at application level, which is a nightmare and very inefficient</a:t>
+            </a:r>
+            <a:r>
+              <a:rPr lang="mr-IN" dirty="0"/>
+              <a:t>…</a:t>
+            </a:r>
+            <a:r>
+              <a:rPr lang="en-US" dirty="0"/>
+              <a:t> and/or duplicate data, which need to be kept always in sync</a:t>
+            </a:r>
+            <a:r>
+              <a:rPr lang="mr-IN" dirty="0"/>
+              <a:t>…</a:t>
+            </a:r>
+            <a:endParaRPr lang="en-US" dirty="0"/>
+          </a:p>
+          <a:p>
+            <a:r>
+              <a:rPr lang="en-US" dirty="0"/>
+              <a:t>Or even worse, choosing </a:t>
+            </a:r>
+            <a:r>
+              <a:rPr lang="en-US" i="1" dirty="0"/>
+              <a:t>MongoDB</a:t>
+            </a:r>
+            <a:r>
+              <a:rPr lang="en-US" dirty="0"/>
+              <a:t> even when you deal with relational data, just because of </a:t>
+            </a:r>
+            <a:r>
+              <a:rPr lang="en-US" i="1" dirty="0"/>
+              <a:t>hype</a:t>
+            </a:r>
+            <a:r>
+              <a:rPr lang="mr-IN" dirty="0"/>
+              <a:t>…</a:t>
+            </a:r>
+            <a:r>
+              <a:rPr lang="en-US" dirty="0"/>
+              <a:t> </a:t>
+            </a:r>
+          </a:p>
+          <a:p>
+            <a:r>
+              <a:rPr lang="mr-IN" dirty="0"/>
+              <a:t>…</a:t>
+            </a:r>
+            <a:r>
+              <a:rPr lang="en-US" dirty="0"/>
+              <a:t>or when you do not really deal with the amount of data of Google/Amazon/</a:t>
+            </a:r>
+            <a:r>
+              <a:rPr lang="en-US" dirty="0" err="1"/>
+              <a:t>etc</a:t>
+            </a:r>
+            <a:r>
+              <a:rPr lang="mr-IN" dirty="0"/>
+              <a:t>…</a:t>
+            </a:r>
+            <a:endParaRPr lang="en-US" dirty="0"/>
+          </a:p>
+        </p:txBody>
+      </p:sp>
+    </p:spTree>
+    <p:extLst>
+      <p:ext uri="{BB962C8B-B14F-4D97-AF65-F5344CB8AC3E}">
+        <p14:creationId xmlns:p14="http://schemas.microsoft.com/office/powerpoint/2010/main" val="1188165079"/>
+      </p:ext>
+    </p:extLst>
+  </p:cSld>
+  <p:clrMapOvr>
+    <a:masterClrMapping/>
+  </p:clrMapOvr>
+</p:sld>
+</file>
+
+<file path=ppt/slides/slide26.xml><?xml version="1.0" encoding="utf-8"?>
+<p:sld xmlns:a="http://schemas.openxmlformats.org/drawingml/2006/main" xmlns:r="http://schemas.openxmlformats.org/officeDocument/2006/relationships" xmlns:p="http://schemas.openxmlformats.org/presentationml/2006/main">
+  <p:cSld>
+    <p:spTree>
+      <p:nvGrpSpPr>
+        <p:cNvPr id="1" name=""/>
+        <p:cNvGrpSpPr/>
+        <p:nvPr/>
+      </p:nvGrpSpPr>
+      <p:grpSpPr>
+        <a:xfrm>
+          <a:off x="0" y="0"/>
+          <a:ext cx="0" cy="0"/>
+          <a:chOff x="0" y="0"/>
+          <a:chExt cx="0" cy="0"/>
+        </a:xfrm>
+      </p:grpSpPr>
+      <p:sp>
+        <p:nvSpPr>
+          <p:cNvPr id="2" name="Title 1"/>
+          <p:cNvSpPr>
+            <a:spLocks noGrp="1"/>
+          </p:cNvSpPr>
+          <p:nvPr>
+            <p:ph type="title"/>
+          </p:nvPr>
+        </p:nvSpPr>
+        <p:spPr>
+          <a:xfrm>
+            <a:off x="331839" y="365125"/>
+            <a:ext cx="11481619" cy="1325563"/>
+          </a:xfrm>
+        </p:spPr>
+        <p:txBody>
+          <a:bodyPr>
+            <a:normAutofit/>
+          </a:bodyPr>
+          <a:lstStyle/>
+          <a:p>
+            <a:r>
+              <a:rPr lang="en-US" dirty="0"/>
+              <a:t>But</a:t>
+            </a:r>
+            <a:r>
+              <a:rPr lang="mr-IN" dirty="0"/>
+              <a:t>…</a:t>
+            </a:r>
+            <a:r>
+              <a:rPr lang="en-US" dirty="0"/>
+              <a:t> MongoDB is “Web Scale”!</a:t>
+            </a:r>
+          </a:p>
+        </p:txBody>
+      </p:sp>
+      <p:sp>
+        <p:nvSpPr>
+          <p:cNvPr id="3" name="Content Placeholder 2"/>
+          <p:cNvSpPr>
+            <a:spLocks noGrp="1"/>
+          </p:cNvSpPr>
+          <p:nvPr>
+            <p:ph idx="1"/>
+          </p:nvPr>
+        </p:nvSpPr>
+        <p:spPr>
+          <a:xfrm>
+            <a:off x="258097" y="1825624"/>
+            <a:ext cx="11739716" cy="4877518"/>
+          </a:xfrm>
+        </p:spPr>
+        <p:txBody>
+          <a:bodyPr>
+            <a:normAutofit/>
+          </a:bodyPr>
+          <a:lstStyle/>
+          <a:p>
+            <a:r>
+              <a:rPr lang="en-US" dirty="0">
+                <a:hlinkClick r:id="rId2"/>
+              </a:rPr>
+              <a:t>https://www.youtube.com/watch?v=b2F-DItXtZs</a:t>
+            </a:r>
+          </a:p>
+          <a:p>
+            <a:r>
+              <a:rPr lang="en-US" dirty="0">
+                <a:hlinkClick r:id="rId2"/>
+              </a:rPr>
+              <a:t>http://www.sarahmei.com/blog/2013/11/11/why-you-should-never-use-mongodb/</a:t>
+            </a:r>
+            <a:endParaRPr lang="en-US" dirty="0"/>
+          </a:p>
+          <a:p>
+            <a:r>
+              <a:rPr lang="en-US" b="1" dirty="0"/>
+              <a:t>echo  "MongoDB is Web Scale!" &gt; /dev/null</a:t>
+            </a:r>
+          </a:p>
+          <a:p>
+            <a:r>
+              <a:rPr lang="en-US" dirty="0"/>
+              <a:t>Note: video is from 2010. At that time MongoDB was </a:t>
+            </a:r>
+            <a:r>
+              <a:rPr lang="en-US" dirty="0" smtClean="0"/>
+              <a:t>total “</a:t>
+            </a:r>
+            <a:r>
+              <a:rPr lang="en-US" i="1" dirty="0" smtClean="0"/>
+              <a:t>rubbish</a:t>
+            </a:r>
+            <a:r>
+              <a:rPr lang="en-US" dirty="0"/>
+              <a:t>”. Today is better</a:t>
+            </a:r>
+          </a:p>
+          <a:p>
+            <a:pPr lvl="1"/>
+            <a:r>
+              <a:rPr lang="en-US" dirty="0" err="1"/>
+              <a:t>eg</a:t>
+            </a:r>
+            <a:r>
+              <a:rPr lang="en-US" dirty="0"/>
+              <a:t> ACID transactions added in 2018</a:t>
+            </a:r>
+          </a:p>
+        </p:txBody>
+      </p:sp>
+      <p:pic>
+        <p:nvPicPr>
+          <p:cNvPr id="4" name="Picture 3"/>
+          <p:cNvPicPr>
+            <a:picLocks noChangeAspect="1"/>
+          </p:cNvPicPr>
+          <p:nvPr/>
+        </p:nvPicPr>
+        <p:blipFill>
+          <a:blip r:embed="rId3" cstate="screen">
+            <a:extLst>
+              <a:ext uri="{28A0092B-C50C-407E-A947-70E740481C1C}">
+                <a14:useLocalDpi xmlns:a14="http://schemas.microsoft.com/office/drawing/2010/main"/>
+              </a:ext>
+            </a:extLst>
+          </a:blip>
+          <a:stretch>
+            <a:fillRect/>
+          </a:stretch>
+        </p:blipFill>
+        <p:spPr>
+          <a:xfrm>
+            <a:off x="9591698" y="4859594"/>
+            <a:ext cx="2546223" cy="1908052"/>
+          </a:xfrm>
+          <a:prstGeom prst="rect">
+            <a:avLst/>
+          </a:prstGeom>
+        </p:spPr>
+      </p:pic>
+    </p:spTree>
+    <p:extLst>
+      <p:ext uri="{BB962C8B-B14F-4D97-AF65-F5344CB8AC3E}">
+        <p14:creationId xmlns:p14="http://schemas.microsoft.com/office/powerpoint/2010/main" val="1128507684"/>
+      </p:ext>
+    </p:extLst>
+  </p:cSld>
+  <p:clrMapOvr>
+    <a:masterClrMapping/>
+  </p:clrMapOvr>
+</p:sld>
+</file>
+
+<file path=ppt/slides/slide3.xml><?xml version="1.0" encoding="utf-8"?>
+<p:sld xmlns:a="http://schemas.openxmlformats.org/drawingml/2006/main" xmlns:r="http://schemas.openxmlformats.org/officeDocument/2006/relationships" xmlns:p="http://schemas.openxmlformats.org/presentationml/2006/main">
+  <p:cSld>
+    <p:spTree>
+      <p:nvGrpSpPr>
+        <p:cNvPr id="1" name=""/>
+        <p:cNvGrpSpPr/>
+        <p:nvPr/>
+      </p:nvGrpSpPr>
+      <p:grpSpPr>
+        <a:xfrm>
+          <a:off x="0" y="0"/>
+          <a:ext cx="0" cy="0"/>
+          <a:chOff x="0" y="0"/>
+          <a:chExt cx="0" cy="0"/>
+        </a:xfrm>
+      </p:grpSpPr>
+      <p:sp>
+        <p:nvSpPr>
+          <p:cNvPr id="4" name="Title 3"/>
+          <p:cNvSpPr>
+            <a:spLocks noGrp="1"/>
+          </p:cNvSpPr>
+          <p:nvPr>
+            <p:ph type="title"/>
+          </p:nvPr>
+        </p:nvSpPr>
+        <p:spPr/>
+        <p:txBody>
+          <a:bodyPr/>
+          <a:lstStyle/>
+          <a:p>
+            <a:r>
+              <a:rPr lang="en-US" dirty="0" smtClean="0"/>
+              <a:t>Online Game</a:t>
+            </a:r>
+            <a:endParaRPr lang="en-US" dirty="0"/>
+          </a:p>
+        </p:txBody>
+      </p:sp>
+    </p:spTree>
+    <p:extLst>
+      <p:ext uri="{BB962C8B-B14F-4D97-AF65-F5344CB8AC3E}">
+        <p14:creationId xmlns:p14="http://schemas.microsoft.com/office/powerpoint/2010/main" val="2818042947"/>
+      </p:ext>
+    </p:extLst>
+  </p:cSld>
+  <p:clrMapOvr>
+    <a:masterClrMapping/>
+  </p:clrMapOvr>
+</p:sld>
+</file>
+
+<file path=ppt/slides/slide4.xml><?xml version="1.0" encoding="utf-8"?>
+<p:sld xmlns:a="http://schemas.openxmlformats.org/drawingml/2006/main" xmlns:r="http://schemas.openxmlformats.org/officeDocument/2006/relationships" xmlns:p="http://schemas.openxmlformats.org/presentationml/2006/main">
+  <p:cSld>
+    <p:spTree>
+      <p:nvGrpSpPr>
+        <p:cNvPr id="1" name=""/>
+        <p:cNvGrpSpPr/>
+        <p:nvPr/>
+      </p:nvGrpSpPr>
+      <p:grpSpPr>
+        <a:xfrm>
+          <a:off x="0" y="0"/>
+          <a:ext cx="0" cy="0"/>
+          <a:chOff x="0" y="0"/>
+          <a:chExt cx="0" cy="0"/>
+        </a:xfrm>
+      </p:grpSpPr>
+      <p:sp>
+        <p:nvSpPr>
+          <p:cNvPr id="2" name="Title 1">
+            <a:extLst>
+              <a:ext uri="{FF2B5EF4-FFF2-40B4-BE49-F238E27FC236}">
+                <a16:creationId xmlns:a16="http://schemas.microsoft.com/office/drawing/2014/main" id="{3DED4A39-0984-094B-B78E-AD373ED32034}"/>
+              </a:ext>
+            </a:extLst>
+          </p:cNvPr>
+          <p:cNvSpPr>
+            <a:spLocks noGrp="1"/>
+          </p:cNvSpPr>
+          <p:nvPr>
+            <p:ph type="title"/>
+          </p:nvPr>
+        </p:nvSpPr>
+        <p:spPr/>
+        <p:txBody>
+          <a:bodyPr/>
+          <a:lstStyle/>
+          <a:p>
+            <a:r>
+              <a:rPr lang="en-US" dirty="0"/>
+              <a:t>Multi-player Connect4</a:t>
+            </a:r>
+          </a:p>
+        </p:txBody>
+      </p:sp>
+      <p:sp>
+        <p:nvSpPr>
+          <p:cNvPr id="3" name="Content Placeholder 2">
+            <a:extLst>
+              <a:ext uri="{FF2B5EF4-FFF2-40B4-BE49-F238E27FC236}">
+                <a16:creationId xmlns:a16="http://schemas.microsoft.com/office/drawing/2014/main" id="{608C5C36-CF4F-1C4C-9A1B-E6A71CFE60E6}"/>
+              </a:ext>
+            </a:extLst>
+          </p:cNvPr>
+          <p:cNvSpPr>
+            <a:spLocks noGrp="1"/>
+          </p:cNvSpPr>
+          <p:nvPr>
+            <p:ph idx="1"/>
+          </p:nvPr>
+        </p:nvSpPr>
+        <p:spPr>
+          <a:xfrm>
+            <a:off x="186611" y="1690688"/>
+            <a:ext cx="11744131" cy="5033573"/>
+          </a:xfrm>
+        </p:spPr>
+        <p:txBody>
+          <a:bodyPr/>
+          <a:lstStyle/>
+          <a:p>
+            <a:r>
+              <a:rPr lang="en-US" dirty="0"/>
+              <a:t>Turn-based, but need </a:t>
+            </a:r>
+            <a:r>
+              <a:rPr lang="en-US" i="1" dirty="0" err="1"/>
+              <a:t>WebSockets</a:t>
+            </a:r>
+            <a:r>
+              <a:rPr lang="en-US" dirty="0"/>
+              <a:t> to get informed when opponent has done his/her move</a:t>
+            </a:r>
+          </a:p>
+          <a:p>
+            <a:r>
+              <a:rPr lang="en-US" dirty="0"/>
+              <a:t>How to pair players on different machines?</a:t>
+            </a:r>
+          </a:p>
+          <a:p>
+            <a:r>
+              <a:rPr lang="en-US" dirty="0"/>
+              <a:t>How to prevent cheating?</a:t>
+            </a:r>
+          </a:p>
+          <a:p>
+            <a:r>
+              <a:rPr lang="en-US" dirty="0"/>
+              <a:t>etc</a:t>
+            </a:r>
+            <a:r>
+              <a:rPr lang="en-US" dirty="0" smtClean="0"/>
+              <a:t>.</a:t>
+            </a:r>
+            <a:endParaRPr lang="en-US" dirty="0"/>
+          </a:p>
+        </p:txBody>
+      </p:sp>
+    </p:spTree>
+    <p:extLst>
+      <p:ext uri="{BB962C8B-B14F-4D97-AF65-F5344CB8AC3E}">
+        <p14:creationId xmlns:p14="http://schemas.microsoft.com/office/powerpoint/2010/main" val="2234416927"/>
+      </p:ext>
+    </p:extLst>
+  </p:cSld>
+  <p:clrMapOvr>
+    <a:masterClrMapping/>
+  </p:clrMapOvr>
+</p:sld>
+</file>
+
+<file path=ppt/slides/slide5.xml><?xml version="1.0" encoding="utf-8"?>
+<p:sld xmlns:a="http://schemas.openxmlformats.org/drawingml/2006/main" xmlns:r="http://schemas.openxmlformats.org/officeDocument/2006/relationships" xmlns:p="http://schemas.openxmlformats.org/presentationml/2006/main">
+  <p:cSld>
+    <p:spTree>
+      <p:nvGrpSpPr>
+        <p:cNvPr id="1" name=""/>
+        <p:cNvGrpSpPr/>
+        <p:nvPr/>
+      </p:nvGrpSpPr>
+      <p:grpSpPr>
+        <a:xfrm>
+          <a:off x="0" y="0"/>
+          <a:ext cx="0" cy="0"/>
+          <a:chOff x="0" y="0"/>
+          <a:chExt cx="0" cy="0"/>
+        </a:xfrm>
+      </p:grpSpPr>
+      <p:sp>
+        <p:nvSpPr>
+          <p:cNvPr id="3" name="Content Placeholder 2"/>
+          <p:cNvSpPr>
+            <a:spLocks noGrp="1"/>
+          </p:cNvSpPr>
+          <p:nvPr>
+            <p:ph idx="1"/>
+          </p:nvPr>
+        </p:nvSpPr>
+        <p:spPr>
+          <a:xfrm>
+            <a:off x="174811" y="149225"/>
+            <a:ext cx="10515600" cy="1186516"/>
+          </a:xfrm>
+        </p:spPr>
+        <p:txBody>
+          <a:bodyPr>
+            <a:normAutofit lnSpcReduction="10000"/>
+          </a:bodyPr>
+          <a:lstStyle/>
+          <a:p>
+            <a:r>
+              <a:rPr lang="en-US" dirty="0" smtClean="0"/>
+              <a:t>REST API call to start match, same endpoint (</a:t>
+            </a:r>
+            <a:r>
+              <a:rPr lang="en-US" dirty="0" err="1" smtClean="0"/>
+              <a:t>IP:port</a:t>
+            </a:r>
+            <a:r>
+              <a:rPr lang="en-US" dirty="0" smtClean="0"/>
+              <a:t>)</a:t>
+            </a:r>
+          </a:p>
+          <a:p>
+            <a:r>
+              <a:rPr lang="en-US" dirty="0" smtClean="0"/>
+              <a:t>Put on queue until at least 2 players</a:t>
+            </a:r>
+            <a:endParaRPr lang="en-US" dirty="0"/>
+          </a:p>
+        </p:txBody>
+      </p:sp>
+      <p:pic>
+        <p:nvPicPr>
+          <p:cNvPr id="4" name="Picture 6" descr="Image result for server"/>
+          <p:cNvPicPr>
+            <a:picLocks noChangeAspect="1" noChangeArrowheads="1"/>
+          </p:cNvPicPr>
+          <p:nvPr/>
+        </p:nvPicPr>
+        <p:blipFill>
+          <a:blip r:embed="rId2">
+            <a:extLst>
+              <a:ext uri="{28A0092B-C50C-407E-A947-70E740481C1C}">
+                <a14:useLocalDpi xmlns:a14="http://schemas.microsoft.com/office/drawing/2010/main" val="0"/>
+              </a:ext>
+            </a:extLst>
+          </a:blip>
+          <a:srcRect/>
+          <a:stretch>
+            <a:fillRect/>
+          </a:stretch>
+        </p:blipFill>
+        <p:spPr bwMode="auto">
+          <a:xfrm>
+            <a:off x="6504977" y="3391109"/>
+            <a:ext cx="2270126" cy="1708750"/>
+          </a:xfrm>
+          <a:prstGeom prst="rect">
+            <a:avLst/>
+          </a:prstGeom>
+          <a:noFill/>
+          <a:extLst>
+            <a:ext uri="{909E8E84-426E-40DD-AFC4-6F175D3DCCD1}">
+              <a14:hiddenFill xmlns:a14="http://schemas.microsoft.com/office/drawing/2010/main">
+                <a:solidFill>
+                  <a:srgbClr val="FFFFFF"/>
+                </a:solidFill>
+              </a14:hiddenFill>
+            </a:ext>
+          </a:extLst>
+        </p:spPr>
+      </p:pic>
+      <p:cxnSp>
+        <p:nvCxnSpPr>
+          <p:cNvPr id="5" name="Straight Arrow Connector 4"/>
+          <p:cNvCxnSpPr>
+            <a:endCxn id="4" idx="1"/>
+          </p:cNvCxnSpPr>
+          <p:nvPr/>
+        </p:nvCxnSpPr>
+        <p:spPr>
+          <a:xfrm>
+            <a:off x="3218330" y="2980528"/>
+            <a:ext cx="3286647" cy="1264956"/>
+          </a:xfrm>
+          <a:prstGeom prst="straightConnector1">
+            <a:avLst/>
+          </a:prstGeom>
+          <a:ln w="57150">
+            <a:solidFill>
+              <a:schemeClr val="tx1"/>
+            </a:solidFill>
+            <a:tailEnd type="triangle"/>
+          </a:ln>
+        </p:spPr>
+        <p:style>
+          <a:lnRef idx="1">
+            <a:schemeClr val="accent1"/>
+          </a:lnRef>
+          <a:fillRef idx="0">
+            <a:schemeClr val="accent1"/>
+          </a:fillRef>
+          <a:effectRef idx="0">
+            <a:schemeClr val="accent1"/>
+          </a:effectRef>
+          <a:fontRef idx="minor">
+            <a:schemeClr val="tx1"/>
+          </a:fontRef>
+        </p:style>
+      </p:cxnSp>
+      <p:sp>
+        <p:nvSpPr>
+          <p:cNvPr id="6" name="TextBox 5"/>
+          <p:cNvSpPr txBox="1"/>
+          <p:nvPr/>
+        </p:nvSpPr>
+        <p:spPr>
+          <a:xfrm>
+            <a:off x="3515005" y="5598024"/>
+            <a:ext cx="3093720" cy="400110"/>
+          </a:xfrm>
+          <a:prstGeom prst="rect">
+            <a:avLst/>
+          </a:prstGeom>
+          <a:noFill/>
+        </p:spPr>
+        <p:txBody>
+          <a:bodyPr wrap="square" rtlCol="0">
+            <a:spAutoFit/>
+          </a:bodyPr>
+          <a:lstStyle/>
+          <a:p>
+            <a:r>
+              <a:rPr lang="en-US" sz="2000" b="1" dirty="0" smtClean="0"/>
+              <a:t>POST</a:t>
+            </a:r>
+            <a:r>
+              <a:rPr lang="en-US" sz="2000" dirty="0" smtClean="0"/>
+              <a:t> </a:t>
+            </a:r>
+            <a:r>
+              <a:rPr lang="en-US" sz="2000" dirty="0"/>
+              <a:t>/</a:t>
+            </a:r>
+            <a:r>
+              <a:rPr lang="en-US" sz="2000" dirty="0" err="1" smtClean="0"/>
+              <a:t>api</a:t>
+            </a:r>
+            <a:r>
+              <a:rPr lang="en-US" sz="2000" dirty="0" smtClean="0"/>
+              <a:t>/match</a:t>
+            </a:r>
+            <a:endParaRPr lang="en-US" sz="2000" dirty="0"/>
+          </a:p>
+        </p:txBody>
+      </p:sp>
+      <p:pic>
+        <p:nvPicPr>
+          <p:cNvPr id="7" name="Picture 2" descr="Image result for laptop"/>
+          <p:cNvPicPr>
+            <a:picLocks noChangeAspect="1" noChangeArrowheads="1"/>
+          </p:cNvPicPr>
+          <p:nvPr/>
+        </p:nvPicPr>
+        <p:blipFill>
+          <a:blip r:embed="rId3">
+            <a:extLst>
+              <a:ext uri="{28A0092B-C50C-407E-A947-70E740481C1C}">
+                <a14:useLocalDpi xmlns:a14="http://schemas.microsoft.com/office/drawing/2010/main" val="0"/>
+              </a:ext>
+            </a:extLst>
+          </a:blip>
+          <a:srcRect/>
+          <a:stretch>
+            <a:fillRect/>
+          </a:stretch>
+        </p:blipFill>
+        <p:spPr bwMode="auto">
+          <a:xfrm>
+            <a:off x="1707179" y="2052042"/>
+            <a:ext cx="1617377" cy="1213033"/>
+          </a:xfrm>
+          <a:prstGeom prst="rect">
+            <a:avLst/>
+          </a:prstGeom>
+          <a:noFill/>
+          <a:extLst>
+            <a:ext uri="{909E8E84-426E-40DD-AFC4-6F175D3DCCD1}">
+              <a14:hiddenFill xmlns:a14="http://schemas.microsoft.com/office/drawing/2010/main">
+                <a:solidFill>
+                  <a:srgbClr val="FFFFFF"/>
+                </a:solidFill>
+              </a14:hiddenFill>
+            </a:ext>
+          </a:extLst>
+        </p:spPr>
+      </p:pic>
+      <p:pic>
+        <p:nvPicPr>
+          <p:cNvPr id="8" name="Picture 2" descr="Image result for laptop"/>
+          <p:cNvPicPr>
+            <a:picLocks noChangeAspect="1" noChangeArrowheads="1"/>
+          </p:cNvPicPr>
+          <p:nvPr/>
+        </p:nvPicPr>
+        <p:blipFill>
+          <a:blip r:embed="rId3">
+            <a:extLst>
+              <a:ext uri="{28A0092B-C50C-407E-A947-70E740481C1C}">
+                <a14:useLocalDpi xmlns:a14="http://schemas.microsoft.com/office/drawing/2010/main" val="0"/>
+              </a:ext>
+            </a:extLst>
+          </a:blip>
+          <a:srcRect/>
+          <a:stretch>
+            <a:fillRect/>
+          </a:stretch>
+        </p:blipFill>
+        <p:spPr bwMode="auto">
+          <a:xfrm>
+            <a:off x="1707179" y="4909862"/>
+            <a:ext cx="1617377" cy="1213033"/>
+          </a:xfrm>
+          <a:prstGeom prst="rect">
+            <a:avLst/>
+          </a:prstGeom>
+          <a:noFill/>
+          <a:extLst>
+            <a:ext uri="{909E8E84-426E-40DD-AFC4-6F175D3DCCD1}">
+              <a14:hiddenFill xmlns:a14="http://schemas.microsoft.com/office/drawing/2010/main">
+                <a:solidFill>
+                  <a:srgbClr val="FFFFFF"/>
+                </a:solidFill>
+              </a14:hiddenFill>
+            </a:ext>
+          </a:extLst>
+        </p:spPr>
+      </p:pic>
+      <p:cxnSp>
+        <p:nvCxnSpPr>
+          <p:cNvPr id="11" name="Straight Arrow Connector 10"/>
+          <p:cNvCxnSpPr>
+            <a:stCxn id="8" idx="3"/>
+            <a:endCxn id="4" idx="1"/>
+          </p:cNvCxnSpPr>
+          <p:nvPr/>
+        </p:nvCxnSpPr>
+        <p:spPr>
+          <a:xfrm flipV="1">
+            <a:off x="3324556" y="4245484"/>
+            <a:ext cx="3180421" cy="1270895"/>
+          </a:xfrm>
+          <a:prstGeom prst="straightConnector1">
+            <a:avLst/>
+          </a:prstGeom>
+          <a:ln w="57150">
+            <a:solidFill>
+              <a:schemeClr val="tx1"/>
+            </a:solidFill>
+            <a:tailEnd type="triangle"/>
+          </a:ln>
+        </p:spPr>
+        <p:style>
+          <a:lnRef idx="1">
+            <a:schemeClr val="accent1"/>
+          </a:lnRef>
+          <a:fillRef idx="0">
+            <a:schemeClr val="accent1"/>
+          </a:fillRef>
+          <a:effectRef idx="0">
+            <a:schemeClr val="accent1"/>
+          </a:effectRef>
+          <a:fontRef idx="minor">
+            <a:schemeClr val="tx1"/>
+          </a:fontRef>
+        </p:style>
+      </p:cxnSp>
+      <p:sp>
+        <p:nvSpPr>
+          <p:cNvPr id="16" name="TextBox 15"/>
+          <p:cNvSpPr txBox="1"/>
+          <p:nvPr/>
+        </p:nvSpPr>
+        <p:spPr>
+          <a:xfrm>
+            <a:off x="3515005" y="2692889"/>
+            <a:ext cx="3093720" cy="400110"/>
+          </a:xfrm>
+          <a:prstGeom prst="rect">
+            <a:avLst/>
+          </a:prstGeom>
+          <a:noFill/>
+        </p:spPr>
+        <p:txBody>
+          <a:bodyPr wrap="square" rtlCol="0">
+            <a:spAutoFit/>
+          </a:bodyPr>
+          <a:lstStyle/>
+          <a:p>
+            <a:r>
+              <a:rPr lang="en-US" sz="2000" b="1" dirty="0" smtClean="0"/>
+              <a:t>POST</a:t>
+            </a:r>
+            <a:r>
+              <a:rPr lang="en-US" sz="2000" dirty="0" smtClean="0"/>
+              <a:t> </a:t>
+            </a:r>
+            <a:r>
+              <a:rPr lang="en-US" sz="2000" dirty="0"/>
+              <a:t>/</a:t>
+            </a:r>
+            <a:r>
+              <a:rPr lang="en-US" sz="2000" dirty="0" err="1" smtClean="0"/>
+              <a:t>api</a:t>
+            </a:r>
+            <a:r>
+              <a:rPr lang="en-US" sz="2000" dirty="0" smtClean="0"/>
+              <a:t>/match</a:t>
+            </a:r>
+            <a:endParaRPr lang="en-US" sz="2000" dirty="0"/>
+          </a:p>
+        </p:txBody>
+      </p:sp>
+    </p:spTree>
+    <p:extLst>
+      <p:ext uri="{BB962C8B-B14F-4D97-AF65-F5344CB8AC3E}">
+        <p14:creationId xmlns:p14="http://schemas.microsoft.com/office/powerpoint/2010/main" val="2654874595"/>
+      </p:ext>
+    </p:extLst>
+  </p:cSld>
+  <p:clrMapOvr>
+    <a:masterClrMapping/>
+  </p:clrMapOvr>
+</p:sld>
+</file>
+
+<file path=ppt/slides/slide6.xml><?xml version="1.0" encoding="utf-8"?>
+<p:sld xmlns:a="http://schemas.openxmlformats.org/drawingml/2006/main" xmlns:r="http://schemas.openxmlformats.org/officeDocument/2006/relationships" xmlns:p="http://schemas.openxmlformats.org/presentationml/2006/main">
+  <p:cSld>
+    <p:spTree>
+      <p:nvGrpSpPr>
+        <p:cNvPr id="1" name=""/>
+        <p:cNvGrpSpPr/>
+        <p:nvPr/>
+      </p:nvGrpSpPr>
+      <p:grpSpPr>
+        <a:xfrm>
+          <a:off x="0" y="0"/>
+          <a:ext cx="0" cy="0"/>
+          <a:chOff x="0" y="0"/>
+          <a:chExt cx="0" cy="0"/>
+        </a:xfrm>
+      </p:grpSpPr>
+      <p:sp>
+        <p:nvSpPr>
+          <p:cNvPr id="3" name="Content Placeholder 2"/>
+          <p:cNvSpPr>
+            <a:spLocks noGrp="1"/>
+          </p:cNvSpPr>
+          <p:nvPr>
+            <p:ph idx="1"/>
+          </p:nvPr>
+        </p:nvSpPr>
+        <p:spPr>
+          <a:xfrm>
+            <a:off x="174811" y="149224"/>
+            <a:ext cx="11519648" cy="2427262"/>
+          </a:xfrm>
+        </p:spPr>
+        <p:txBody>
+          <a:bodyPr>
+            <a:normAutofit fontScale="77500" lnSpcReduction="20000"/>
+          </a:bodyPr>
+          <a:lstStyle/>
+          <a:p>
+            <a:r>
+              <a:rPr lang="en-US" dirty="0" smtClean="0"/>
+              <a:t>When match starts, </a:t>
+            </a:r>
+            <a:r>
+              <a:rPr lang="en-US" b="1" dirty="0" smtClean="0"/>
+              <a:t>each player</a:t>
+            </a:r>
+            <a:r>
+              <a:rPr lang="en-US" dirty="0" smtClean="0"/>
+              <a:t> creates </a:t>
+            </a:r>
+            <a:r>
+              <a:rPr lang="en-US" dirty="0"/>
+              <a:t>a</a:t>
+            </a:r>
+            <a:r>
+              <a:rPr lang="en-US" dirty="0" smtClean="0"/>
+              <a:t> </a:t>
+            </a:r>
+            <a:r>
+              <a:rPr lang="en-US" i="1" dirty="0" err="1" smtClean="0"/>
+              <a:t>WebSocket</a:t>
+            </a:r>
+            <a:r>
+              <a:rPr lang="en-US" i="1" dirty="0" smtClean="0"/>
+              <a:t> </a:t>
+            </a:r>
+            <a:r>
+              <a:rPr lang="en-US" dirty="0" smtClean="0"/>
+              <a:t>toward the server</a:t>
+            </a:r>
+          </a:p>
+          <a:p>
+            <a:r>
+              <a:rPr lang="en-US" dirty="0" smtClean="0"/>
+              <a:t>To avoid cheating, the </a:t>
+            </a:r>
+            <a:r>
+              <a:rPr lang="en-US" b="1" dirty="0" smtClean="0"/>
+              <a:t>state</a:t>
+            </a:r>
+            <a:r>
+              <a:rPr lang="en-US" dirty="0" smtClean="0"/>
+              <a:t> of the match is on server, the players only see a </a:t>
+            </a:r>
+            <a:r>
+              <a:rPr lang="en-US" b="1" dirty="0" smtClean="0"/>
+              <a:t>view</a:t>
+            </a:r>
+            <a:r>
+              <a:rPr lang="en-US" dirty="0" smtClean="0"/>
+              <a:t> of it (recall users can do whatever on his/her browser…)</a:t>
+            </a:r>
+          </a:p>
+          <a:p>
+            <a:r>
+              <a:rPr lang="en-US" dirty="0" smtClean="0"/>
+              <a:t>Match state: </a:t>
+            </a:r>
+            <a:r>
+              <a:rPr lang="en-US" b="1" dirty="0" smtClean="0"/>
+              <a:t>board</a:t>
+            </a:r>
+            <a:r>
+              <a:rPr lang="en-US" dirty="0" smtClean="0"/>
+              <a:t> plus 2 </a:t>
+            </a:r>
+            <a:r>
+              <a:rPr lang="en-US" i="1" dirty="0" err="1" smtClean="0"/>
+              <a:t>WebSockets</a:t>
+            </a:r>
+            <a:r>
+              <a:rPr lang="en-US" dirty="0" smtClean="0"/>
+              <a:t> for the 2 players </a:t>
+            </a:r>
+          </a:p>
+          <a:p>
+            <a:r>
+              <a:rPr lang="en-US" dirty="0" smtClean="0"/>
+              <a:t>At each state change on server, opponent gets informed via </a:t>
+            </a:r>
+            <a:r>
+              <a:rPr lang="en-US" i="1" dirty="0" err="1" smtClean="0"/>
+              <a:t>WebSocket</a:t>
+            </a:r>
+            <a:endParaRPr lang="en-US" i="1" dirty="0" smtClean="0"/>
+          </a:p>
+          <a:p>
+            <a:r>
+              <a:rPr lang="en-US" dirty="0" smtClean="0"/>
+              <a:t>Actions out of sequence must be discarded (possible cheater)</a:t>
+            </a:r>
+          </a:p>
+        </p:txBody>
+      </p:sp>
+      <p:pic>
+        <p:nvPicPr>
+          <p:cNvPr id="4" name="Picture 6" descr="Image result for server"/>
+          <p:cNvPicPr>
+            <a:picLocks noChangeAspect="1" noChangeArrowheads="1"/>
+          </p:cNvPicPr>
+          <p:nvPr/>
+        </p:nvPicPr>
+        <p:blipFill>
+          <a:blip r:embed="rId2">
+            <a:extLst>
+              <a:ext uri="{28A0092B-C50C-407E-A947-70E740481C1C}">
+                <a14:useLocalDpi xmlns:a14="http://schemas.microsoft.com/office/drawing/2010/main" val="0"/>
+              </a:ext>
+            </a:extLst>
+          </a:blip>
+          <a:srcRect/>
+          <a:stretch>
+            <a:fillRect/>
+          </a:stretch>
+        </p:blipFill>
+        <p:spPr bwMode="auto">
+          <a:xfrm>
+            <a:off x="6504977" y="3997625"/>
+            <a:ext cx="2270126" cy="1708750"/>
+          </a:xfrm>
+          <a:prstGeom prst="rect">
+            <a:avLst/>
+          </a:prstGeom>
+          <a:noFill/>
+          <a:extLst>
+            <a:ext uri="{909E8E84-426E-40DD-AFC4-6F175D3DCCD1}">
+              <a14:hiddenFill xmlns:a14="http://schemas.microsoft.com/office/drawing/2010/main">
+                <a:solidFill>
+                  <a:srgbClr val="FFFFFF"/>
+                </a:solidFill>
+              </a14:hiddenFill>
+            </a:ext>
+          </a:extLst>
+        </p:spPr>
+      </p:pic>
+      <p:cxnSp>
+        <p:nvCxnSpPr>
+          <p:cNvPr id="5" name="Straight Arrow Connector 4"/>
+          <p:cNvCxnSpPr>
+            <a:endCxn id="4" idx="1"/>
+          </p:cNvCxnSpPr>
+          <p:nvPr/>
+        </p:nvCxnSpPr>
+        <p:spPr>
+          <a:xfrm>
+            <a:off x="3324556" y="3647780"/>
+            <a:ext cx="3180421" cy="1204220"/>
+          </a:xfrm>
+          <a:prstGeom prst="straightConnector1">
+            <a:avLst/>
+          </a:prstGeom>
+          <a:ln w="57150">
+            <a:solidFill>
+              <a:schemeClr val="tx1"/>
+            </a:solidFill>
+            <a:headEnd type="stealth"/>
+            <a:tailEnd type="triangle"/>
+          </a:ln>
+        </p:spPr>
+        <p:style>
+          <a:lnRef idx="1">
+            <a:schemeClr val="accent1"/>
+          </a:lnRef>
+          <a:fillRef idx="0">
+            <a:schemeClr val="accent1"/>
+          </a:fillRef>
+          <a:effectRef idx="0">
+            <a:schemeClr val="accent1"/>
+          </a:effectRef>
+          <a:fontRef idx="minor">
+            <a:schemeClr val="tx1"/>
+          </a:fontRef>
+        </p:style>
+      </p:cxnSp>
+      <p:pic>
+        <p:nvPicPr>
+          <p:cNvPr id="7" name="Picture 2" descr="Image result for laptop"/>
+          <p:cNvPicPr>
+            <a:picLocks noChangeAspect="1" noChangeArrowheads="1"/>
+          </p:cNvPicPr>
+          <p:nvPr/>
+        </p:nvPicPr>
+        <p:blipFill>
+          <a:blip r:embed="rId3">
+            <a:extLst>
+              <a:ext uri="{28A0092B-C50C-407E-A947-70E740481C1C}">
+                <a14:useLocalDpi xmlns:a14="http://schemas.microsoft.com/office/drawing/2010/main" val="0"/>
+              </a:ext>
+            </a:extLst>
+          </a:blip>
+          <a:srcRect/>
+          <a:stretch>
+            <a:fillRect/>
+          </a:stretch>
+        </p:blipFill>
+        <p:spPr bwMode="auto">
+          <a:xfrm>
+            <a:off x="1707179" y="2658558"/>
+            <a:ext cx="1617377" cy="1213033"/>
+          </a:xfrm>
+          <a:prstGeom prst="rect">
+            <a:avLst/>
+          </a:prstGeom>
+          <a:noFill/>
+          <a:extLst>
+            <a:ext uri="{909E8E84-426E-40DD-AFC4-6F175D3DCCD1}">
+              <a14:hiddenFill xmlns:a14="http://schemas.microsoft.com/office/drawing/2010/main">
+                <a:solidFill>
+                  <a:srgbClr val="FFFFFF"/>
+                </a:solidFill>
+              </a14:hiddenFill>
+            </a:ext>
+          </a:extLst>
+        </p:spPr>
+      </p:pic>
+      <p:pic>
+        <p:nvPicPr>
+          <p:cNvPr id="8" name="Picture 2" descr="Image result for laptop"/>
+          <p:cNvPicPr>
+            <a:picLocks noChangeAspect="1" noChangeArrowheads="1"/>
+          </p:cNvPicPr>
+          <p:nvPr/>
+        </p:nvPicPr>
+        <p:blipFill>
+          <a:blip r:embed="rId3">
+            <a:extLst>
+              <a:ext uri="{28A0092B-C50C-407E-A947-70E740481C1C}">
+                <a14:useLocalDpi xmlns:a14="http://schemas.microsoft.com/office/drawing/2010/main" val="0"/>
+              </a:ext>
+            </a:extLst>
+          </a:blip>
+          <a:srcRect/>
+          <a:stretch>
+            <a:fillRect/>
+          </a:stretch>
+        </p:blipFill>
+        <p:spPr bwMode="auto">
+          <a:xfrm>
+            <a:off x="1707179" y="5516378"/>
+            <a:ext cx="1617377" cy="1213033"/>
+          </a:xfrm>
+          <a:prstGeom prst="rect">
+            <a:avLst/>
+          </a:prstGeom>
+          <a:noFill/>
+          <a:extLst>
+            <a:ext uri="{909E8E84-426E-40DD-AFC4-6F175D3DCCD1}">
+              <a14:hiddenFill xmlns:a14="http://schemas.microsoft.com/office/drawing/2010/main">
+                <a:solidFill>
+                  <a:srgbClr val="FFFFFF"/>
+                </a:solidFill>
+              </a14:hiddenFill>
+            </a:ext>
+          </a:extLst>
+        </p:spPr>
+      </p:pic>
+      <p:cxnSp>
+        <p:nvCxnSpPr>
+          <p:cNvPr id="11" name="Straight Arrow Connector 10"/>
+          <p:cNvCxnSpPr>
+            <a:stCxn id="8" idx="3"/>
+            <a:endCxn id="4" idx="1"/>
+          </p:cNvCxnSpPr>
+          <p:nvPr/>
+        </p:nvCxnSpPr>
+        <p:spPr>
+          <a:xfrm flipV="1">
+            <a:off x="3324556" y="4852000"/>
+            <a:ext cx="3180421" cy="1270895"/>
+          </a:xfrm>
+          <a:prstGeom prst="straightConnector1">
+            <a:avLst/>
+          </a:prstGeom>
+          <a:ln w="57150">
+            <a:solidFill>
+              <a:schemeClr val="tx1"/>
+            </a:solidFill>
+            <a:headEnd type="stealth"/>
+            <a:tailEnd type="triangle"/>
+          </a:ln>
+        </p:spPr>
+        <p:style>
+          <a:lnRef idx="1">
+            <a:schemeClr val="accent1"/>
+          </a:lnRef>
+          <a:fillRef idx="0">
+            <a:schemeClr val="accent1"/>
+          </a:fillRef>
+          <a:effectRef idx="0">
+            <a:schemeClr val="accent1"/>
+          </a:effectRef>
+          <a:fontRef idx="minor">
+            <a:schemeClr val="tx1"/>
+          </a:fontRef>
+        </p:style>
+      </p:cxnSp>
+      <p:sp>
+        <p:nvSpPr>
+          <p:cNvPr id="16" name="TextBox 15"/>
+          <p:cNvSpPr txBox="1"/>
+          <p:nvPr/>
+        </p:nvSpPr>
+        <p:spPr>
+          <a:xfrm>
+            <a:off x="4153261" y="3574979"/>
+            <a:ext cx="1577344" cy="400110"/>
+          </a:xfrm>
+          <a:prstGeom prst="rect">
+            <a:avLst/>
+          </a:prstGeom>
+          <a:noFill/>
+        </p:spPr>
+        <p:txBody>
+          <a:bodyPr wrap="square" rtlCol="0">
+            <a:spAutoFit/>
+          </a:bodyPr>
+          <a:lstStyle/>
+          <a:p>
+            <a:r>
+              <a:rPr lang="en-US" sz="2000" b="1" dirty="0" err="1" smtClean="0"/>
+              <a:t>WebSocket</a:t>
+            </a:r>
+            <a:endParaRPr lang="en-US" sz="2000" dirty="0"/>
+          </a:p>
+        </p:txBody>
+      </p:sp>
+      <p:sp>
+        <p:nvSpPr>
+          <p:cNvPr id="18" name="TextBox 17"/>
+          <p:cNvSpPr txBox="1"/>
+          <p:nvPr/>
+        </p:nvSpPr>
+        <p:spPr>
+          <a:xfrm>
+            <a:off x="4153261" y="5743043"/>
+            <a:ext cx="1577344" cy="400110"/>
+          </a:xfrm>
+          <a:prstGeom prst="rect">
+            <a:avLst/>
+          </a:prstGeom>
+          <a:noFill/>
+        </p:spPr>
+        <p:txBody>
+          <a:bodyPr wrap="square" rtlCol="0">
+            <a:spAutoFit/>
+          </a:bodyPr>
+          <a:lstStyle/>
+          <a:p>
+            <a:r>
+              <a:rPr lang="en-US" sz="2000" b="1" dirty="0" err="1" smtClean="0"/>
+              <a:t>WebSocket</a:t>
+            </a:r>
+            <a:endParaRPr lang="en-US" sz="2000" dirty="0"/>
+          </a:p>
+        </p:txBody>
+      </p:sp>
+    </p:spTree>
+    <p:extLst>
+      <p:ext uri="{BB962C8B-B14F-4D97-AF65-F5344CB8AC3E}">
+        <p14:creationId xmlns:p14="http://schemas.microsoft.com/office/powerpoint/2010/main" val="1123121333"/>
+      </p:ext>
+    </p:extLst>
+  </p:cSld>
+  <p:clrMapOvr>
+    <a:masterClrMapping/>
+  </p:clrMapOvr>
+</p:sld>
+</file>
+
 <file path=ppt/slides/slide7.xml><?xml version="1.0" encoding="utf-8"?>
 <p:sld xmlns:a="http://schemas.openxmlformats.org/drawingml/2006/main" xmlns:r="http://schemas.openxmlformats.org/officeDocument/2006/relationships" xmlns:p="http://schemas.openxmlformats.org/presentationml/2006/main">
   <p:cSld>
@@ -5480,8 +7394,12 @@
           <a:lstStyle/>
           <a:p>
             <a:r>
-              <a:rPr lang="en-US" dirty="0" err="1"/>
-              <a:t>Heroku</a:t>
+              <a:rPr lang="en-US" dirty="0" err="1" smtClean="0"/>
+              <a:t>WebSocket</a:t>
+            </a:r>
+            <a:r>
+              <a:rPr lang="en-US" dirty="0" smtClean="0"/>
+              <a:t> Security</a:t>
             </a:r>
             <a:endParaRPr lang="en-US" dirty="0"/>
           </a:p>
@@ -5499,77 +7417,203 @@
         </p:nvSpPr>
         <p:spPr>
           <a:xfrm>
-            <a:off x="188535" y="1825624"/>
-            <a:ext cx="11830639" cy="4857979"/>
+            <a:off x="262701" y="1825624"/>
+            <a:ext cx="11771005" cy="4918707"/>
           </a:xfrm>
         </p:spPr>
         <p:txBody>
           <a:bodyPr>
-            <a:normAutofit/>
+            <a:normAutofit lnSpcReduction="10000"/>
           </a:bodyPr>
           <a:lstStyle/>
           <a:p>
             <a:r>
-              <a:rPr lang="en-US" dirty="0"/>
-              <a:t>One of the main cloud providers</a:t>
-            </a:r>
-          </a:p>
-          <a:p>
-            <a:r>
-              <a:rPr lang="en-US" dirty="0"/>
-              <a:t>At the time of this writing, it provides </a:t>
-            </a:r>
-            <a:r>
-              <a:rPr lang="en-US" i="1" dirty="0"/>
-              <a:t>easy</a:t>
-            </a:r>
-            <a:r>
-              <a:rPr lang="en-US" dirty="0"/>
-              <a:t> to use </a:t>
-            </a:r>
-            <a:r>
-              <a:rPr lang="en-US" i="1" dirty="0"/>
-              <a:t>free</a:t>
-            </a:r>
-            <a:r>
-              <a:rPr lang="en-US" dirty="0"/>
-              <a:t> hosting</a:t>
-            </a:r>
-          </a:p>
-          <a:p>
-            <a:pPr lvl="1"/>
-            <a:r>
-              <a:rPr lang="en-US" dirty="0"/>
-              <a:t>note, this might change at any time </a:t>
-            </a:r>
-          </a:p>
-          <a:p>
-            <a:r>
-              <a:rPr lang="en-US" dirty="0"/>
-              <a:t>Supporting </a:t>
-            </a:r>
-            <a:r>
-              <a:rPr lang="en-US" dirty="0" err="1"/>
-              <a:t>NodeJS</a:t>
-            </a:r>
-            <a:r>
-              <a:rPr lang="en-US" dirty="0"/>
-              <a:t> applications</a:t>
-            </a:r>
-          </a:p>
-          <a:p>
-            <a:pPr lvl="1"/>
-            <a:r>
-              <a:rPr lang="en-US" dirty="0"/>
-              <a:t>and many others</a:t>
-            </a:r>
+              <a:rPr lang="en-US" dirty="0" smtClean="0"/>
+              <a:t>Assume match with id </a:t>
+            </a:r>
+            <a:r>
+              <a:rPr lang="en-US" b="1" dirty="0" smtClean="0"/>
+              <a:t>X</a:t>
+            </a:r>
+            <a:r>
+              <a:rPr lang="en-US" dirty="0" smtClean="0"/>
+              <a:t> between players </a:t>
+            </a:r>
+            <a:r>
+              <a:rPr lang="en-US" b="1" dirty="0" smtClean="0"/>
+              <a:t>A</a:t>
+            </a:r>
+            <a:r>
+              <a:rPr lang="en-US" dirty="0" smtClean="0"/>
+              <a:t> and </a:t>
+            </a:r>
+            <a:r>
+              <a:rPr lang="en-US" b="1" dirty="0" smtClean="0"/>
+              <a:t>B</a:t>
+            </a:r>
+          </a:p>
+          <a:p>
+            <a:r>
+              <a:rPr lang="en-US" dirty="0" smtClean="0"/>
+              <a:t>How does server know that incoming </a:t>
+            </a:r>
+            <a:r>
+              <a:rPr lang="en-US" i="1" dirty="0" err="1" smtClean="0"/>
+              <a:t>WebSocket</a:t>
+            </a:r>
+            <a:r>
+              <a:rPr lang="en-US" dirty="0" smtClean="0"/>
+              <a:t> request for player </a:t>
+            </a:r>
+            <a:r>
+              <a:rPr lang="en-US" b="1" dirty="0" smtClean="0"/>
+              <a:t>A</a:t>
+            </a:r>
+            <a:r>
+              <a:rPr lang="en-US" dirty="0" smtClean="0"/>
+              <a:t> on match </a:t>
+            </a:r>
+            <a:r>
+              <a:rPr lang="en-US" b="1" dirty="0" smtClean="0"/>
+              <a:t>X</a:t>
+            </a:r>
+            <a:r>
+              <a:rPr lang="en-US" dirty="0" smtClean="0"/>
+              <a:t> is actually made by player </a:t>
+            </a:r>
+            <a:r>
+              <a:rPr lang="en-US" b="1" dirty="0" smtClean="0"/>
+              <a:t>A</a:t>
+            </a:r>
+            <a:r>
+              <a:rPr lang="en-US" dirty="0" smtClean="0"/>
+              <a:t>??? </a:t>
+            </a:r>
+          </a:p>
+          <a:p>
+            <a:r>
+              <a:rPr lang="en-US" dirty="0" smtClean="0"/>
+              <a:t>At least 2 options</a:t>
+            </a:r>
+          </a:p>
+          <a:p>
+            <a:pPr marL="971550" lvl="1" indent="-514350">
+              <a:buFont typeface="+mj-lt"/>
+              <a:buAutoNum type="arabicPeriod"/>
+            </a:pPr>
+            <a:r>
+              <a:rPr lang="en-US" dirty="0" smtClean="0"/>
+              <a:t>As first WS message is in HTTP, can use same </a:t>
+            </a:r>
+            <a:r>
+              <a:rPr lang="en-US" dirty="0" err="1" smtClean="0"/>
+              <a:t>auth</a:t>
+            </a:r>
+            <a:endParaRPr lang="en-US" dirty="0" smtClean="0"/>
+          </a:p>
+          <a:p>
+            <a:pPr marL="971550" lvl="1" indent="-514350">
+              <a:buFont typeface="+mj-lt"/>
+              <a:buAutoNum type="arabicPeriod"/>
+            </a:pPr>
+            <a:r>
+              <a:rPr lang="en-US" dirty="0" smtClean="0"/>
+              <a:t>Create a </a:t>
+            </a:r>
+            <a:r>
+              <a:rPr lang="en-US" b="1" dirty="0" smtClean="0"/>
+              <a:t>unique, one-time-use random token</a:t>
+            </a:r>
+            <a:r>
+              <a:rPr lang="en-US" dirty="0" smtClean="0"/>
+              <a:t> in a </a:t>
+            </a:r>
+            <a:r>
+              <a:rPr lang="en-US" b="1" dirty="0" smtClean="0"/>
+              <a:t>secured</a:t>
+            </a:r>
+            <a:r>
+              <a:rPr lang="en-US" dirty="0" smtClean="0"/>
+              <a:t> way for </a:t>
+            </a:r>
+            <a:r>
+              <a:rPr lang="en-US" b="1" dirty="0" smtClean="0"/>
+              <a:t>A</a:t>
+            </a:r>
+            <a:r>
+              <a:rPr lang="en-US" dirty="0" smtClean="0"/>
+              <a:t> (</a:t>
+            </a:r>
+            <a:r>
+              <a:rPr lang="en-US" dirty="0" err="1" smtClean="0"/>
+              <a:t>eg</a:t>
+            </a:r>
+            <a:r>
+              <a:rPr lang="en-US" dirty="0" smtClean="0"/>
+              <a:t> </a:t>
+            </a:r>
+            <a:r>
+              <a:rPr lang="en-US" dirty="0" err="1" smtClean="0"/>
+              <a:t>authed</a:t>
+            </a:r>
+            <a:r>
+              <a:rPr lang="en-US" dirty="0" smtClean="0"/>
+              <a:t> REST endpoint), associate such token to </a:t>
+            </a:r>
+            <a:r>
+              <a:rPr lang="en-US" b="1" dirty="0" smtClean="0"/>
+              <a:t>A</a:t>
+            </a:r>
+            <a:r>
+              <a:rPr lang="en-US" dirty="0" smtClean="0"/>
+              <a:t> on server, </a:t>
+            </a:r>
+            <a:r>
+              <a:rPr lang="en-US" dirty="0" err="1" smtClean="0"/>
+              <a:t>auth</a:t>
+            </a:r>
+            <a:r>
+              <a:rPr lang="en-US" dirty="0" smtClean="0"/>
+              <a:t> the WS when such token is provided  </a:t>
+            </a:r>
+          </a:p>
+          <a:p>
+            <a:pPr lvl="2"/>
+            <a:r>
+              <a:rPr lang="en-US" dirty="0" smtClean="0"/>
+              <a:t>This is a more general approach, not tied to implementation details of how the WS is established </a:t>
+            </a:r>
+          </a:p>
+          <a:p>
+            <a:pPr lvl="2"/>
+            <a:r>
+              <a:rPr lang="en-US" dirty="0" smtClean="0"/>
+              <a:t>Recall that WS is for a single user (own TCP socket), so need </a:t>
+            </a:r>
+            <a:r>
+              <a:rPr lang="en-US" dirty="0" err="1" smtClean="0"/>
+              <a:t>auth</a:t>
+            </a:r>
+            <a:r>
+              <a:rPr lang="en-US" dirty="0" smtClean="0"/>
+              <a:t> only once, and not like on every single request like in HTTP (</a:t>
+            </a:r>
+            <a:r>
+              <a:rPr lang="en-US" dirty="0" err="1" smtClean="0"/>
+              <a:t>eg</a:t>
+            </a:r>
+            <a:r>
+              <a:rPr lang="en-US" dirty="0" smtClean="0"/>
+              <a:t> using cookies)</a:t>
+            </a:r>
+            <a:endParaRPr lang="en-US" dirty="0"/>
           </a:p>
         </p:txBody>
       </p:sp>
     </p:spTree>
     <p:extLst>
       <p:ext uri="{BB962C8B-B14F-4D97-AF65-F5344CB8AC3E}">
-        <p14:creationId xmlns:p14="http://schemas.microsoft.com/office/powerpoint/2010/main" val="1389031099"/>
+        <p14:creationId xmlns:p14="http://schemas.microsoft.com/office/powerpoint/2010/main" val="537085218"/>
       </p:ext>
     </p:extLst>
   </p:cSld>
@@ -5612,12 +7656,12 @@
           <a:lstStyle/>
           <a:p>
             <a:r>
-              <a:rPr lang="en-US" dirty="0"/>
-              <a:t>Using </a:t>
-            </a:r>
-            <a:r>
-              <a:rPr lang="en-US" dirty="0" err="1"/>
-              <a:t>Heroku</a:t>
+              <a:rPr lang="en-US" dirty="0" err="1" smtClean="0"/>
+              <a:t>WebSocket</a:t>
+            </a:r>
+            <a:r>
+              <a:rPr lang="en-US" dirty="0" smtClean="0"/>
+              <a:t> Cost</a:t>
             </a:r>
             <a:endParaRPr lang="en-US" dirty="0"/>
           </a:p>
@@ -5635,88 +7679,99 @@
         </p:nvSpPr>
         <p:spPr>
           <a:xfrm>
-            <a:off x="179109" y="1825625"/>
-            <a:ext cx="11736371" cy="4867406"/>
+            <a:off x="227337" y="1825625"/>
+            <a:ext cx="11750798" cy="4918706"/>
           </a:xfrm>
         </p:spPr>
         <p:txBody>
-          <a:bodyPr>
-            <a:normAutofit/>
-          </a:bodyPr>
-          <a:lstStyle/>
-          <a:p>
-            <a:r>
-              <a:rPr lang="en-US" dirty="0"/>
-              <a:t>First you need to create an account at </a:t>
-            </a:r>
-            <a:r>
-              <a:rPr lang="en-US" dirty="0">
-                <a:hlinkClick r:id="rId2"/>
-              </a:rPr>
-              <a:t>www.heroku.com</a:t>
-            </a:r>
-            <a:endParaRPr lang="en-US" dirty="0"/>
-          </a:p>
-          <a:p>
-            <a:r>
-              <a:rPr lang="en-US" dirty="0"/>
-              <a:t>Most instructions on Heroku shows how to deploy with Git, but </a:t>
+          <a:bodyPr/>
+          <a:lstStyle/>
+          <a:p>
+            <a:r>
+              <a:rPr lang="en-US" dirty="0" smtClean="0"/>
+              <a:t>WSs are </a:t>
+            </a:r>
+            <a:r>
+              <a:rPr lang="en-US" b="1" dirty="0" smtClean="0"/>
+              <a:t>EXPENSIVE</a:t>
+            </a:r>
+            <a:r>
+              <a:rPr lang="en-US" dirty="0" smtClean="0"/>
+              <a:t>, as TCP sockets are OS resources</a:t>
+            </a:r>
+            <a:endParaRPr lang="en-US" b="1" dirty="0" smtClean="0"/>
+          </a:p>
+          <a:p>
+            <a:r>
+              <a:rPr lang="en-US" dirty="0" smtClean="0"/>
+              <a:t>Need to keep open a TCP socket </a:t>
+            </a:r>
+            <a:r>
+              <a:rPr lang="en-US" b="1" dirty="0" smtClean="0"/>
+              <a:t>for each</a:t>
+            </a:r>
+            <a:r>
+              <a:rPr lang="en-US" dirty="0" smtClean="0"/>
+              <a:t> WS</a:t>
+            </a:r>
+          </a:p>
+          <a:p>
+            <a:r>
+              <a:rPr lang="en-US" dirty="0" smtClean="0"/>
+              <a:t>In HTTP, if running out of ports, can close TCP after resolving each incoming request</a:t>
+            </a:r>
+          </a:p>
+          <a:p>
+            <a:pPr lvl="1"/>
+            <a:r>
+              <a:rPr lang="en-US" dirty="0" smtClean="0"/>
+              <a:t>Recall a TCP connection is defined by 4 coordinates: IP and port of client, and IP and port of server</a:t>
+            </a:r>
+          </a:p>
+          <a:p>
+            <a:pPr lvl="2"/>
+            <a:r>
+              <a:rPr lang="en-US" dirty="0" smtClean="0"/>
+              <a:t>So, there can be at most 2^16=65,536 TCP connections at same time on server</a:t>
+            </a:r>
+          </a:p>
+          <a:p>
+            <a:pPr lvl="1"/>
+            <a:r>
+              <a:rPr lang="en-US" dirty="0" err="1" smtClean="0"/>
+              <a:t>Ie</a:t>
+            </a:r>
+            <a:r>
+              <a:rPr lang="en-US" dirty="0" smtClean="0"/>
+              <a:t>, in HTTP keeping a TCP on after a request is only for performance reasons, </a:t>
+            </a:r>
+            <a:r>
+              <a:rPr lang="en-US" dirty="0" err="1" smtClean="0"/>
+              <a:t>eg</a:t>
+            </a:r>
+            <a:r>
+              <a:rPr lang="en-US" dirty="0" smtClean="0"/>
+              <a:t> if expecting other following requests</a:t>
+            </a:r>
+          </a:p>
+          <a:p>
+            <a:pPr lvl="2"/>
+            <a:r>
+              <a:rPr lang="en-US" dirty="0"/>
+              <a:t>See also: “</a:t>
             </a:r>
             <a:r>
               <a:rPr lang="en-US" i="1" dirty="0"/>
-              <a:t>I do not like it</a:t>
-            </a:r>
-            <a:r>
-              <a:rPr lang="en-US" dirty="0"/>
-              <a:t>… we will use a CLI</a:t>
-            </a:r>
-          </a:p>
-          <a:p>
-            <a:pPr lvl="1"/>
-            <a:r>
-              <a:rPr lang="en-US" dirty="0"/>
-              <a:t>however, you can use whatever you like…</a:t>
-            </a:r>
-          </a:p>
-          <a:p>
-            <a:r>
-              <a:rPr lang="en-US" dirty="0"/>
-              <a:t>Install </a:t>
-            </a:r>
-            <a:r>
-              <a:rPr lang="en-US" i="1" dirty="0"/>
-              <a:t>Heroku CLI</a:t>
-            </a:r>
-            <a:r>
-              <a:rPr lang="en-US" dirty="0"/>
-              <a:t>, which allows you to interact with Heroku from command line</a:t>
-            </a:r>
-          </a:p>
-          <a:p>
-            <a:r>
-              <a:rPr lang="en-US" dirty="0"/>
-              <a:t>On the web interface, create an “app” with a name of your choice. In these slides, I will use “</a:t>
-            </a:r>
-            <a:r>
-              <a:rPr lang="en-US" i="1" dirty="0"/>
-              <a:t>pg6300-c4</a:t>
-            </a:r>
-            <a:r>
-              <a:rPr lang="en-US" dirty="0"/>
-              <a:t>”</a:t>
-            </a:r>
-          </a:p>
-          <a:p>
-            <a:pPr lvl="1"/>
-            <a:r>
-              <a:rPr lang="en-US" dirty="0"/>
-              <a:t>as names are unique, you will need to choose a different name</a:t>
-            </a:r>
-          </a:p>
-          <a:p>
-            <a:pPr marL="0" indent="0">
-              <a:buNone/>
-            </a:pPr>
+              <a:t>Connection: Keep-Alive</a:t>
+            </a:r>
+            <a:r>
+              <a:rPr lang="en-US" dirty="0"/>
+              <a:t>”  </a:t>
+            </a:r>
+            <a:r>
+              <a:rPr lang="en-US" dirty="0" smtClean="0"/>
+              <a:t>HTTP header</a:t>
+            </a:r>
             <a:endParaRPr lang="en-US" dirty="0"/>
           </a:p>
         </p:txBody>
@@ -5724,7 +7779,7 @@
     </p:spTree>
     <p:extLst>
       <p:ext uri="{BB962C8B-B14F-4D97-AF65-F5344CB8AC3E}">
-        <p14:creationId xmlns:p14="http://schemas.microsoft.com/office/powerpoint/2010/main" val="150954356"/>
+        <p14:creationId xmlns:p14="http://schemas.microsoft.com/office/powerpoint/2010/main" val="1642754489"/>
       </p:ext>
     </p:extLst>
   </p:cSld>
@@ -5767,9 +7822,14 @@
           <a:lstStyle/>
           <a:p>
             <a:r>
-              <a:rPr lang="en-US" dirty="0"/>
-              <a:t>From Command Line (CLI)</a:t>
-            </a:r>
+              <a:rPr lang="en-US" dirty="0" err="1" smtClean="0"/>
+              <a:t>WebSocket</a:t>
+            </a:r>
+            <a:r>
+              <a:rPr lang="en-US" dirty="0" smtClean="0"/>
+              <a:t> Topics</a:t>
+            </a:r>
+            <a:endParaRPr lang="en-US" dirty="0"/>
           </a:p>
         </p:txBody>
       </p:sp>
@@ -5785,134 +7845,74 @@
         </p:nvSpPr>
         <p:spPr>
           <a:xfrm>
-            <a:off x="207390" y="1825624"/>
-            <a:ext cx="11792932" cy="4905113"/>
+            <a:off x="293011" y="1825625"/>
+            <a:ext cx="11700279" cy="4832824"/>
           </a:xfrm>
         </p:spPr>
         <p:txBody>
           <a:bodyPr>
-            <a:normAutofit/>
+            <a:normAutofit fontScale="92500"/>
           </a:bodyPr>
           <a:lstStyle/>
           <a:p>
             <a:r>
-              <a:rPr lang="en-US" b="1" dirty="0" err="1"/>
-              <a:t>heroku</a:t>
-            </a:r>
-            <a:r>
-              <a:rPr lang="en-US" b="1" dirty="0"/>
-              <a:t> </a:t>
-            </a:r>
-            <a:r>
-              <a:rPr lang="en-US" b="1" dirty="0" err="1"/>
-              <a:t>plugins:install</a:t>
-            </a:r>
-            <a:r>
-              <a:rPr lang="en-US" b="1" dirty="0"/>
-              <a:t> </a:t>
-            </a:r>
-            <a:r>
-              <a:rPr lang="en-US" b="1" dirty="0" err="1"/>
-              <a:t>heroku</a:t>
-            </a:r>
-            <a:r>
-              <a:rPr lang="en-US" b="1" dirty="0"/>
-              <a:t>-builds</a:t>
+              <a:rPr lang="en-US" dirty="0" smtClean="0"/>
+              <a:t>There can be different types of communications between a client and server over WS</a:t>
             </a:r>
           </a:p>
           <a:p>
             <a:pPr lvl="1"/>
             <a:r>
-              <a:rPr lang="en-US" dirty="0"/>
-              <a:t>need to be run only once, to install the “</a:t>
-            </a:r>
-            <a:r>
-              <a:rPr lang="en-US" i="1" dirty="0"/>
-              <a:t>builds</a:t>
-            </a:r>
-            <a:r>
-              <a:rPr lang="en-US" dirty="0"/>
-              <a:t>” plugin</a:t>
-            </a:r>
-            <a:endParaRPr lang="en-US" b="1" dirty="0"/>
-          </a:p>
-          <a:p>
-            <a:r>
-              <a:rPr lang="en-US" b="1" dirty="0" err="1"/>
-              <a:t>heroku</a:t>
-            </a:r>
-            <a:r>
-              <a:rPr lang="en-US" b="1" dirty="0"/>
-              <a:t> login</a:t>
+              <a:rPr lang="en-US" dirty="0" err="1" smtClean="0"/>
+              <a:t>eg</a:t>
+            </a:r>
+            <a:r>
+              <a:rPr lang="en-US" dirty="0" smtClean="0"/>
+              <a:t> many different functionalities and operations</a:t>
+            </a:r>
+          </a:p>
+          <a:p>
+            <a:r>
+              <a:rPr lang="en-US" dirty="0" smtClean="0"/>
+              <a:t>Too expensive to open a different TCP socket for each operation</a:t>
+            </a:r>
+          </a:p>
+          <a:p>
+            <a:r>
+              <a:rPr lang="en-US" b="1" dirty="0" smtClean="0"/>
+              <a:t>Must re-use same WS </a:t>
+            </a:r>
+            <a:r>
+              <a:rPr lang="en-US" dirty="0" smtClean="0"/>
+              <a:t>for each different kind of operation</a:t>
+            </a:r>
+          </a:p>
+          <a:p>
+            <a:r>
+              <a:rPr lang="en-US" dirty="0" smtClean="0"/>
+              <a:t>(Simple) Solution: wrap JSON data into an object defining a discriminating “</a:t>
+            </a:r>
+            <a:r>
+              <a:rPr lang="en-US" i="1" dirty="0" smtClean="0"/>
+              <a:t>topic</a:t>
+            </a:r>
+            <a:r>
+              <a:rPr lang="en-US" dirty="0" smtClean="0"/>
+              <a:t>” field, which identifies the operation </a:t>
             </a:r>
           </a:p>
           <a:p>
             <a:pPr lvl="1"/>
             <a:r>
-              <a:rPr lang="en-US" dirty="0"/>
-              <a:t>will setup credential for the other commands.</a:t>
-            </a:r>
-          </a:p>
-          <a:p>
-            <a:pPr lvl="1"/>
-            <a:r>
-              <a:rPr lang="en-US" dirty="0"/>
-              <a:t>note: if using Windows, this might not work on </a:t>
-            </a:r>
-            <a:r>
-              <a:rPr lang="en-US" dirty="0" err="1"/>
-              <a:t>GitBash</a:t>
-            </a:r>
-            <a:r>
-              <a:rPr lang="en-US" dirty="0"/>
-              <a:t>, and need to do this command once from a regular Terminal</a:t>
-            </a:r>
-          </a:p>
-          <a:p>
-            <a:r>
-              <a:rPr lang="en-US" b="1" dirty="0" err="1"/>
-              <a:t>heroku</a:t>
-            </a:r>
-            <a:r>
-              <a:rPr lang="en-US" b="1" dirty="0"/>
-              <a:t> </a:t>
-            </a:r>
-            <a:r>
-              <a:rPr lang="en-US" b="1" dirty="0" err="1"/>
-              <a:t>builds:create</a:t>
-            </a:r>
-            <a:r>
-              <a:rPr lang="en-US" b="1" dirty="0"/>
-              <a:t> -a pg6300-c4</a:t>
-            </a:r>
-          </a:p>
-          <a:p>
-            <a:pPr lvl="1"/>
-            <a:r>
-              <a:rPr lang="en-US" dirty="0"/>
-              <a:t>zip all your files in current folder, and deploy them in the app</a:t>
-            </a:r>
-          </a:p>
-          <a:p>
-            <a:pPr lvl="1"/>
-            <a:r>
-              <a:rPr lang="en-US" dirty="0"/>
-              <a:t>note: use “</a:t>
-            </a:r>
-            <a:r>
-              <a:rPr lang="en-US" i="1" dirty="0"/>
-              <a:t>.</a:t>
-            </a:r>
-            <a:r>
-              <a:rPr lang="en-US" i="1" dirty="0" err="1"/>
-              <a:t>gitignore</a:t>
-            </a:r>
-            <a:r>
-              <a:rPr lang="en-US" dirty="0"/>
-              <a:t>” to specify what to exclude</a:t>
-            </a:r>
-          </a:p>
-          <a:p>
+              <a:rPr lang="en-US" dirty="0" smtClean="0"/>
+              <a:t>Note: there are more sophisticated message protocols like STOMP</a:t>
+            </a:r>
+          </a:p>
+          <a:p>
+            <a:r>
+              <a:rPr lang="en-US" dirty="0" smtClean="0"/>
+              <a:t>Server will decide what to execute based on topic’s field value</a:t>
+            </a:r>
             <a:endParaRPr lang="en-US" dirty="0"/>
           </a:p>
         </p:txBody>
@@ -5920,7 +7920,7 @@
     </p:spTree>
     <p:extLst>
       <p:ext uri="{BB962C8B-B14F-4D97-AF65-F5344CB8AC3E}">
-        <p14:creationId xmlns:p14="http://schemas.microsoft.com/office/powerpoint/2010/main" val="911674185"/>
+        <p14:creationId xmlns:p14="http://schemas.microsoft.com/office/powerpoint/2010/main" val="2088592337"/>
       </p:ext>
     </p:extLst>
   </p:cSld>

--- a/docs/slides/lesson_10.pptx
+++ b/docs/slides/lesson_10.pptx
@@ -222,7 +222,7 @@
           <a:p>
             <a:fld id="{9B5B52BA-3295-0343-9E28-A260A811DD10}" type="datetimeFigureOut">
               <a:rPr lang="en-US" smtClean="0"/>
-              <a:t>18-Feb-20</a:t>
+              <a:t>04-Mar-20</a:t>
             </a:fld>
             <a:endParaRPr lang="en-US"/>
           </a:p>
@@ -702,7 +702,7 @@
           <a:p>
             <a:fld id="{04F1D4A2-813C-F741-B481-C92B3A596030}" type="datetimeFigureOut">
               <a:rPr lang="en-US" smtClean="0"/>
-              <a:t>18-Feb-20</a:t>
+              <a:t>04-Mar-20</a:t>
             </a:fld>
             <a:endParaRPr lang="en-US"/>
           </a:p>
@@ -870,7 +870,7 @@
           <a:p>
             <a:fld id="{04F1D4A2-813C-F741-B481-C92B3A596030}" type="datetimeFigureOut">
               <a:rPr lang="en-US" smtClean="0"/>
-              <a:t>18-Feb-20</a:t>
+              <a:t>04-Mar-20</a:t>
             </a:fld>
             <a:endParaRPr lang="en-US"/>
           </a:p>
@@ -1048,7 +1048,7 @@
           <a:p>
             <a:fld id="{04F1D4A2-813C-F741-B481-C92B3A596030}" type="datetimeFigureOut">
               <a:rPr lang="en-US" smtClean="0"/>
-              <a:t>18-Feb-20</a:t>
+              <a:t>04-Mar-20</a:t>
             </a:fld>
             <a:endParaRPr lang="en-US"/>
           </a:p>
@@ -1227,7 +1227,7 @@
           <a:p>
             <a:fld id="{04F1D4A2-813C-F741-B481-C92B3A596030}" type="datetimeFigureOut">
               <a:rPr lang="en-US" smtClean="0"/>
-              <a:t>18-Feb-20</a:t>
+              <a:t>04-Mar-20</a:t>
             </a:fld>
             <a:endParaRPr lang="en-US"/>
           </a:p>
@@ -1472,7 +1472,7 @@
           <a:p>
             <a:fld id="{04F1D4A2-813C-F741-B481-C92B3A596030}" type="datetimeFigureOut">
               <a:rPr lang="en-US" smtClean="0"/>
-              <a:t>18-Feb-20</a:t>
+              <a:t>04-Mar-20</a:t>
             </a:fld>
             <a:endParaRPr lang="en-US"/>
           </a:p>
@@ -1701,7 +1701,7 @@
           <a:p>
             <a:fld id="{04F1D4A2-813C-F741-B481-C92B3A596030}" type="datetimeFigureOut">
               <a:rPr lang="en-US" smtClean="0"/>
-              <a:t>18-Feb-20</a:t>
+              <a:t>04-Mar-20</a:t>
             </a:fld>
             <a:endParaRPr lang="en-US"/>
           </a:p>
@@ -2065,7 +2065,7 @@
           <a:p>
             <a:fld id="{04F1D4A2-813C-F741-B481-C92B3A596030}" type="datetimeFigureOut">
               <a:rPr lang="en-US" smtClean="0"/>
-              <a:t>18-Feb-20</a:t>
+              <a:t>04-Mar-20</a:t>
             </a:fld>
             <a:endParaRPr lang="en-US"/>
           </a:p>
@@ -2182,7 +2182,7 @@
           <a:p>
             <a:fld id="{04F1D4A2-813C-F741-B481-C92B3A596030}" type="datetimeFigureOut">
               <a:rPr lang="en-US" smtClean="0"/>
-              <a:t>18-Feb-20</a:t>
+              <a:t>04-Mar-20</a:t>
             </a:fld>
             <a:endParaRPr lang="en-US"/>
           </a:p>
@@ -2277,7 +2277,7 @@
           <a:p>
             <a:fld id="{04F1D4A2-813C-F741-B481-C92B3A596030}" type="datetimeFigureOut">
               <a:rPr lang="en-US" smtClean="0"/>
-              <a:t>18-Feb-20</a:t>
+              <a:t>04-Mar-20</a:t>
             </a:fld>
             <a:endParaRPr lang="en-US"/>
           </a:p>
@@ -2552,7 +2552,7 @@
           <a:p>
             <a:fld id="{04F1D4A2-813C-F741-B481-C92B3A596030}" type="datetimeFigureOut">
               <a:rPr lang="en-US" smtClean="0"/>
-              <a:t>18-Feb-20</a:t>
+              <a:t>04-Mar-20</a:t>
             </a:fld>
             <a:endParaRPr lang="en-US"/>
           </a:p>
@@ -2804,7 +2804,7 @@
           <a:p>
             <a:fld id="{04F1D4A2-813C-F741-B481-C92B3A596030}" type="datetimeFigureOut">
               <a:rPr lang="en-US" smtClean="0"/>
-              <a:t>18-Feb-20</a:t>
+              <a:t>04-Mar-20</a:t>
             </a:fld>
             <a:endParaRPr lang="en-US"/>
           </a:p>
@@ -3015,7 +3015,7 @@
           <a:p>
             <a:fld id="{04F1D4A2-813C-F741-B481-C92B3A596030}" type="datetimeFigureOut">
               <a:rPr lang="en-US" smtClean="0"/>
-              <a:t>18-Feb-20</a:t>
+              <a:t>04-Mar-20</a:t>
             </a:fld>
             <a:endParaRPr lang="en-US"/>
           </a:p>
@@ -7729,16 +7729,9 @@
             </a:r>
           </a:p>
           <a:p>
-            <a:pPr lvl="2"/>
-            <a:r>
-              <a:rPr lang="en-US" dirty="0" smtClean="0"/>
-              <a:t>So, there can be at most 2^16=65,536 TCP connections at same time on server</a:t>
-            </a:r>
-          </a:p>
-          <a:p>
             <a:pPr lvl="1"/>
             <a:r>
-              <a:rPr lang="en-US" dirty="0" err="1" smtClean="0"/>
+              <a:rPr lang="en-US" smtClean="0"/>
               <a:t>Ie</a:t>
             </a:r>
             <a:r>
